--- a/titanic_panic.pptx
+++ b/titanic_panic.pptx
@@ -2,12 +2,18 @@
 <file path=ppt/presentation.xml><?xml version="1.0" encoding="utf-8"?>
 <p:presentation xmlns:a="http://schemas.openxmlformats.org/drawingml/2006/main" xmlns:r="http://schemas.openxmlformats.org/officeDocument/2006/relationships" xmlns:p="http://schemas.openxmlformats.org/presentationml/2006/main" saveSubsetFonts="1">
   <p:sldMasterIdLst>
-    <p:sldMasterId id="2147483648" r:id="rId1"/>
+    <p:sldMasterId id="2147483828" r:id="rId1"/>
   </p:sldMasterIdLst>
   <p:sldIdLst>
-    <p:sldId id="257" r:id="rId2"/>
-    <p:sldId id="258" r:id="rId3"/>
-    <p:sldId id="259" r:id="rId4"/>
+    <p:sldId id="260" r:id="rId2"/>
+    <p:sldId id="268" r:id="rId3"/>
+    <p:sldId id="257" r:id="rId4"/>
+    <p:sldId id="264" r:id="rId5"/>
+    <p:sldId id="266" r:id="rId6"/>
+    <p:sldId id="265" r:id="rId7"/>
+    <p:sldId id="261" r:id="rId8"/>
+    <p:sldId id="258" r:id="rId9"/>
+    <p:sldId id="259" r:id="rId10"/>
   </p:sldIdLst>
   <p:sldSz cx="12192000" cy="6858000"/>
   <p:notesSz cx="6858000" cy="9144000"/>
@@ -15,7 +21,7 @@
     <a:defPPr>
       <a:defRPr lang="en-US"/>
     </a:defPPr>
-    <a:lvl1pPr marL="0" algn="l" defTabSz="914400" rtl="0" eaLnBrk="1" latinLnBrk="0" hangingPunct="1">
+    <a:lvl1pPr marL="0" algn="l" defTabSz="457200" rtl="0" eaLnBrk="1" latinLnBrk="0" hangingPunct="1">
       <a:defRPr sz="1800" kern="1200">
         <a:solidFill>
           <a:schemeClr val="tx1"/>
@@ -25,7 +31,7 @@
         <a:cs typeface="+mn-cs"/>
       </a:defRPr>
     </a:lvl1pPr>
-    <a:lvl2pPr marL="457200" algn="l" defTabSz="914400" rtl="0" eaLnBrk="1" latinLnBrk="0" hangingPunct="1">
+    <a:lvl2pPr marL="457200" algn="l" defTabSz="457200" rtl="0" eaLnBrk="1" latinLnBrk="0" hangingPunct="1">
       <a:defRPr sz="1800" kern="1200">
         <a:solidFill>
           <a:schemeClr val="tx1"/>
@@ -35,7 +41,7 @@
         <a:cs typeface="+mn-cs"/>
       </a:defRPr>
     </a:lvl2pPr>
-    <a:lvl3pPr marL="914400" algn="l" defTabSz="914400" rtl="0" eaLnBrk="1" latinLnBrk="0" hangingPunct="1">
+    <a:lvl3pPr marL="914400" algn="l" defTabSz="457200" rtl="0" eaLnBrk="1" latinLnBrk="0" hangingPunct="1">
       <a:defRPr sz="1800" kern="1200">
         <a:solidFill>
           <a:schemeClr val="tx1"/>
@@ -45,7 +51,7 @@
         <a:cs typeface="+mn-cs"/>
       </a:defRPr>
     </a:lvl3pPr>
-    <a:lvl4pPr marL="1371600" algn="l" defTabSz="914400" rtl="0" eaLnBrk="1" latinLnBrk="0" hangingPunct="1">
+    <a:lvl4pPr marL="1371600" algn="l" defTabSz="457200" rtl="0" eaLnBrk="1" latinLnBrk="0" hangingPunct="1">
       <a:defRPr sz="1800" kern="1200">
         <a:solidFill>
           <a:schemeClr val="tx1"/>
@@ -55,7 +61,7 @@
         <a:cs typeface="+mn-cs"/>
       </a:defRPr>
     </a:lvl4pPr>
-    <a:lvl5pPr marL="1828800" algn="l" defTabSz="914400" rtl="0" eaLnBrk="1" latinLnBrk="0" hangingPunct="1">
+    <a:lvl5pPr marL="1828800" algn="l" defTabSz="457200" rtl="0" eaLnBrk="1" latinLnBrk="0" hangingPunct="1">
       <a:defRPr sz="1800" kern="1200">
         <a:solidFill>
           <a:schemeClr val="tx1"/>
@@ -65,7 +71,7 @@
         <a:cs typeface="+mn-cs"/>
       </a:defRPr>
     </a:lvl5pPr>
-    <a:lvl6pPr marL="2286000" algn="l" defTabSz="914400" rtl="0" eaLnBrk="1" latinLnBrk="0" hangingPunct="1">
+    <a:lvl6pPr marL="2286000" algn="l" defTabSz="457200" rtl="0" eaLnBrk="1" latinLnBrk="0" hangingPunct="1">
       <a:defRPr sz="1800" kern="1200">
         <a:solidFill>
           <a:schemeClr val="tx1"/>
@@ -75,7 +81,7 @@
         <a:cs typeface="+mn-cs"/>
       </a:defRPr>
     </a:lvl6pPr>
-    <a:lvl7pPr marL="2743200" algn="l" defTabSz="914400" rtl="0" eaLnBrk="1" latinLnBrk="0" hangingPunct="1">
+    <a:lvl7pPr marL="2743200" algn="l" defTabSz="457200" rtl="0" eaLnBrk="1" latinLnBrk="0" hangingPunct="1">
       <a:defRPr sz="1800" kern="1200">
         <a:solidFill>
           <a:schemeClr val="tx1"/>
@@ -85,7 +91,7 @@
         <a:cs typeface="+mn-cs"/>
       </a:defRPr>
     </a:lvl7pPr>
-    <a:lvl8pPr marL="3200400" algn="l" defTabSz="914400" rtl="0" eaLnBrk="1" latinLnBrk="0" hangingPunct="1">
+    <a:lvl8pPr marL="3200400" algn="l" defTabSz="457200" rtl="0" eaLnBrk="1" latinLnBrk="0" hangingPunct="1">
       <a:defRPr sz="1800" kern="1200">
         <a:solidFill>
           <a:schemeClr val="tx1"/>
@@ -95,7 +101,7 @@
         <a:cs typeface="+mn-cs"/>
       </a:defRPr>
     </a:lvl8pPr>
-    <a:lvl9pPr marL="3657600" algn="l" defTabSz="914400" rtl="0" eaLnBrk="1" latinLnBrk="0" hangingPunct="1">
+    <a:lvl9pPr marL="3657600" algn="l" defTabSz="457200" rtl="0" eaLnBrk="1" latinLnBrk="0" hangingPunct="1">
       <a:defRPr sz="1800" kern="1200">
         <a:solidFill>
           <a:schemeClr val="tx1"/>
@@ -106,11 +112,16 @@
       </a:defRPr>
     </a:lvl9pPr>
   </p:defaultTextStyle>
+  <p:extLst>
+    <p:ext uri="{EFAFB233-063F-42B5-8137-9DF3F51BA10A}">
+      <p15:sldGuideLst xmlns:p15="http://schemas.microsoft.com/office/powerpoint/2012/main"/>
+    </p:ext>
+  </p:extLst>
 </p:presentation>
 </file>
 
 <file path=ppt/slideLayouts/slideLayout1.xml><?xml version="1.0" encoding="utf-8"?>
-<p:sldLayout xmlns:a="http://schemas.openxmlformats.org/drawingml/2006/main" xmlns:r="http://schemas.openxmlformats.org/officeDocument/2006/relationships" xmlns:p="http://schemas.openxmlformats.org/presentationml/2006/main" type="title" preserve="1">
+<p:sldLayout xmlns:a="http://schemas.openxmlformats.org/drawingml/2006/main" xmlns:r="http://schemas.openxmlformats.org/officeDocument/2006/relationships" xmlns:p="http://schemas.openxmlformats.org/presentationml/2006/main" showMasterSp="0" type="title" preserve="1">
   <p:cSld name="Title Slide">
     <p:spTree>
       <p:nvGrpSpPr>
@@ -128,31 +139,72 @@
       </p:grpSpPr>
       <p:sp>
         <p:nvSpPr>
-          <p:cNvPr id="2" name="Title 1">
-            <a:extLst>
-              <a:ext uri="{FF2B5EF4-FFF2-40B4-BE49-F238E27FC236}">
-                <a16:creationId xmlns:a16="http://schemas.microsoft.com/office/drawing/2014/main" id="{27DBC352-33D6-39BE-B9B0-68BF25950B79}"/>
-              </a:ext>
-            </a:extLst>
-          </p:cNvPr>
-          <p:cNvSpPr>
-            <a:spLocks noGrp="1"/>
-          </p:cNvSpPr>
-          <p:nvPr>
-            <p:ph type="ctrTitle"/>
-          </p:nvPr>
+          <p:cNvPr id="8" name="Rectangle 7"/>
+          <p:cNvSpPr/>
+          <p:nvPr/>
         </p:nvSpPr>
         <p:spPr>
           <a:xfrm>
-            <a:off x="1524000" y="1122363"/>
-            <a:ext cx="9144000" cy="2387600"/>
+            <a:off x="11292840" y="0"/>
+            <a:ext cx="914400" cy="6858000"/>
+          </a:xfrm>
+          <a:prstGeom prst="rect">
+            <a:avLst/>
+          </a:prstGeom>
+          <a:solidFill>
+            <a:srgbClr val="303030"/>
+          </a:solidFill>
+          <a:ln>
+            <a:noFill/>
+          </a:ln>
+        </p:spPr>
+        <p:style>
+          <a:lnRef idx="2">
+            <a:schemeClr val="accent1">
+              <a:shade val="50000"/>
+            </a:schemeClr>
+          </a:lnRef>
+          <a:fillRef idx="1">
+            <a:schemeClr val="accent1"/>
+          </a:fillRef>
+          <a:effectRef idx="0">
+            <a:schemeClr val="accent1"/>
+          </a:effectRef>
+          <a:fontRef idx="minor">
+            <a:schemeClr val="lt1"/>
+          </a:fontRef>
+        </p:style>
+      </p:sp>
+      <p:sp>
+        <p:nvSpPr>
+          <p:cNvPr id="2" name="Title 1"/>
+          <p:cNvSpPr>
+            <a:spLocks noGrp="1"/>
+          </p:cNvSpPr>
+          <p:nvPr>
+            <p:ph type="ctrTitle"/>
+          </p:nvPr>
+        </p:nvSpPr>
+        <p:spPr>
+          <a:xfrm>
+            <a:off x="1261872" y="758952"/>
+            <a:ext cx="9418320" cy="4041648"/>
           </a:xfrm>
         </p:spPr>
         <p:txBody>
-          <a:bodyPr anchor="b"/>
+          <a:bodyPr anchor="b">
+            <a:normAutofit/>
+          </a:bodyPr>
           <a:lstStyle>
-            <a:lvl1pPr algn="ctr">
-              <a:defRPr sz="6000"/>
+            <a:lvl1pPr algn="l">
+              <a:lnSpc>
+                <a:spcPct val="85000"/>
+              </a:lnSpc>
+              <a:defRPr sz="7200" baseline="0">
+                <a:solidFill>
+                  <a:schemeClr val="tx1"/>
+                </a:solidFill>
+              </a:defRPr>
             </a:lvl1pPr>
           </a:lstStyle>
           <a:p>
@@ -160,18 +212,13 @@
               <a:rPr lang="en-US"/>
               <a:t>Click to edit Master title style</a:t>
             </a:r>
-          </a:p>
-        </p:txBody>
-      </p:sp>
-      <p:sp>
-        <p:nvSpPr>
-          <p:cNvPr id="3" name="Subtitle 2">
-            <a:extLst>
-              <a:ext uri="{FF2B5EF4-FFF2-40B4-BE49-F238E27FC236}">
-                <a16:creationId xmlns:a16="http://schemas.microsoft.com/office/drawing/2014/main" id="{D2476B86-2A4C-C876-3D8B-7F537A388AF4}"/>
-              </a:ext>
-            </a:extLst>
-          </p:cNvPr>
+            <a:endParaRPr lang="en-US" dirty="0"/>
+          </a:p>
+        </p:txBody>
+      </p:sp>
+      <p:sp>
+        <p:nvSpPr>
+          <p:cNvPr id="3" name="Subtitle 2"/>
           <p:cNvSpPr>
             <a:spLocks noGrp="1"/>
           </p:cNvSpPr>
@@ -181,82 +228,95 @@
         </p:nvSpPr>
         <p:spPr>
           <a:xfrm>
-            <a:off x="1524000" y="3602038"/>
-            <a:ext cx="9144000" cy="1655762"/>
+            <a:off x="1261872" y="4800600"/>
+            <a:ext cx="9418320" cy="1691640"/>
           </a:xfrm>
         </p:spPr>
         <p:txBody>
+          <a:bodyPr>
+            <a:normAutofit/>
+          </a:bodyPr>
+          <a:lstStyle>
+            <a:lvl1pPr marL="0" indent="0" algn="l">
+              <a:buNone/>
+              <a:defRPr sz="2200" baseline="0">
+                <a:solidFill>
+                  <a:schemeClr val="tx1">
+                    <a:lumMod val="65000"/>
+                  </a:schemeClr>
+                </a:solidFill>
+              </a:defRPr>
+            </a:lvl1pPr>
+            <a:lvl2pPr marL="457200" indent="0" algn="ctr">
+              <a:buNone/>
+              <a:defRPr sz="2200"/>
+            </a:lvl2pPr>
+            <a:lvl3pPr marL="914400" indent="0" algn="ctr">
+              <a:buNone/>
+              <a:defRPr sz="2200"/>
+            </a:lvl3pPr>
+            <a:lvl4pPr marL="1371600" indent="0" algn="ctr">
+              <a:buNone/>
+              <a:defRPr sz="2000"/>
+            </a:lvl4pPr>
+            <a:lvl5pPr marL="1828800" indent="0" algn="ctr">
+              <a:buNone/>
+              <a:defRPr sz="2000"/>
+            </a:lvl5pPr>
+            <a:lvl6pPr marL="2286000" indent="0" algn="ctr">
+              <a:buNone/>
+              <a:defRPr sz="2000"/>
+            </a:lvl6pPr>
+            <a:lvl7pPr marL="2743200" indent="0" algn="ctr">
+              <a:buNone/>
+              <a:defRPr sz="2000"/>
+            </a:lvl7pPr>
+            <a:lvl8pPr marL="3200400" indent="0" algn="ctr">
+              <a:buNone/>
+              <a:defRPr sz="2000"/>
+            </a:lvl8pPr>
+            <a:lvl9pPr marL="3657600" indent="0" algn="ctr">
+              <a:buNone/>
+              <a:defRPr sz="2000"/>
+            </a:lvl9pPr>
+          </a:lstStyle>
+          <a:p>
+            <a:r>
+              <a:rPr lang="en-US"/>
+              <a:t>Click to edit Master subtitle style</a:t>
+            </a:r>
+            <a:endParaRPr lang="en-US" dirty="0"/>
+          </a:p>
+        </p:txBody>
+      </p:sp>
+      <p:sp>
+        <p:nvSpPr>
+          <p:cNvPr id="4" name="Date Placeholder 3"/>
+          <p:cNvSpPr>
+            <a:spLocks noGrp="1"/>
+          </p:cNvSpPr>
+          <p:nvPr>
+            <p:ph type="dt" sz="half" idx="10"/>
+          </p:nvPr>
+        </p:nvSpPr>
+        <p:spPr/>
+        <p:txBody>
           <a:bodyPr/>
           <a:lstStyle>
-            <a:lvl1pPr marL="0" indent="0" algn="ctr">
-              <a:buNone/>
-              <a:defRPr sz="2400"/>
+            <a:lvl1pPr>
+              <a:defRPr>
+                <a:solidFill>
+                  <a:schemeClr val="tx1">
+                    <a:lumMod val="50000"/>
+                  </a:schemeClr>
+                </a:solidFill>
+              </a:defRPr>
             </a:lvl1pPr>
-            <a:lvl2pPr marL="457200" indent="0" algn="ctr">
-              <a:buNone/>
-              <a:defRPr sz="2000"/>
-            </a:lvl2pPr>
-            <a:lvl3pPr marL="914400" indent="0" algn="ctr">
-              <a:buNone/>
-              <a:defRPr sz="1800"/>
-            </a:lvl3pPr>
-            <a:lvl4pPr marL="1371600" indent="0" algn="ctr">
-              <a:buNone/>
-              <a:defRPr sz="1600"/>
-            </a:lvl4pPr>
-            <a:lvl5pPr marL="1828800" indent="0" algn="ctr">
-              <a:buNone/>
-              <a:defRPr sz="1600"/>
-            </a:lvl5pPr>
-            <a:lvl6pPr marL="2286000" indent="0" algn="ctr">
-              <a:buNone/>
-              <a:defRPr sz="1600"/>
-            </a:lvl6pPr>
-            <a:lvl7pPr marL="2743200" indent="0" algn="ctr">
-              <a:buNone/>
-              <a:defRPr sz="1600"/>
-            </a:lvl7pPr>
-            <a:lvl8pPr marL="3200400" indent="0" algn="ctr">
-              <a:buNone/>
-              <a:defRPr sz="1600"/>
-            </a:lvl8pPr>
-            <a:lvl9pPr marL="3657600" indent="0" algn="ctr">
-              <a:buNone/>
-              <a:defRPr sz="1600"/>
-            </a:lvl9pPr>
           </a:lstStyle>
-          <a:p>
-            <a:r>
-              <a:rPr lang="en-US"/>
-              <a:t>Click to edit Master subtitle style</a:t>
-            </a:r>
-          </a:p>
-        </p:txBody>
-      </p:sp>
-      <p:sp>
-        <p:nvSpPr>
-          <p:cNvPr id="4" name="Date Placeholder 3">
-            <a:extLst>
-              <a:ext uri="{FF2B5EF4-FFF2-40B4-BE49-F238E27FC236}">
-                <a16:creationId xmlns:a16="http://schemas.microsoft.com/office/drawing/2014/main" id="{DC430A09-BD3C-C4B8-ECFD-9B5D0449A2BD}"/>
-              </a:ext>
-            </a:extLst>
-          </p:cNvPr>
-          <p:cNvSpPr>
-            <a:spLocks noGrp="1"/>
-          </p:cNvSpPr>
-          <p:nvPr>
-            <p:ph type="dt" sz="half" idx="10"/>
-          </p:nvPr>
-        </p:nvSpPr>
-        <p:spPr/>
-        <p:txBody>
-          <a:bodyPr/>
-          <a:lstStyle/>
           <a:p>
             <a:fld id="{60122B3C-12CC-4A2B-B177-C0A7B0F07925}" type="datetimeFigureOut">
               <a:rPr lang="en-US" smtClean="0"/>
-              <a:t>8/11/2022</a:t>
+              <a:t>8/16/2022</a:t>
             </a:fld>
             <a:endParaRPr lang="en-US"/>
           </a:p>
@@ -264,13 +324,7 @@
       </p:sp>
       <p:sp>
         <p:nvSpPr>
-          <p:cNvPr id="5" name="Footer Placeholder 4">
-            <a:extLst>
-              <a:ext uri="{FF2B5EF4-FFF2-40B4-BE49-F238E27FC236}">
-                <a16:creationId xmlns:a16="http://schemas.microsoft.com/office/drawing/2014/main" id="{16024747-F4D7-C1F0-02DF-0A7584D76FE6}"/>
-              </a:ext>
-            </a:extLst>
-          </p:cNvPr>
+          <p:cNvPr id="5" name="Footer Placeholder 4"/>
           <p:cNvSpPr>
             <a:spLocks noGrp="1"/>
           </p:cNvSpPr>
@@ -281,7 +335,17 @@
         <p:spPr/>
         <p:txBody>
           <a:bodyPr/>
-          <a:lstStyle/>
+          <a:lstStyle>
+            <a:lvl1pPr>
+              <a:defRPr>
+                <a:solidFill>
+                  <a:schemeClr val="tx1">
+                    <a:lumMod val="65000"/>
+                  </a:schemeClr>
+                </a:solidFill>
+              </a:defRPr>
+            </a:lvl1pPr>
+          </a:lstStyle>
           <a:p>
             <a:endParaRPr lang="en-US"/>
           </a:p>
@@ -289,13 +353,7 @@
       </p:sp>
       <p:sp>
         <p:nvSpPr>
-          <p:cNvPr id="6" name="Slide Number Placeholder 5">
-            <a:extLst>
-              <a:ext uri="{FF2B5EF4-FFF2-40B4-BE49-F238E27FC236}">
-                <a16:creationId xmlns:a16="http://schemas.microsoft.com/office/drawing/2014/main" id="{9073B586-2C68-DD18-C2E2-131485A6DEA6}"/>
-              </a:ext>
-            </a:extLst>
-          </p:cNvPr>
+          <p:cNvPr id="6" name="Slide Number Placeholder 5"/>
           <p:cNvSpPr>
             <a:spLocks noGrp="1"/>
           </p:cNvSpPr>
@@ -305,8 +363,14 @@
         </p:nvSpPr>
         <p:spPr/>
         <p:txBody>
-          <a:bodyPr/>
-          <a:lstStyle/>
+          <a:bodyPr vert="horz" lIns="45720" tIns="45720" rIns="45720" bIns="45720" rtlCol="0" anchor="ctr">
+            <a:normAutofit/>
+          </a:bodyPr>
+          <a:lstStyle>
+            <a:lvl1pPr>
+              <a:defRPr lang="en-US"/>
+            </a:lvl1pPr>
+          </a:lstStyle>
           <a:p>
             <a:fld id="{1DF78692-7272-47F9-BF11-3D1F48830A65}" type="slidenum">
               <a:rPr lang="en-US" smtClean="0"/>
@@ -316,10 +380,48 @@
           </a:p>
         </p:txBody>
       </p:sp>
+      <p:sp>
+        <p:nvSpPr>
+          <p:cNvPr id="7" name="Rectangle 6"/>
+          <p:cNvSpPr/>
+          <p:nvPr/>
+        </p:nvSpPr>
+        <p:spPr>
+          <a:xfrm>
+            <a:off x="0" y="0"/>
+            <a:ext cx="457200" cy="6858000"/>
+          </a:xfrm>
+          <a:prstGeom prst="rect">
+            <a:avLst/>
+          </a:prstGeom>
+          <a:solidFill>
+            <a:srgbClr val="303030"/>
+          </a:solidFill>
+          <a:ln>
+            <a:noFill/>
+          </a:ln>
+        </p:spPr>
+        <p:style>
+          <a:lnRef idx="2">
+            <a:schemeClr val="accent1">
+              <a:shade val="50000"/>
+            </a:schemeClr>
+          </a:lnRef>
+          <a:fillRef idx="1">
+            <a:schemeClr val="accent1"/>
+          </a:fillRef>
+          <a:effectRef idx="0">
+            <a:schemeClr val="accent1"/>
+          </a:effectRef>
+          <a:fontRef idx="minor">
+            <a:schemeClr val="lt1"/>
+          </a:fontRef>
+        </p:style>
+      </p:sp>
     </p:spTree>
     <p:extLst>
       <p:ext uri="{BB962C8B-B14F-4D97-AF65-F5344CB8AC3E}">
-        <p14:creationId xmlns:p14="http://schemas.microsoft.com/office/powerpoint/2010/main" val="1339154429"/>
+        <p14:creationId xmlns:p14="http://schemas.microsoft.com/office/powerpoint/2010/main" val="1147650011"/>
       </p:ext>
     </p:extLst>
   </p:cSld>
@@ -348,13 +450,7 @@
       </p:grpSpPr>
       <p:sp>
         <p:nvSpPr>
-          <p:cNvPr id="2" name="Title 1">
-            <a:extLst>
-              <a:ext uri="{FF2B5EF4-FFF2-40B4-BE49-F238E27FC236}">
-                <a16:creationId xmlns:a16="http://schemas.microsoft.com/office/drawing/2014/main" id="{E631F572-1D7A-4097-4D08-BCB330F8EBEF}"/>
-              </a:ext>
-            </a:extLst>
-          </p:cNvPr>
+          <p:cNvPr id="2" name="Title 1"/>
           <p:cNvSpPr>
             <a:spLocks noGrp="1"/>
           </p:cNvSpPr>
@@ -371,18 +467,13 @@
               <a:rPr lang="en-US"/>
               <a:t>Click to edit Master title style</a:t>
             </a:r>
-          </a:p>
-        </p:txBody>
-      </p:sp>
-      <p:sp>
-        <p:nvSpPr>
-          <p:cNvPr id="3" name="Vertical Text Placeholder 2">
-            <a:extLst>
-              <a:ext uri="{FF2B5EF4-FFF2-40B4-BE49-F238E27FC236}">
-                <a16:creationId xmlns:a16="http://schemas.microsoft.com/office/drawing/2014/main" id="{3A852FF8-58CC-48D4-252B-C6DD5B34E620}"/>
-              </a:ext>
-            </a:extLst>
-          </p:cNvPr>
+            <a:endParaRPr lang="en-US" dirty="0"/>
+          </a:p>
+        </p:txBody>
+      </p:sp>
+      <p:sp>
+        <p:nvSpPr>
+          <p:cNvPr id="3" name="Vertical Text Placeholder 2"/>
           <p:cNvSpPr>
             <a:spLocks noGrp="1"/>
           </p:cNvSpPr>
@@ -428,18 +519,13 @@
               <a:rPr lang="en-US"/>
               <a:t>Fifth level</a:t>
             </a:r>
-          </a:p>
-        </p:txBody>
-      </p:sp>
-      <p:sp>
-        <p:nvSpPr>
-          <p:cNvPr id="4" name="Date Placeholder 3">
-            <a:extLst>
-              <a:ext uri="{FF2B5EF4-FFF2-40B4-BE49-F238E27FC236}">
-                <a16:creationId xmlns:a16="http://schemas.microsoft.com/office/drawing/2014/main" id="{F646E3BD-3DF7-8365-F7A7-84B08C6E3F64}"/>
-              </a:ext>
-            </a:extLst>
-          </p:cNvPr>
+            <a:endParaRPr lang="en-US" dirty="0"/>
+          </a:p>
+        </p:txBody>
+      </p:sp>
+      <p:sp>
+        <p:nvSpPr>
+          <p:cNvPr id="4" name="Date Placeholder 3"/>
           <p:cNvSpPr>
             <a:spLocks noGrp="1"/>
           </p:cNvSpPr>
@@ -454,7 +540,7 @@
           <a:p>
             <a:fld id="{60122B3C-12CC-4A2B-B177-C0A7B0F07925}" type="datetimeFigureOut">
               <a:rPr lang="en-US" smtClean="0"/>
-              <a:t>8/11/2022</a:t>
+              <a:t>8/16/2022</a:t>
             </a:fld>
             <a:endParaRPr lang="en-US"/>
           </a:p>
@@ -462,13 +548,7 @@
       </p:sp>
       <p:sp>
         <p:nvSpPr>
-          <p:cNvPr id="5" name="Footer Placeholder 4">
-            <a:extLst>
-              <a:ext uri="{FF2B5EF4-FFF2-40B4-BE49-F238E27FC236}">
-                <a16:creationId xmlns:a16="http://schemas.microsoft.com/office/drawing/2014/main" id="{A5CD7BF0-0CAE-DA20-EE56-BB3F75C45721}"/>
-              </a:ext>
-            </a:extLst>
-          </p:cNvPr>
+          <p:cNvPr id="5" name="Footer Placeholder 4"/>
           <p:cNvSpPr>
             <a:spLocks noGrp="1"/>
           </p:cNvSpPr>
@@ -487,13 +567,7 @@
       </p:sp>
       <p:sp>
         <p:nvSpPr>
-          <p:cNvPr id="6" name="Slide Number Placeholder 5">
-            <a:extLst>
-              <a:ext uri="{FF2B5EF4-FFF2-40B4-BE49-F238E27FC236}">
-                <a16:creationId xmlns:a16="http://schemas.microsoft.com/office/drawing/2014/main" id="{69E84FD6-F7E9-F465-FB19-99644B8BDACD}"/>
-              </a:ext>
-            </a:extLst>
-          </p:cNvPr>
+          <p:cNvPr id="6" name="Slide Number Placeholder 5"/>
           <p:cNvSpPr>
             <a:spLocks noGrp="1"/>
           </p:cNvSpPr>
@@ -517,7 +591,7 @@
     </p:spTree>
     <p:extLst>
       <p:ext uri="{BB962C8B-B14F-4D97-AF65-F5344CB8AC3E}">
-        <p14:creationId xmlns:p14="http://schemas.microsoft.com/office/powerpoint/2010/main" val="3059581439"/>
+        <p14:creationId xmlns:p14="http://schemas.microsoft.com/office/powerpoint/2010/main" val="2964301998"/>
       </p:ext>
     </p:extLst>
   </p:cSld>
@@ -546,13 +620,7 @@
       </p:grpSpPr>
       <p:sp>
         <p:nvSpPr>
-          <p:cNvPr id="2" name="Vertical Title 1">
-            <a:extLst>
-              <a:ext uri="{FF2B5EF4-FFF2-40B4-BE49-F238E27FC236}">
-                <a16:creationId xmlns:a16="http://schemas.microsoft.com/office/drawing/2014/main" id="{7925EA0C-9DD4-EBEE-DDD1-99076153AC26}"/>
-              </a:ext>
-            </a:extLst>
-          </p:cNvPr>
+          <p:cNvPr id="2" name="Vertical Title 1"/>
           <p:cNvSpPr>
             <a:spLocks noGrp="1"/>
           </p:cNvSpPr>
@@ -562,8 +630,8 @@
         </p:nvSpPr>
         <p:spPr>
           <a:xfrm>
-            <a:off x="8724900" y="365125"/>
-            <a:ext cx="2628900" cy="5811838"/>
+            <a:off x="8648700" y="381000"/>
+            <a:ext cx="2476500" cy="5897562"/>
           </a:xfrm>
         </p:spPr>
         <p:txBody>
@@ -574,18 +642,13 @@
               <a:rPr lang="en-US"/>
               <a:t>Click to edit Master title style</a:t>
             </a:r>
-          </a:p>
-        </p:txBody>
-      </p:sp>
-      <p:sp>
-        <p:nvSpPr>
-          <p:cNvPr id="3" name="Vertical Text Placeholder 2">
-            <a:extLst>
-              <a:ext uri="{FF2B5EF4-FFF2-40B4-BE49-F238E27FC236}">
-                <a16:creationId xmlns:a16="http://schemas.microsoft.com/office/drawing/2014/main" id="{39567FC2-CF9B-8430-DF64-C5A1FE333B7D}"/>
-              </a:ext>
-            </a:extLst>
-          </p:cNvPr>
+            <a:endParaRPr lang="en-US" dirty="0"/>
+          </a:p>
+        </p:txBody>
+      </p:sp>
+      <p:sp>
+        <p:nvSpPr>
+          <p:cNvPr id="3" name="Vertical Text Placeholder 2"/>
           <p:cNvSpPr>
             <a:spLocks noGrp="1"/>
           </p:cNvSpPr>
@@ -595,8 +658,8 @@
         </p:nvSpPr>
         <p:spPr>
           <a:xfrm>
-            <a:off x="838200" y="365125"/>
-            <a:ext cx="7734300" cy="5811838"/>
+            <a:off x="762000" y="381000"/>
+            <a:ext cx="7734300" cy="5897562"/>
           </a:xfrm>
         </p:spPr>
         <p:txBody>
@@ -636,18 +699,13 @@
               <a:rPr lang="en-US"/>
               <a:t>Fifth level</a:t>
             </a:r>
-          </a:p>
-        </p:txBody>
-      </p:sp>
-      <p:sp>
-        <p:nvSpPr>
-          <p:cNvPr id="4" name="Date Placeholder 3">
-            <a:extLst>
-              <a:ext uri="{FF2B5EF4-FFF2-40B4-BE49-F238E27FC236}">
-                <a16:creationId xmlns:a16="http://schemas.microsoft.com/office/drawing/2014/main" id="{8818F807-7C7D-578B-083C-91706C8F7E44}"/>
-              </a:ext>
-            </a:extLst>
-          </p:cNvPr>
+            <a:endParaRPr lang="en-US" dirty="0"/>
+          </a:p>
+        </p:txBody>
+      </p:sp>
+      <p:sp>
+        <p:nvSpPr>
+          <p:cNvPr id="4" name="Date Placeholder 3"/>
           <p:cNvSpPr>
             <a:spLocks noGrp="1"/>
           </p:cNvSpPr>
@@ -662,7 +720,7 @@
           <a:p>
             <a:fld id="{60122B3C-12CC-4A2B-B177-C0A7B0F07925}" type="datetimeFigureOut">
               <a:rPr lang="en-US" smtClean="0"/>
-              <a:t>8/11/2022</a:t>
+              <a:t>8/16/2022</a:t>
             </a:fld>
             <a:endParaRPr lang="en-US"/>
           </a:p>
@@ -670,13 +728,7 @@
       </p:sp>
       <p:sp>
         <p:nvSpPr>
-          <p:cNvPr id="5" name="Footer Placeholder 4">
-            <a:extLst>
-              <a:ext uri="{FF2B5EF4-FFF2-40B4-BE49-F238E27FC236}">
-                <a16:creationId xmlns:a16="http://schemas.microsoft.com/office/drawing/2014/main" id="{FE693A9E-DA39-5D30-F3E6-8275C022D7D5}"/>
-              </a:ext>
-            </a:extLst>
-          </p:cNvPr>
+          <p:cNvPr id="5" name="Footer Placeholder 4"/>
           <p:cNvSpPr>
             <a:spLocks noGrp="1"/>
           </p:cNvSpPr>
@@ -695,13 +747,7 @@
       </p:sp>
       <p:sp>
         <p:nvSpPr>
-          <p:cNvPr id="6" name="Slide Number Placeholder 5">
-            <a:extLst>
-              <a:ext uri="{FF2B5EF4-FFF2-40B4-BE49-F238E27FC236}">
-                <a16:creationId xmlns:a16="http://schemas.microsoft.com/office/drawing/2014/main" id="{97416465-8831-4B3D-1AC7-76CC742D9C39}"/>
-              </a:ext>
-            </a:extLst>
-          </p:cNvPr>
+          <p:cNvPr id="6" name="Slide Number Placeholder 5"/>
           <p:cNvSpPr>
             <a:spLocks noGrp="1"/>
           </p:cNvSpPr>
@@ -725,7 +771,7 @@
     </p:spTree>
     <p:extLst>
       <p:ext uri="{BB962C8B-B14F-4D97-AF65-F5344CB8AC3E}">
-        <p14:creationId xmlns:p14="http://schemas.microsoft.com/office/powerpoint/2010/main" val="3657042750"/>
+        <p14:creationId xmlns:p14="http://schemas.microsoft.com/office/powerpoint/2010/main" val="1758111030"/>
       </p:ext>
     </p:extLst>
   </p:cSld>
@@ -754,13 +800,7 @@
       </p:grpSpPr>
       <p:sp>
         <p:nvSpPr>
-          <p:cNvPr id="2" name="Title 1">
-            <a:extLst>
-              <a:ext uri="{FF2B5EF4-FFF2-40B4-BE49-F238E27FC236}">
-                <a16:creationId xmlns:a16="http://schemas.microsoft.com/office/drawing/2014/main" id="{5AB4A2E7-B1B7-347C-A7B5-DCD2C11564B7}"/>
-              </a:ext>
-            </a:extLst>
-          </p:cNvPr>
+          <p:cNvPr id="2" name="Title 1"/>
           <p:cNvSpPr>
             <a:spLocks noGrp="1"/>
           </p:cNvSpPr>
@@ -777,18 +817,13 @@
               <a:rPr lang="en-US"/>
               <a:t>Click to edit Master title style</a:t>
             </a:r>
-          </a:p>
-        </p:txBody>
-      </p:sp>
-      <p:sp>
-        <p:nvSpPr>
-          <p:cNvPr id="3" name="Content Placeholder 2">
-            <a:extLst>
-              <a:ext uri="{FF2B5EF4-FFF2-40B4-BE49-F238E27FC236}">
-                <a16:creationId xmlns:a16="http://schemas.microsoft.com/office/drawing/2014/main" id="{87DC4395-EBAC-D6EF-8FFC-DD8270211E5D}"/>
-              </a:ext>
-            </a:extLst>
-          </p:cNvPr>
+            <a:endParaRPr lang="en-US" dirty="0"/>
+          </a:p>
+        </p:txBody>
+      </p:sp>
+      <p:sp>
+        <p:nvSpPr>
+          <p:cNvPr id="3" name="Content Placeholder 2"/>
           <p:cNvSpPr>
             <a:spLocks noGrp="1"/>
           </p:cNvSpPr>
@@ -834,18 +869,13 @@
               <a:rPr lang="en-US"/>
               <a:t>Fifth level</a:t>
             </a:r>
-          </a:p>
-        </p:txBody>
-      </p:sp>
-      <p:sp>
-        <p:nvSpPr>
-          <p:cNvPr id="4" name="Date Placeholder 3">
-            <a:extLst>
-              <a:ext uri="{FF2B5EF4-FFF2-40B4-BE49-F238E27FC236}">
-                <a16:creationId xmlns:a16="http://schemas.microsoft.com/office/drawing/2014/main" id="{63F56D24-10EF-72F0-68BF-9D3A363484B6}"/>
-              </a:ext>
-            </a:extLst>
-          </p:cNvPr>
+            <a:endParaRPr lang="en-US" dirty="0"/>
+          </a:p>
+        </p:txBody>
+      </p:sp>
+      <p:sp>
+        <p:nvSpPr>
+          <p:cNvPr id="4" name="Date Placeholder 3"/>
           <p:cNvSpPr>
             <a:spLocks noGrp="1"/>
           </p:cNvSpPr>
@@ -860,7 +890,7 @@
           <a:p>
             <a:fld id="{60122B3C-12CC-4A2B-B177-C0A7B0F07925}" type="datetimeFigureOut">
               <a:rPr lang="en-US" smtClean="0"/>
-              <a:t>8/11/2022</a:t>
+              <a:t>8/16/2022</a:t>
             </a:fld>
             <a:endParaRPr lang="en-US"/>
           </a:p>
@@ -868,13 +898,7 @@
       </p:sp>
       <p:sp>
         <p:nvSpPr>
-          <p:cNvPr id="5" name="Footer Placeholder 4">
-            <a:extLst>
-              <a:ext uri="{FF2B5EF4-FFF2-40B4-BE49-F238E27FC236}">
-                <a16:creationId xmlns:a16="http://schemas.microsoft.com/office/drawing/2014/main" id="{48D4A49C-A0EF-1BE2-67A9-A63E97EF91F4}"/>
-              </a:ext>
-            </a:extLst>
-          </p:cNvPr>
+          <p:cNvPr id="5" name="Footer Placeholder 4"/>
           <p:cNvSpPr>
             <a:spLocks noGrp="1"/>
           </p:cNvSpPr>
@@ -893,13 +917,7 @@
       </p:sp>
       <p:sp>
         <p:nvSpPr>
-          <p:cNvPr id="6" name="Slide Number Placeholder 5">
-            <a:extLst>
-              <a:ext uri="{FF2B5EF4-FFF2-40B4-BE49-F238E27FC236}">
-                <a16:creationId xmlns:a16="http://schemas.microsoft.com/office/drawing/2014/main" id="{E043FCFA-540C-6093-6DA7-AC70AF63816A}"/>
-              </a:ext>
-            </a:extLst>
-          </p:cNvPr>
+          <p:cNvPr id="6" name="Slide Number Placeholder 5"/>
           <p:cNvSpPr>
             <a:spLocks noGrp="1"/>
           </p:cNvSpPr>
@@ -923,7 +941,7 @@
     </p:spTree>
     <p:extLst>
       <p:ext uri="{BB962C8B-B14F-4D97-AF65-F5344CB8AC3E}">
-        <p14:creationId xmlns:p14="http://schemas.microsoft.com/office/powerpoint/2010/main" val="2636668958"/>
+        <p14:creationId xmlns:p14="http://schemas.microsoft.com/office/powerpoint/2010/main" val="747177404"/>
       </p:ext>
     </p:extLst>
   </p:cSld>
@@ -934,7 +952,7 @@
 </file>
 
 <file path=ppt/slideLayouts/slideLayout3.xml><?xml version="1.0" encoding="utf-8"?>
-<p:sldLayout xmlns:a="http://schemas.openxmlformats.org/drawingml/2006/main" xmlns:r="http://schemas.openxmlformats.org/officeDocument/2006/relationships" xmlns:p="http://schemas.openxmlformats.org/presentationml/2006/main" type="secHead" preserve="1">
+<p:sldLayout xmlns:a="http://schemas.openxmlformats.org/drawingml/2006/main" xmlns:r="http://schemas.openxmlformats.org/officeDocument/2006/relationships" xmlns:p="http://schemas.openxmlformats.org/presentationml/2006/main" showMasterSp="0" type="secHead" preserve="1">
   <p:cSld name="Section Header">
     <p:spTree>
       <p:nvGrpSpPr>
@@ -952,31 +970,68 @@
       </p:grpSpPr>
       <p:sp>
         <p:nvSpPr>
-          <p:cNvPr id="2" name="Title 1">
-            <a:extLst>
-              <a:ext uri="{FF2B5EF4-FFF2-40B4-BE49-F238E27FC236}">
-                <a16:creationId xmlns:a16="http://schemas.microsoft.com/office/drawing/2014/main" id="{BED5C082-EA43-5CBF-37B7-4B60EFE3F3E0}"/>
-              </a:ext>
-            </a:extLst>
-          </p:cNvPr>
-          <p:cNvSpPr>
-            <a:spLocks noGrp="1"/>
-          </p:cNvSpPr>
-          <p:nvPr>
-            <p:ph type="title"/>
-          </p:nvPr>
+          <p:cNvPr id="8" name="Rectangle 7"/>
+          <p:cNvSpPr/>
+          <p:nvPr/>
         </p:nvSpPr>
         <p:spPr>
           <a:xfrm>
-            <a:off x="831850" y="1709738"/>
-            <a:ext cx="10515600" cy="2852737"/>
+            <a:off x="11292840" y="0"/>
+            <a:ext cx="914400" cy="6858000"/>
+          </a:xfrm>
+          <a:prstGeom prst="rect">
+            <a:avLst/>
+          </a:prstGeom>
+          <a:solidFill>
+            <a:srgbClr val="303030"/>
+          </a:solidFill>
+          <a:ln>
+            <a:noFill/>
+          </a:ln>
+        </p:spPr>
+        <p:style>
+          <a:lnRef idx="2">
+            <a:schemeClr val="accent1">
+              <a:shade val="50000"/>
+            </a:schemeClr>
+          </a:lnRef>
+          <a:fillRef idx="1">
+            <a:schemeClr val="accent1"/>
+          </a:fillRef>
+          <a:effectRef idx="0">
+            <a:schemeClr val="accent1"/>
+          </a:effectRef>
+          <a:fontRef idx="minor">
+            <a:schemeClr val="lt1"/>
+          </a:fontRef>
+        </p:style>
+      </p:sp>
+      <p:sp>
+        <p:nvSpPr>
+          <p:cNvPr id="2" name="Title 1"/>
+          <p:cNvSpPr>
+            <a:spLocks noGrp="1"/>
+          </p:cNvSpPr>
+          <p:nvPr>
+            <p:ph type="title"/>
+          </p:nvPr>
+        </p:nvSpPr>
+        <p:spPr>
+          <a:xfrm>
+            <a:off x="1261872" y="758952"/>
+            <a:ext cx="9418320" cy="4041648"/>
           </a:xfrm>
         </p:spPr>
         <p:txBody>
-          <a:bodyPr anchor="b"/>
+          <a:bodyPr anchor="b">
+            <a:normAutofit/>
+          </a:bodyPr>
           <a:lstStyle>
             <a:lvl1pPr>
-              <a:defRPr sz="6000"/>
+              <a:lnSpc>
+                <a:spcPct val="85000"/>
+              </a:lnSpc>
+              <a:defRPr sz="7200" b="0"/>
             </a:lvl1pPr>
           </a:lstStyle>
           <a:p>
@@ -984,18 +1039,13 @@
               <a:rPr lang="en-US"/>
               <a:t>Click to edit Master title style</a:t>
             </a:r>
-          </a:p>
-        </p:txBody>
-      </p:sp>
-      <p:sp>
-        <p:nvSpPr>
-          <p:cNvPr id="3" name="Text Placeholder 2">
-            <a:extLst>
-              <a:ext uri="{FF2B5EF4-FFF2-40B4-BE49-F238E27FC236}">
-                <a16:creationId xmlns:a16="http://schemas.microsoft.com/office/drawing/2014/main" id="{72A58DFA-0030-2540-DD35-D4B05BBB47FF}"/>
-              </a:ext>
-            </a:extLst>
-          </p:cNvPr>
+            <a:endParaRPr lang="en-US" dirty="0"/>
+          </a:p>
+        </p:txBody>
+      </p:sp>
+      <p:sp>
+        <p:nvSpPr>
+          <p:cNvPr id="3" name="Text Placeholder 2"/>
           <p:cNvSpPr>
             <a:spLocks noGrp="1"/>
           </p:cNvSpPr>
@@ -1005,26 +1055,28 @@
         </p:nvSpPr>
         <p:spPr>
           <a:xfrm>
-            <a:off x="831850" y="4589463"/>
-            <a:ext cx="10515600" cy="1500187"/>
+            <a:off x="1261872" y="4800600"/>
+            <a:ext cx="9418320" cy="1691640"/>
           </a:xfrm>
         </p:spPr>
         <p:txBody>
-          <a:bodyPr/>
+          <a:bodyPr anchor="t">
+            <a:normAutofit/>
+          </a:bodyPr>
           <a:lstStyle>
             <a:lvl1pPr marL="0" indent="0">
               <a:buNone/>
-              <a:defRPr sz="2400">
+              <a:defRPr sz="2200">
                 <a:solidFill>
                   <a:schemeClr val="tx1">
-                    <a:tint val="75000"/>
+                    <a:lumMod val="65000"/>
                   </a:schemeClr>
                 </a:solidFill>
               </a:defRPr>
             </a:lvl1pPr>
             <a:lvl2pPr marL="457200" indent="0">
               <a:buNone/>
-              <a:defRPr sz="2000">
+              <a:defRPr sz="1800">
                 <a:solidFill>
                   <a:schemeClr val="tx1">
                     <a:tint val="75000"/>
@@ -1034,7 +1086,7 @@
             </a:lvl2pPr>
             <a:lvl3pPr marL="914400" indent="0">
               <a:buNone/>
-              <a:defRPr sz="1800">
+              <a:defRPr sz="1600">
                 <a:solidFill>
                   <a:schemeClr val="tx1">
                     <a:tint val="75000"/>
@@ -1044,7 +1096,7 @@
             </a:lvl3pPr>
             <a:lvl4pPr marL="1371600" indent="0">
               <a:buNone/>
-              <a:defRPr sz="1600">
+              <a:defRPr sz="1400">
                 <a:solidFill>
                   <a:schemeClr val="tx1">
                     <a:tint val="75000"/>
@@ -1054,7 +1106,7 @@
             </a:lvl4pPr>
             <a:lvl5pPr marL="1828800" indent="0">
               <a:buNone/>
-              <a:defRPr sz="1600">
+              <a:defRPr sz="1400">
                 <a:solidFill>
                   <a:schemeClr val="tx1">
                     <a:tint val="75000"/>
@@ -1064,7 +1116,7 @@
             </a:lvl5pPr>
             <a:lvl6pPr marL="2286000" indent="0">
               <a:buNone/>
-              <a:defRPr sz="1600">
+              <a:defRPr sz="1400">
                 <a:solidFill>
                   <a:schemeClr val="tx1">
                     <a:tint val="75000"/>
@@ -1074,7 +1126,7 @@
             </a:lvl6pPr>
             <a:lvl7pPr marL="2743200" indent="0">
               <a:buNone/>
-              <a:defRPr sz="1600">
+              <a:defRPr sz="1400">
                 <a:solidFill>
                   <a:schemeClr val="tx1">
                     <a:tint val="75000"/>
@@ -1084,7 +1136,7 @@
             </a:lvl7pPr>
             <a:lvl8pPr marL="3200400" indent="0">
               <a:buNone/>
-              <a:defRPr sz="1600">
+              <a:defRPr sz="1400">
                 <a:solidFill>
                   <a:schemeClr val="tx1">
                     <a:tint val="75000"/>
@@ -1094,7 +1146,7 @@
             </a:lvl8pPr>
             <a:lvl9pPr marL="3657600" indent="0">
               <a:buNone/>
-              <a:defRPr sz="1600">
+              <a:defRPr sz="1400">
                 <a:solidFill>
                   <a:schemeClr val="tx1">
                     <a:tint val="75000"/>
@@ -1114,13 +1166,7 @@
       </p:sp>
       <p:sp>
         <p:nvSpPr>
-          <p:cNvPr id="4" name="Date Placeholder 3">
-            <a:extLst>
-              <a:ext uri="{FF2B5EF4-FFF2-40B4-BE49-F238E27FC236}">
-                <a16:creationId xmlns:a16="http://schemas.microsoft.com/office/drawing/2014/main" id="{15C91CC4-0509-278D-ED6A-691A490275EE}"/>
-              </a:ext>
-            </a:extLst>
-          </p:cNvPr>
+          <p:cNvPr id="4" name="Date Placeholder 3"/>
           <p:cNvSpPr>
             <a:spLocks noGrp="1"/>
           </p:cNvSpPr>
@@ -1135,7 +1181,7 @@
           <a:p>
             <a:fld id="{60122B3C-12CC-4A2B-B177-C0A7B0F07925}" type="datetimeFigureOut">
               <a:rPr lang="en-US" smtClean="0"/>
-              <a:t>8/11/2022</a:t>
+              <a:t>8/16/2022</a:t>
             </a:fld>
             <a:endParaRPr lang="en-US"/>
           </a:p>
@@ -1143,13 +1189,7 @@
       </p:sp>
       <p:sp>
         <p:nvSpPr>
-          <p:cNvPr id="5" name="Footer Placeholder 4">
-            <a:extLst>
-              <a:ext uri="{FF2B5EF4-FFF2-40B4-BE49-F238E27FC236}">
-                <a16:creationId xmlns:a16="http://schemas.microsoft.com/office/drawing/2014/main" id="{A013F0B4-E289-8A24-704E-3C9DD105D11C}"/>
-              </a:ext>
-            </a:extLst>
-          </p:cNvPr>
+          <p:cNvPr id="5" name="Footer Placeholder 4"/>
           <p:cNvSpPr>
             <a:spLocks noGrp="1"/>
           </p:cNvSpPr>
@@ -1168,13 +1208,7 @@
       </p:sp>
       <p:sp>
         <p:nvSpPr>
-          <p:cNvPr id="6" name="Slide Number Placeholder 5">
-            <a:extLst>
-              <a:ext uri="{FF2B5EF4-FFF2-40B4-BE49-F238E27FC236}">
-                <a16:creationId xmlns:a16="http://schemas.microsoft.com/office/drawing/2014/main" id="{246556CC-EFD1-15AB-C7C0-BC50C4F8F987}"/>
-              </a:ext>
-            </a:extLst>
-          </p:cNvPr>
+          <p:cNvPr id="6" name="Slide Number Placeholder 5"/>
           <p:cNvSpPr>
             <a:spLocks noGrp="1"/>
           </p:cNvSpPr>
@@ -1195,10 +1229,48 @@
           </a:p>
         </p:txBody>
       </p:sp>
+      <p:sp>
+        <p:nvSpPr>
+          <p:cNvPr id="7" name="Rectangle 6"/>
+          <p:cNvSpPr/>
+          <p:nvPr/>
+        </p:nvSpPr>
+        <p:spPr>
+          <a:xfrm>
+            <a:off x="0" y="0"/>
+            <a:ext cx="457200" cy="6858000"/>
+          </a:xfrm>
+          <a:prstGeom prst="rect">
+            <a:avLst/>
+          </a:prstGeom>
+          <a:solidFill>
+            <a:srgbClr val="303030"/>
+          </a:solidFill>
+          <a:ln>
+            <a:noFill/>
+          </a:ln>
+        </p:spPr>
+        <p:style>
+          <a:lnRef idx="2">
+            <a:schemeClr val="accent1">
+              <a:shade val="50000"/>
+            </a:schemeClr>
+          </a:lnRef>
+          <a:fillRef idx="1">
+            <a:schemeClr val="accent1"/>
+          </a:fillRef>
+          <a:effectRef idx="0">
+            <a:schemeClr val="accent1"/>
+          </a:effectRef>
+          <a:fontRef idx="minor">
+            <a:schemeClr val="lt1"/>
+          </a:fontRef>
+        </p:style>
+      </p:sp>
     </p:spTree>
     <p:extLst>
       <p:ext uri="{BB962C8B-B14F-4D97-AF65-F5344CB8AC3E}">
-        <p14:creationId xmlns:p14="http://schemas.microsoft.com/office/powerpoint/2010/main" val="891858761"/>
+        <p14:creationId xmlns:p14="http://schemas.microsoft.com/office/powerpoint/2010/main" val="202462731"/>
       </p:ext>
     </p:extLst>
   </p:cSld>
@@ -1227,13 +1299,7 @@
       </p:grpSpPr>
       <p:sp>
         <p:nvSpPr>
-          <p:cNvPr id="2" name="Title 1">
-            <a:extLst>
-              <a:ext uri="{FF2B5EF4-FFF2-40B4-BE49-F238E27FC236}">
-                <a16:creationId xmlns:a16="http://schemas.microsoft.com/office/drawing/2014/main" id="{234EAC27-713A-663A-0687-94F0A56463B4}"/>
-              </a:ext>
-            </a:extLst>
-          </p:cNvPr>
+          <p:cNvPr id="2" name="Title 1"/>
           <p:cNvSpPr>
             <a:spLocks noGrp="1"/>
           </p:cNvSpPr>
@@ -1250,18 +1316,13 @@
               <a:rPr lang="en-US"/>
               <a:t>Click to edit Master title style</a:t>
             </a:r>
-          </a:p>
-        </p:txBody>
-      </p:sp>
-      <p:sp>
-        <p:nvSpPr>
-          <p:cNvPr id="3" name="Content Placeholder 2">
-            <a:extLst>
-              <a:ext uri="{FF2B5EF4-FFF2-40B4-BE49-F238E27FC236}">
-                <a16:creationId xmlns:a16="http://schemas.microsoft.com/office/drawing/2014/main" id="{8B287AC8-2CB2-6883-FD83-58626E17D343}"/>
-              </a:ext>
-            </a:extLst>
-          </p:cNvPr>
+            <a:endParaRPr lang="en-US" dirty="0"/>
+          </a:p>
+        </p:txBody>
+      </p:sp>
+      <p:sp>
+        <p:nvSpPr>
+          <p:cNvPr id="3" name="Content Placeholder 2"/>
           <p:cNvSpPr>
             <a:spLocks noGrp="1"/>
           </p:cNvSpPr>
@@ -1271,13 +1332,41 @@
         </p:nvSpPr>
         <p:spPr>
           <a:xfrm>
-            <a:off x="838200" y="1825625"/>
-            <a:ext cx="5181600" cy="4351338"/>
+            <a:off x="1261872" y="1828800"/>
+            <a:ext cx="4480560" cy="4351337"/>
           </a:xfrm>
         </p:spPr>
         <p:txBody>
           <a:bodyPr/>
-          <a:lstStyle/>
+          <a:lstStyle>
+            <a:lvl1pPr>
+              <a:defRPr sz="1800"/>
+            </a:lvl1pPr>
+            <a:lvl2pPr>
+              <a:defRPr sz="1600"/>
+            </a:lvl2pPr>
+            <a:lvl3pPr>
+              <a:defRPr sz="1400"/>
+            </a:lvl3pPr>
+            <a:lvl4pPr>
+              <a:defRPr sz="1400"/>
+            </a:lvl4pPr>
+            <a:lvl5pPr>
+              <a:defRPr sz="1400"/>
+            </a:lvl5pPr>
+            <a:lvl6pPr>
+              <a:defRPr sz="1400"/>
+            </a:lvl6pPr>
+            <a:lvl7pPr>
+              <a:defRPr sz="1400"/>
+            </a:lvl7pPr>
+            <a:lvl8pPr>
+              <a:defRPr sz="1400"/>
+            </a:lvl8pPr>
+            <a:lvl9pPr>
+              <a:defRPr sz="1400"/>
+            </a:lvl9pPr>
+          </a:lstStyle>
           <a:p>
             <a:pPr lvl="0"/>
             <a:r>
@@ -1312,18 +1401,13 @@
               <a:rPr lang="en-US"/>
               <a:t>Fifth level</a:t>
             </a:r>
-          </a:p>
-        </p:txBody>
-      </p:sp>
-      <p:sp>
-        <p:nvSpPr>
-          <p:cNvPr id="4" name="Content Placeholder 3">
-            <a:extLst>
-              <a:ext uri="{FF2B5EF4-FFF2-40B4-BE49-F238E27FC236}">
-                <a16:creationId xmlns:a16="http://schemas.microsoft.com/office/drawing/2014/main" id="{4FEBC43E-5882-2837-5E10-4C1503D6FEE4}"/>
-              </a:ext>
-            </a:extLst>
-          </p:cNvPr>
+            <a:endParaRPr lang="en-US" dirty="0"/>
+          </a:p>
+        </p:txBody>
+      </p:sp>
+      <p:sp>
+        <p:nvSpPr>
+          <p:cNvPr id="4" name="Content Placeholder 3"/>
           <p:cNvSpPr>
             <a:spLocks noGrp="1"/>
           </p:cNvSpPr>
@@ -1333,13 +1417,41 @@
         </p:nvSpPr>
         <p:spPr>
           <a:xfrm>
-            <a:off x="6172200" y="1825625"/>
-            <a:ext cx="5181600" cy="4351338"/>
+            <a:off x="6126480" y="1828800"/>
+            <a:ext cx="4480560" cy="4351337"/>
           </a:xfrm>
         </p:spPr>
         <p:txBody>
           <a:bodyPr/>
-          <a:lstStyle/>
+          <a:lstStyle>
+            <a:lvl1pPr>
+              <a:defRPr sz="1800"/>
+            </a:lvl1pPr>
+            <a:lvl2pPr>
+              <a:defRPr sz="1600"/>
+            </a:lvl2pPr>
+            <a:lvl3pPr>
+              <a:defRPr sz="1400"/>
+            </a:lvl3pPr>
+            <a:lvl4pPr>
+              <a:defRPr sz="1400"/>
+            </a:lvl4pPr>
+            <a:lvl5pPr>
+              <a:defRPr sz="1400"/>
+            </a:lvl5pPr>
+            <a:lvl6pPr>
+              <a:defRPr sz="1400"/>
+            </a:lvl6pPr>
+            <a:lvl7pPr>
+              <a:defRPr sz="1400"/>
+            </a:lvl7pPr>
+            <a:lvl8pPr>
+              <a:defRPr sz="1400"/>
+            </a:lvl8pPr>
+            <a:lvl9pPr>
+              <a:defRPr sz="1400"/>
+            </a:lvl9pPr>
+          </a:lstStyle>
           <a:p>
             <a:pPr lvl="0"/>
             <a:r>
@@ -1374,18 +1486,13 @@
               <a:rPr lang="en-US"/>
               <a:t>Fifth level</a:t>
             </a:r>
-          </a:p>
-        </p:txBody>
-      </p:sp>
-      <p:sp>
-        <p:nvSpPr>
-          <p:cNvPr id="5" name="Date Placeholder 4">
-            <a:extLst>
-              <a:ext uri="{FF2B5EF4-FFF2-40B4-BE49-F238E27FC236}">
-                <a16:creationId xmlns:a16="http://schemas.microsoft.com/office/drawing/2014/main" id="{5333F96B-65AD-C4C7-FAC1-937FC76A7120}"/>
-              </a:ext>
-            </a:extLst>
-          </p:cNvPr>
+            <a:endParaRPr lang="en-US" dirty="0"/>
+          </a:p>
+        </p:txBody>
+      </p:sp>
+      <p:sp>
+        <p:nvSpPr>
+          <p:cNvPr id="5" name="Date Placeholder 4"/>
           <p:cNvSpPr>
             <a:spLocks noGrp="1"/>
           </p:cNvSpPr>
@@ -1400,7 +1507,7 @@
           <a:p>
             <a:fld id="{60122B3C-12CC-4A2B-B177-C0A7B0F07925}" type="datetimeFigureOut">
               <a:rPr lang="en-US" smtClean="0"/>
-              <a:t>8/11/2022</a:t>
+              <a:t>8/16/2022</a:t>
             </a:fld>
             <a:endParaRPr lang="en-US"/>
           </a:p>
@@ -1408,13 +1515,7 @@
       </p:sp>
       <p:sp>
         <p:nvSpPr>
-          <p:cNvPr id="6" name="Footer Placeholder 5">
-            <a:extLst>
-              <a:ext uri="{FF2B5EF4-FFF2-40B4-BE49-F238E27FC236}">
-                <a16:creationId xmlns:a16="http://schemas.microsoft.com/office/drawing/2014/main" id="{AB84FF3A-15E4-679B-0166-0E5ED7A7D5CD}"/>
-              </a:ext>
-            </a:extLst>
-          </p:cNvPr>
+          <p:cNvPr id="6" name="Footer Placeholder 5"/>
           <p:cNvSpPr>
             <a:spLocks noGrp="1"/>
           </p:cNvSpPr>
@@ -1433,13 +1534,7 @@
       </p:sp>
       <p:sp>
         <p:nvSpPr>
-          <p:cNvPr id="7" name="Slide Number Placeholder 6">
-            <a:extLst>
-              <a:ext uri="{FF2B5EF4-FFF2-40B4-BE49-F238E27FC236}">
-                <a16:creationId xmlns:a16="http://schemas.microsoft.com/office/drawing/2014/main" id="{8DCBF3B6-CB23-C514-2A87-3174B9560EE9}"/>
-              </a:ext>
-            </a:extLst>
-          </p:cNvPr>
+          <p:cNvPr id="7" name="Slide Number Placeholder 6"/>
           <p:cNvSpPr>
             <a:spLocks noGrp="1"/>
           </p:cNvSpPr>
@@ -1463,7 +1558,7 @@
     </p:spTree>
     <p:extLst>
       <p:ext uri="{BB962C8B-B14F-4D97-AF65-F5344CB8AC3E}">
-        <p14:creationId xmlns:p14="http://schemas.microsoft.com/office/powerpoint/2010/main" val="759344651"/>
+        <p14:creationId xmlns:p14="http://schemas.microsoft.com/office/powerpoint/2010/main" val="1586832686"/>
       </p:ext>
     </p:extLst>
   </p:cSld>
@@ -1492,65 +1587,60 @@
       </p:grpSpPr>
       <p:sp>
         <p:nvSpPr>
-          <p:cNvPr id="2" name="Title 1">
-            <a:extLst>
-              <a:ext uri="{FF2B5EF4-FFF2-40B4-BE49-F238E27FC236}">
-                <a16:creationId xmlns:a16="http://schemas.microsoft.com/office/drawing/2014/main" id="{F94461B8-DC8A-9EE9-587C-1490188569F0}"/>
-              </a:ext>
-            </a:extLst>
-          </p:cNvPr>
+          <p:cNvPr id="10" name="Title 9"/>
           <p:cNvSpPr>
             <a:spLocks noGrp="1"/>
           </p:cNvSpPr>
           <p:nvPr>
             <p:ph type="title"/>
+          </p:nvPr>
+        </p:nvSpPr>
+        <p:spPr/>
+        <p:txBody>
+          <a:bodyPr/>
+          <a:lstStyle/>
+          <a:p>
+            <a:r>
+              <a:rPr lang="en-US"/>
+              <a:t>Click to edit Master title style</a:t>
+            </a:r>
+            <a:endParaRPr lang="en-US" dirty="0"/>
+          </a:p>
+        </p:txBody>
+      </p:sp>
+      <p:sp>
+        <p:nvSpPr>
+          <p:cNvPr id="3" name="Text Placeholder 2"/>
+          <p:cNvSpPr>
+            <a:spLocks noGrp="1"/>
+          </p:cNvSpPr>
+          <p:nvPr>
+            <p:ph type="body" idx="1"/>
           </p:nvPr>
         </p:nvSpPr>
         <p:spPr>
           <a:xfrm>
-            <a:off x="839788" y="365125"/>
-            <a:ext cx="10515600" cy="1325563"/>
+            <a:off x="1261872" y="1717879"/>
+            <a:ext cx="4480560" cy="731520"/>
           </a:xfrm>
         </p:spPr>
         <p:txBody>
-          <a:bodyPr/>
-          <a:lstStyle/>
-          <a:p>
-            <a:r>
-              <a:rPr lang="en-US"/>
-              <a:t>Click to edit Master title style</a:t>
-            </a:r>
-          </a:p>
-        </p:txBody>
-      </p:sp>
-      <p:sp>
-        <p:nvSpPr>
-          <p:cNvPr id="3" name="Text Placeholder 2">
-            <a:extLst>
-              <a:ext uri="{FF2B5EF4-FFF2-40B4-BE49-F238E27FC236}">
-                <a16:creationId xmlns:a16="http://schemas.microsoft.com/office/drawing/2014/main" id="{FB9ACB63-9F21-DFC7-5653-26AD27D53819}"/>
-              </a:ext>
-            </a:extLst>
-          </p:cNvPr>
-          <p:cNvSpPr>
-            <a:spLocks noGrp="1"/>
-          </p:cNvSpPr>
-          <p:nvPr>
-            <p:ph type="body" idx="1"/>
-          </p:nvPr>
-        </p:nvSpPr>
-        <p:spPr>
-          <a:xfrm>
-            <a:off x="839788" y="1681163"/>
-            <a:ext cx="5157787" cy="823912"/>
-          </a:xfrm>
-        </p:spPr>
-        <p:txBody>
-          <a:bodyPr anchor="b"/>
+          <a:bodyPr anchor="b">
+            <a:normAutofit/>
+          </a:bodyPr>
           <a:lstStyle>
             <a:lvl1pPr marL="0" indent="0">
-              <a:buNone/>
-              <a:defRPr sz="2400" b="1"/>
+              <a:spcBef>
+                <a:spcPts val="0"/>
+              </a:spcBef>
+              <a:buNone/>
+              <a:defRPr sz="2000" b="0">
+                <a:solidFill>
+                  <a:schemeClr val="tx1">
+                    <a:lumMod val="65000"/>
+                  </a:schemeClr>
+                </a:solidFill>
+              </a:defRPr>
             </a:lvl1pPr>
             <a:lvl2pPr marL="457200" indent="0">
               <a:buNone/>
@@ -1596,13 +1686,7 @@
       </p:sp>
       <p:sp>
         <p:nvSpPr>
-          <p:cNvPr id="4" name="Content Placeholder 3">
-            <a:extLst>
-              <a:ext uri="{FF2B5EF4-FFF2-40B4-BE49-F238E27FC236}">
-                <a16:creationId xmlns:a16="http://schemas.microsoft.com/office/drawing/2014/main" id="{CB8F9113-F97D-8787-4C66-44BB389C11C1}"/>
-              </a:ext>
-            </a:extLst>
-          </p:cNvPr>
+          <p:cNvPr id="4" name="Content Placeholder 3"/>
           <p:cNvSpPr>
             <a:spLocks noGrp="1"/>
           </p:cNvSpPr>
@@ -1612,13 +1696,41 @@
         </p:nvSpPr>
         <p:spPr>
           <a:xfrm>
-            <a:off x="839788" y="2505075"/>
-            <a:ext cx="5157787" cy="3684588"/>
+            <a:off x="1261872" y="2507550"/>
+            <a:ext cx="4480560" cy="3664650"/>
           </a:xfrm>
         </p:spPr>
         <p:txBody>
           <a:bodyPr/>
-          <a:lstStyle/>
+          <a:lstStyle>
+            <a:lvl1pPr>
+              <a:defRPr sz="1800"/>
+            </a:lvl1pPr>
+            <a:lvl2pPr>
+              <a:defRPr sz="1600"/>
+            </a:lvl2pPr>
+            <a:lvl3pPr>
+              <a:defRPr sz="1400"/>
+            </a:lvl3pPr>
+            <a:lvl4pPr>
+              <a:defRPr sz="1400"/>
+            </a:lvl4pPr>
+            <a:lvl5pPr>
+              <a:defRPr sz="1400"/>
+            </a:lvl5pPr>
+            <a:lvl6pPr>
+              <a:defRPr sz="1400"/>
+            </a:lvl6pPr>
+            <a:lvl7pPr>
+              <a:defRPr sz="1400"/>
+            </a:lvl7pPr>
+            <a:lvl8pPr>
+              <a:defRPr sz="1400"/>
+            </a:lvl8pPr>
+            <a:lvl9pPr>
+              <a:defRPr sz="1400"/>
+            </a:lvl9pPr>
+          </a:lstStyle>
           <a:p>
             <a:pPr lvl="0"/>
             <a:r>
@@ -1653,69 +1765,103 @@
               <a:rPr lang="en-US"/>
               <a:t>Fifth level</a:t>
             </a:r>
-          </a:p>
-        </p:txBody>
-      </p:sp>
-      <p:sp>
-        <p:nvSpPr>
-          <p:cNvPr id="5" name="Text Placeholder 4">
-            <a:extLst>
-              <a:ext uri="{FF2B5EF4-FFF2-40B4-BE49-F238E27FC236}">
-                <a16:creationId xmlns:a16="http://schemas.microsoft.com/office/drawing/2014/main" id="{8B5ACAEC-2908-4034-657B-7633A3D2CE1C}"/>
-              </a:ext>
-            </a:extLst>
-          </p:cNvPr>
-          <p:cNvSpPr>
-            <a:spLocks noGrp="1"/>
-          </p:cNvSpPr>
-          <p:nvPr>
-            <p:ph type="body" sz="quarter" idx="3"/>
+            <a:endParaRPr lang="en-US" dirty="0"/>
+          </a:p>
+        </p:txBody>
+      </p:sp>
+      <p:sp>
+        <p:nvSpPr>
+          <p:cNvPr id="5" name="Text Placeholder 4"/>
+          <p:cNvSpPr>
+            <a:spLocks noGrp="1"/>
+          </p:cNvSpPr>
+          <p:nvPr>
+            <p:ph type="body" sz="quarter" idx="13"/>
           </p:nvPr>
         </p:nvSpPr>
         <p:spPr>
           <a:xfrm>
-            <a:off x="6172200" y="1681163"/>
-            <a:ext cx="5183188" cy="823912"/>
+            <a:off x="6126480" y="1717879"/>
+            <a:ext cx="4480560" cy="731520"/>
           </a:xfrm>
         </p:spPr>
         <p:txBody>
-          <a:bodyPr anchor="b"/>
+          <a:bodyPr anchor="b">
+            <a:normAutofit/>
+          </a:bodyPr>
           <a:lstStyle>
             <a:lvl1pPr marL="0" indent="0">
-              <a:buNone/>
-              <a:defRPr sz="2400" b="1"/>
+              <a:spcBef>
+                <a:spcPts val="0"/>
+              </a:spcBef>
+              <a:buFontTx/>
+              <a:buNone/>
+              <a:defRPr lang="en-US" sz="2000" b="0" kern="1200" spc="10" baseline="0" dirty="0">
+                <a:solidFill>
+                  <a:schemeClr val="tx1">
+                    <a:lumMod val="65000"/>
+                  </a:schemeClr>
+                </a:solidFill>
+                <a:latin typeface="+mn-lt"/>
+                <a:ea typeface="+mn-ea"/>
+                <a:cs typeface="+mn-cs"/>
+              </a:defRPr>
             </a:lvl1pPr>
-            <a:lvl2pPr marL="457200" indent="0">
-              <a:buNone/>
-              <a:defRPr sz="2000" b="1"/>
+          </a:lstStyle>
+          <a:p>
+            <a:pPr lvl="0"/>
+            <a:r>
+              <a:rPr lang="en-US"/>
+              <a:t>Click to edit Master text styles</a:t>
+            </a:r>
+          </a:p>
+        </p:txBody>
+      </p:sp>
+      <p:sp>
+        <p:nvSpPr>
+          <p:cNvPr id="6" name="Content Placeholder 5"/>
+          <p:cNvSpPr>
+            <a:spLocks noGrp="1"/>
+          </p:cNvSpPr>
+          <p:nvPr>
+            <p:ph sz="quarter" idx="4"/>
+          </p:nvPr>
+        </p:nvSpPr>
+        <p:spPr>
+          <a:xfrm>
+            <a:off x="6126480" y="2507550"/>
+            <a:ext cx="4480560" cy="3664650"/>
+          </a:xfrm>
+        </p:spPr>
+        <p:txBody>
+          <a:bodyPr/>
+          <a:lstStyle>
+            <a:lvl1pPr>
+              <a:defRPr sz="1800"/>
+            </a:lvl1pPr>
+            <a:lvl2pPr>
+              <a:defRPr sz="1600"/>
             </a:lvl2pPr>
-            <a:lvl3pPr marL="914400" indent="0">
-              <a:buNone/>
-              <a:defRPr sz="1800" b="1"/>
+            <a:lvl3pPr>
+              <a:defRPr sz="1400"/>
             </a:lvl3pPr>
-            <a:lvl4pPr marL="1371600" indent="0">
-              <a:buNone/>
-              <a:defRPr sz="1600" b="1"/>
+            <a:lvl4pPr>
+              <a:defRPr sz="1400"/>
             </a:lvl4pPr>
-            <a:lvl5pPr marL="1828800" indent="0">
-              <a:buNone/>
-              <a:defRPr sz="1600" b="1"/>
+            <a:lvl5pPr>
+              <a:defRPr sz="1400"/>
             </a:lvl5pPr>
-            <a:lvl6pPr marL="2286000" indent="0">
-              <a:buNone/>
-              <a:defRPr sz="1600" b="1"/>
+            <a:lvl6pPr>
+              <a:defRPr sz="1400"/>
             </a:lvl6pPr>
-            <a:lvl7pPr marL="2743200" indent="0">
-              <a:buNone/>
-              <a:defRPr sz="1600" b="1"/>
+            <a:lvl7pPr>
+              <a:defRPr sz="1400"/>
             </a:lvl7pPr>
-            <a:lvl8pPr marL="3200400" indent="0">
-              <a:buNone/>
-              <a:defRPr sz="1600" b="1"/>
+            <a:lvl8pPr>
+              <a:defRPr sz="1400"/>
             </a:lvl8pPr>
-            <a:lvl9pPr marL="3657600" indent="0">
-              <a:buNone/>
-              <a:defRPr sz="1600" b="1"/>
+            <a:lvl9pPr>
+              <a:defRPr sz="1400"/>
             </a:lvl9pPr>
           </a:lstStyle>
           <a:p>
@@ -1725,84 +1871,68 @@
               <a:t>Click to edit Master text styles</a:t>
             </a:r>
           </a:p>
-        </p:txBody>
-      </p:sp>
-      <p:sp>
-        <p:nvSpPr>
-          <p:cNvPr id="6" name="Content Placeholder 5">
-            <a:extLst>
-              <a:ext uri="{FF2B5EF4-FFF2-40B4-BE49-F238E27FC236}">
-                <a16:creationId xmlns:a16="http://schemas.microsoft.com/office/drawing/2014/main" id="{025DB56E-2ECC-3DF3-F265-9E8F46AAAB0D}"/>
-              </a:ext>
-            </a:extLst>
-          </p:cNvPr>
-          <p:cNvSpPr>
-            <a:spLocks noGrp="1"/>
-          </p:cNvSpPr>
-          <p:nvPr>
-            <p:ph sz="quarter" idx="4"/>
-          </p:nvPr>
-        </p:nvSpPr>
-        <p:spPr>
-          <a:xfrm>
-            <a:off x="6172200" y="2505075"/>
-            <a:ext cx="5183188" cy="3684588"/>
-          </a:xfrm>
-        </p:spPr>
+          <a:p>
+            <a:pPr lvl="1"/>
+            <a:r>
+              <a:rPr lang="en-US"/>
+              <a:t>Second level</a:t>
+            </a:r>
+          </a:p>
+          <a:p>
+            <a:pPr lvl="2"/>
+            <a:r>
+              <a:rPr lang="en-US"/>
+              <a:t>Third level</a:t>
+            </a:r>
+          </a:p>
+          <a:p>
+            <a:pPr lvl="3"/>
+            <a:r>
+              <a:rPr lang="en-US"/>
+              <a:t>Fourth level</a:t>
+            </a:r>
+          </a:p>
+          <a:p>
+            <a:pPr lvl="4"/>
+            <a:r>
+              <a:rPr lang="en-US"/>
+              <a:t>Fifth level</a:t>
+            </a:r>
+            <a:endParaRPr lang="en-US" dirty="0"/>
+          </a:p>
+        </p:txBody>
+      </p:sp>
+      <p:sp>
+        <p:nvSpPr>
+          <p:cNvPr id="7" name="Date Placeholder 6"/>
+          <p:cNvSpPr>
+            <a:spLocks noGrp="1"/>
+          </p:cNvSpPr>
+          <p:nvPr>
+            <p:ph type="dt" sz="half" idx="10"/>
+          </p:nvPr>
+        </p:nvSpPr>
+        <p:spPr/>
         <p:txBody>
           <a:bodyPr/>
           <a:lstStyle/>
           <a:p>
-            <a:pPr lvl="0"/>
-            <a:r>
-              <a:rPr lang="en-US"/>
-              <a:t>Click to edit Master text styles</a:t>
-            </a:r>
-          </a:p>
-          <a:p>
-            <a:pPr lvl="1"/>
-            <a:r>
-              <a:rPr lang="en-US"/>
-              <a:t>Second level</a:t>
-            </a:r>
-          </a:p>
-          <a:p>
-            <a:pPr lvl="2"/>
-            <a:r>
-              <a:rPr lang="en-US"/>
-              <a:t>Third level</a:t>
-            </a:r>
-          </a:p>
-          <a:p>
-            <a:pPr lvl="3"/>
-            <a:r>
-              <a:rPr lang="en-US"/>
-              <a:t>Fourth level</a:t>
-            </a:r>
-          </a:p>
-          <a:p>
-            <a:pPr lvl="4"/>
-            <a:r>
-              <a:rPr lang="en-US"/>
-              <a:t>Fifth level</a:t>
-            </a:r>
-          </a:p>
-        </p:txBody>
-      </p:sp>
-      <p:sp>
-        <p:nvSpPr>
-          <p:cNvPr id="7" name="Date Placeholder 6">
-            <a:extLst>
-              <a:ext uri="{FF2B5EF4-FFF2-40B4-BE49-F238E27FC236}">
-                <a16:creationId xmlns:a16="http://schemas.microsoft.com/office/drawing/2014/main" id="{8E03C219-2304-2611-FCEB-B5E6ADFD9BF5}"/>
-              </a:ext>
-            </a:extLst>
-          </p:cNvPr>
-          <p:cNvSpPr>
-            <a:spLocks noGrp="1"/>
-          </p:cNvSpPr>
-          <p:nvPr>
-            <p:ph type="dt" sz="half" idx="10"/>
+            <a:fld id="{60122B3C-12CC-4A2B-B177-C0A7B0F07925}" type="datetimeFigureOut">
+              <a:rPr lang="en-US" smtClean="0"/>
+              <a:t>8/16/2022</a:t>
+            </a:fld>
+            <a:endParaRPr lang="en-US"/>
+          </a:p>
+        </p:txBody>
+      </p:sp>
+      <p:sp>
+        <p:nvSpPr>
+          <p:cNvPr id="8" name="Footer Placeholder 7"/>
+          <p:cNvSpPr>
+            <a:spLocks noGrp="1"/>
+          </p:cNvSpPr>
+          <p:nvPr>
+            <p:ph type="ftr" sz="quarter" idx="11"/>
           </p:nvPr>
         </p:nvSpPr>
         <p:spPr/>
@@ -1810,48 +1940,13 @@
           <a:bodyPr/>
           <a:lstStyle/>
           <a:p>
-            <a:fld id="{60122B3C-12CC-4A2B-B177-C0A7B0F07925}" type="datetimeFigureOut">
-              <a:rPr lang="en-US" smtClean="0"/>
-              <a:t>8/11/2022</a:t>
-            </a:fld>
             <a:endParaRPr lang="en-US"/>
           </a:p>
         </p:txBody>
       </p:sp>
       <p:sp>
         <p:nvSpPr>
-          <p:cNvPr id="8" name="Footer Placeholder 7">
-            <a:extLst>
-              <a:ext uri="{FF2B5EF4-FFF2-40B4-BE49-F238E27FC236}">
-                <a16:creationId xmlns:a16="http://schemas.microsoft.com/office/drawing/2014/main" id="{34F75379-72C3-1411-E5A0-19E47546522B}"/>
-              </a:ext>
-            </a:extLst>
-          </p:cNvPr>
-          <p:cNvSpPr>
-            <a:spLocks noGrp="1"/>
-          </p:cNvSpPr>
-          <p:nvPr>
-            <p:ph type="ftr" sz="quarter" idx="11"/>
-          </p:nvPr>
-        </p:nvSpPr>
-        <p:spPr/>
-        <p:txBody>
-          <a:bodyPr/>
-          <a:lstStyle/>
-          <a:p>
-            <a:endParaRPr lang="en-US"/>
-          </a:p>
-        </p:txBody>
-      </p:sp>
-      <p:sp>
-        <p:nvSpPr>
-          <p:cNvPr id="9" name="Slide Number Placeholder 8">
-            <a:extLst>
-              <a:ext uri="{FF2B5EF4-FFF2-40B4-BE49-F238E27FC236}">
-                <a16:creationId xmlns:a16="http://schemas.microsoft.com/office/drawing/2014/main" id="{EDCA709D-772C-45D7-A75F-CA37CE9567BB}"/>
-              </a:ext>
-            </a:extLst>
-          </p:cNvPr>
+          <p:cNvPr id="9" name="Slide Number Placeholder 8"/>
           <p:cNvSpPr>
             <a:spLocks noGrp="1"/>
           </p:cNvSpPr>
@@ -1875,7 +1970,7 @@
     </p:spTree>
     <p:extLst>
       <p:ext uri="{BB962C8B-B14F-4D97-AF65-F5344CB8AC3E}">
-        <p14:creationId xmlns:p14="http://schemas.microsoft.com/office/powerpoint/2010/main" val="3388632667"/>
+        <p14:creationId xmlns:p14="http://schemas.microsoft.com/office/powerpoint/2010/main" val="1756204441"/>
       </p:ext>
     </p:extLst>
   </p:cSld>
@@ -1904,13 +1999,7 @@
       </p:grpSpPr>
       <p:sp>
         <p:nvSpPr>
-          <p:cNvPr id="2" name="Title 1">
-            <a:extLst>
-              <a:ext uri="{FF2B5EF4-FFF2-40B4-BE49-F238E27FC236}">
-                <a16:creationId xmlns:a16="http://schemas.microsoft.com/office/drawing/2014/main" id="{7A92C251-2750-3C08-C0B6-7DC399B34E20}"/>
-              </a:ext>
-            </a:extLst>
-          </p:cNvPr>
+          <p:cNvPr id="6" name="Title 5"/>
           <p:cNvSpPr>
             <a:spLocks noGrp="1"/>
           </p:cNvSpPr>
@@ -1927,18 +2016,13 @@
               <a:rPr lang="en-US"/>
               <a:t>Click to edit Master title style</a:t>
             </a:r>
-          </a:p>
-        </p:txBody>
-      </p:sp>
-      <p:sp>
-        <p:nvSpPr>
-          <p:cNvPr id="3" name="Date Placeholder 2">
-            <a:extLst>
-              <a:ext uri="{FF2B5EF4-FFF2-40B4-BE49-F238E27FC236}">
-                <a16:creationId xmlns:a16="http://schemas.microsoft.com/office/drawing/2014/main" id="{45DFB080-0C9E-9448-21F5-4AE18B485FE9}"/>
-              </a:ext>
-            </a:extLst>
-          </p:cNvPr>
+            <a:endParaRPr lang="en-US" dirty="0"/>
+          </a:p>
+        </p:txBody>
+      </p:sp>
+      <p:sp>
+        <p:nvSpPr>
+          <p:cNvPr id="3" name="Date Placeholder 2"/>
           <p:cNvSpPr>
             <a:spLocks noGrp="1"/>
           </p:cNvSpPr>
@@ -1953,7 +2037,7 @@
           <a:p>
             <a:fld id="{60122B3C-12CC-4A2B-B177-C0A7B0F07925}" type="datetimeFigureOut">
               <a:rPr lang="en-US" smtClean="0"/>
-              <a:t>8/11/2022</a:t>
+              <a:t>8/16/2022</a:t>
             </a:fld>
             <a:endParaRPr lang="en-US"/>
           </a:p>
@@ -1961,13 +2045,7 @@
       </p:sp>
       <p:sp>
         <p:nvSpPr>
-          <p:cNvPr id="4" name="Footer Placeholder 3">
-            <a:extLst>
-              <a:ext uri="{FF2B5EF4-FFF2-40B4-BE49-F238E27FC236}">
-                <a16:creationId xmlns:a16="http://schemas.microsoft.com/office/drawing/2014/main" id="{32E24C86-1EAC-B403-484C-6008125DD1D4}"/>
-              </a:ext>
-            </a:extLst>
-          </p:cNvPr>
+          <p:cNvPr id="4" name="Footer Placeholder 3"/>
           <p:cNvSpPr>
             <a:spLocks noGrp="1"/>
           </p:cNvSpPr>
@@ -1986,13 +2064,7 @@
       </p:sp>
       <p:sp>
         <p:nvSpPr>
-          <p:cNvPr id="5" name="Slide Number Placeholder 4">
-            <a:extLst>
-              <a:ext uri="{FF2B5EF4-FFF2-40B4-BE49-F238E27FC236}">
-                <a16:creationId xmlns:a16="http://schemas.microsoft.com/office/drawing/2014/main" id="{F179EFC6-FE7C-FB9E-7F0C-5A7D53B968BF}"/>
-              </a:ext>
-            </a:extLst>
-          </p:cNvPr>
+          <p:cNvPr id="5" name="Slide Number Placeholder 4"/>
           <p:cNvSpPr>
             <a:spLocks noGrp="1"/>
           </p:cNvSpPr>
@@ -2016,7 +2088,7 @@
     </p:spTree>
     <p:extLst>
       <p:ext uri="{BB962C8B-B14F-4D97-AF65-F5344CB8AC3E}">
-        <p14:creationId xmlns:p14="http://schemas.microsoft.com/office/powerpoint/2010/main" val="3707480980"/>
+        <p14:creationId xmlns:p14="http://schemas.microsoft.com/office/powerpoint/2010/main" val="1572107111"/>
       </p:ext>
     </p:extLst>
   </p:cSld>
@@ -2045,13 +2117,7 @@
       </p:grpSpPr>
       <p:sp>
         <p:nvSpPr>
-          <p:cNvPr id="2" name="Date Placeholder 1">
-            <a:extLst>
-              <a:ext uri="{FF2B5EF4-FFF2-40B4-BE49-F238E27FC236}">
-                <a16:creationId xmlns:a16="http://schemas.microsoft.com/office/drawing/2014/main" id="{0D90E32E-0E0F-2590-6848-04BC63DD98ED}"/>
-              </a:ext>
-            </a:extLst>
-          </p:cNvPr>
+          <p:cNvPr id="2" name="Date Placeholder 1"/>
           <p:cNvSpPr>
             <a:spLocks noGrp="1"/>
           </p:cNvSpPr>
@@ -2066,7 +2132,7 @@
           <a:p>
             <a:fld id="{60122B3C-12CC-4A2B-B177-C0A7B0F07925}" type="datetimeFigureOut">
               <a:rPr lang="en-US" smtClean="0"/>
-              <a:t>8/11/2022</a:t>
+              <a:t>8/16/2022</a:t>
             </a:fld>
             <a:endParaRPr lang="en-US"/>
           </a:p>
@@ -2074,13 +2140,7 @@
       </p:sp>
       <p:sp>
         <p:nvSpPr>
-          <p:cNvPr id="3" name="Footer Placeholder 2">
-            <a:extLst>
-              <a:ext uri="{FF2B5EF4-FFF2-40B4-BE49-F238E27FC236}">
-                <a16:creationId xmlns:a16="http://schemas.microsoft.com/office/drawing/2014/main" id="{36EB2B03-7340-1D60-C9A5-44C404EDF4A3}"/>
-              </a:ext>
-            </a:extLst>
-          </p:cNvPr>
+          <p:cNvPr id="3" name="Footer Placeholder 2"/>
           <p:cNvSpPr>
             <a:spLocks noGrp="1"/>
           </p:cNvSpPr>
@@ -2099,13 +2159,7 @@
       </p:sp>
       <p:sp>
         <p:nvSpPr>
-          <p:cNvPr id="4" name="Slide Number Placeholder 3">
-            <a:extLst>
-              <a:ext uri="{FF2B5EF4-FFF2-40B4-BE49-F238E27FC236}">
-                <a16:creationId xmlns:a16="http://schemas.microsoft.com/office/drawing/2014/main" id="{61CDB8A5-BE1D-FF3F-A05B-0D855CF5DDCC}"/>
-              </a:ext>
-            </a:extLst>
-          </p:cNvPr>
+          <p:cNvPr id="4" name="Slide Number Placeholder 3"/>
           <p:cNvSpPr>
             <a:spLocks noGrp="1"/>
           </p:cNvSpPr>
@@ -2129,7 +2183,7 @@
     </p:spTree>
     <p:extLst>
       <p:ext uri="{BB962C8B-B14F-4D97-AF65-F5344CB8AC3E}">
-        <p14:creationId xmlns:p14="http://schemas.microsoft.com/office/powerpoint/2010/main" val="1184732777"/>
+        <p14:creationId xmlns:p14="http://schemas.microsoft.com/office/powerpoint/2010/main" val="1100079173"/>
       </p:ext>
     </p:extLst>
   </p:cSld>
@@ -2158,13 +2212,7 @@
       </p:grpSpPr>
       <p:sp>
         <p:nvSpPr>
-          <p:cNvPr id="2" name="Title 1">
-            <a:extLst>
-              <a:ext uri="{FF2B5EF4-FFF2-40B4-BE49-F238E27FC236}">
-                <a16:creationId xmlns:a16="http://schemas.microsoft.com/office/drawing/2014/main" id="{50570103-82E1-1793-ED3D-909EEB8C8DB3}"/>
-              </a:ext>
-            </a:extLst>
-          </p:cNvPr>
+          <p:cNvPr id="2" name="Title 1"/>
           <p:cNvSpPr>
             <a:spLocks noGrp="1"/>
           </p:cNvSpPr>
@@ -2174,15 +2222,17 @@
         </p:nvSpPr>
         <p:spPr>
           <a:xfrm>
-            <a:off x="839788" y="457200"/>
-            <a:ext cx="3932237" cy="1600200"/>
+            <a:off x="841248" y="457200"/>
+            <a:ext cx="3200400" cy="1600197"/>
           </a:xfrm>
         </p:spPr>
         <p:txBody>
-          <a:bodyPr anchor="b"/>
+          <a:bodyPr anchor="b">
+            <a:normAutofit/>
+          </a:bodyPr>
           <a:lstStyle>
             <a:lvl1pPr>
-              <a:defRPr sz="3200"/>
+              <a:defRPr sz="3200" b="0" baseline="0"/>
             </a:lvl1pPr>
           </a:lstStyle>
           <a:p>
@@ -2190,18 +2240,13 @@
               <a:rPr lang="en-US"/>
               <a:t>Click to edit Master title style</a:t>
             </a:r>
-          </a:p>
-        </p:txBody>
-      </p:sp>
-      <p:sp>
-        <p:nvSpPr>
-          <p:cNvPr id="3" name="Content Placeholder 2">
-            <a:extLst>
-              <a:ext uri="{FF2B5EF4-FFF2-40B4-BE49-F238E27FC236}">
-                <a16:creationId xmlns:a16="http://schemas.microsoft.com/office/drawing/2014/main" id="{BB43BD95-E068-9C90-7DC9-A260C27BA032}"/>
-              </a:ext>
-            </a:extLst>
-          </p:cNvPr>
+            <a:endParaRPr lang="en-US" dirty="0"/>
+          </a:p>
+        </p:txBody>
+      </p:sp>
+      <p:sp>
+        <p:nvSpPr>
+          <p:cNvPr id="3" name="Content Placeholder 2"/>
           <p:cNvSpPr>
             <a:spLocks noGrp="1"/>
           </p:cNvSpPr>
@@ -2211,39 +2256,39 @@
         </p:nvSpPr>
         <p:spPr>
           <a:xfrm>
-            <a:off x="5183188" y="987425"/>
-            <a:ext cx="6172200" cy="4873625"/>
+            <a:off x="4504267" y="685800"/>
+            <a:ext cx="6079066" cy="5486400"/>
           </a:xfrm>
         </p:spPr>
         <p:txBody>
           <a:bodyPr/>
           <a:lstStyle>
             <a:lvl1pPr>
-              <a:defRPr sz="3200"/>
+              <a:defRPr sz="2000"/>
             </a:lvl1pPr>
             <a:lvl2pPr>
-              <a:defRPr sz="2800"/>
+              <a:defRPr sz="1800"/>
             </a:lvl2pPr>
             <a:lvl3pPr>
-              <a:defRPr sz="2400"/>
+              <a:defRPr sz="1600"/>
             </a:lvl3pPr>
             <a:lvl4pPr>
-              <a:defRPr sz="2000"/>
+              <a:defRPr sz="1400"/>
             </a:lvl4pPr>
             <a:lvl5pPr>
-              <a:defRPr sz="2000"/>
+              <a:defRPr sz="1400"/>
             </a:lvl5pPr>
             <a:lvl6pPr>
-              <a:defRPr sz="2000"/>
+              <a:defRPr sz="1400"/>
             </a:lvl6pPr>
             <a:lvl7pPr>
-              <a:defRPr sz="2000"/>
+              <a:defRPr sz="1400"/>
             </a:lvl7pPr>
             <a:lvl8pPr>
-              <a:defRPr sz="2000"/>
+              <a:defRPr sz="1400"/>
             </a:lvl8pPr>
             <a:lvl9pPr>
-              <a:defRPr sz="2000"/>
+              <a:defRPr sz="1400"/>
             </a:lvl9pPr>
           </a:lstStyle>
           <a:p>
@@ -2280,18 +2325,13 @@
               <a:rPr lang="en-US"/>
               <a:t>Fifth level</a:t>
             </a:r>
-          </a:p>
-        </p:txBody>
-      </p:sp>
-      <p:sp>
-        <p:nvSpPr>
-          <p:cNvPr id="4" name="Text Placeholder 3">
-            <a:extLst>
-              <a:ext uri="{FF2B5EF4-FFF2-40B4-BE49-F238E27FC236}">
-                <a16:creationId xmlns:a16="http://schemas.microsoft.com/office/drawing/2014/main" id="{01C30E3A-4319-6485-5848-A8D23A91AEC9}"/>
-              </a:ext>
-            </a:extLst>
-          </p:cNvPr>
+            <a:endParaRPr lang="en-US" dirty="0"/>
+          </a:p>
+        </p:txBody>
+      </p:sp>
+      <p:sp>
+        <p:nvSpPr>
+          <p:cNvPr id="4" name="Text Placeholder 3"/>
           <p:cNvSpPr>
             <a:spLocks noGrp="1"/>
           </p:cNvSpPr>
@@ -2301,48 +2341,56 @@
         </p:nvSpPr>
         <p:spPr>
           <a:xfrm>
-            <a:off x="839788" y="2057400"/>
-            <a:ext cx="3932237" cy="3811588"/>
+            <a:off x="841248" y="2099734"/>
+            <a:ext cx="3200400" cy="3810001"/>
           </a:xfrm>
         </p:spPr>
         <p:txBody>
-          <a:bodyPr/>
+          <a:bodyPr>
+            <a:normAutofit/>
+          </a:bodyPr>
           <a:lstStyle>
             <a:lvl1pPr marL="0" indent="0">
-              <a:buNone/>
-              <a:defRPr sz="1600"/>
+              <a:lnSpc>
+                <a:spcPct val="114000"/>
+              </a:lnSpc>
+              <a:spcBef>
+                <a:spcPts val="800"/>
+              </a:spcBef>
+              <a:buNone/>
+              <a:defRPr sz="1300"/>
             </a:lvl1pPr>
             <a:lvl2pPr marL="457200" indent="0">
               <a:buNone/>
-              <a:defRPr sz="1400"/>
+              <a:defRPr sz="1200"/>
             </a:lvl2pPr>
             <a:lvl3pPr marL="914400" indent="0">
               <a:buNone/>
-              <a:defRPr sz="1200"/>
+              <a:defRPr sz="1000"/>
             </a:lvl3pPr>
             <a:lvl4pPr marL="1371600" indent="0">
               <a:buNone/>
-              <a:defRPr sz="1000"/>
+              <a:defRPr sz="900"/>
             </a:lvl4pPr>
             <a:lvl5pPr marL="1828800" indent="0">
               <a:buNone/>
-              <a:defRPr sz="1000"/>
+              <a:defRPr sz="900"/>
             </a:lvl5pPr>
             <a:lvl6pPr marL="2286000" indent="0">
               <a:buNone/>
-              <a:defRPr sz="1000"/>
+              <a:defRPr sz="900"/>
             </a:lvl6pPr>
             <a:lvl7pPr marL="2743200" indent="0">
               <a:buNone/>
-              <a:defRPr sz="1000"/>
+              <a:defRPr sz="900"/>
             </a:lvl7pPr>
             <a:lvl8pPr marL="3200400" indent="0">
               <a:buNone/>
-              <a:defRPr sz="1000"/>
+              <a:defRPr sz="900"/>
             </a:lvl8pPr>
             <a:lvl9pPr marL="3657600" indent="0">
               <a:buNone/>
-              <a:defRPr sz="1000"/>
+              <a:defRPr sz="900"/>
             </a:lvl9pPr>
           </a:lstStyle>
           <a:p>
@@ -2356,13 +2404,7 @@
       </p:sp>
       <p:sp>
         <p:nvSpPr>
-          <p:cNvPr id="5" name="Date Placeholder 4">
-            <a:extLst>
-              <a:ext uri="{FF2B5EF4-FFF2-40B4-BE49-F238E27FC236}">
-                <a16:creationId xmlns:a16="http://schemas.microsoft.com/office/drawing/2014/main" id="{F6A82393-AF8B-978D-A74E-A1328E40CB05}"/>
-              </a:ext>
-            </a:extLst>
-          </p:cNvPr>
+          <p:cNvPr id="5" name="Date Placeholder 4"/>
           <p:cNvSpPr>
             <a:spLocks noGrp="1"/>
           </p:cNvSpPr>
@@ -2377,7 +2419,7 @@
           <a:p>
             <a:fld id="{60122B3C-12CC-4A2B-B177-C0A7B0F07925}" type="datetimeFigureOut">
               <a:rPr lang="en-US" smtClean="0"/>
-              <a:t>8/11/2022</a:t>
+              <a:t>8/16/2022</a:t>
             </a:fld>
             <a:endParaRPr lang="en-US"/>
           </a:p>
@@ -2385,13 +2427,7 @@
       </p:sp>
       <p:sp>
         <p:nvSpPr>
-          <p:cNvPr id="6" name="Footer Placeholder 5">
-            <a:extLst>
-              <a:ext uri="{FF2B5EF4-FFF2-40B4-BE49-F238E27FC236}">
-                <a16:creationId xmlns:a16="http://schemas.microsoft.com/office/drawing/2014/main" id="{96A91BDB-1FF9-5B61-D203-7FF1DE869010}"/>
-              </a:ext>
-            </a:extLst>
-          </p:cNvPr>
+          <p:cNvPr id="6" name="Footer Placeholder 5"/>
           <p:cNvSpPr>
             <a:spLocks noGrp="1"/>
           </p:cNvSpPr>
@@ -2410,13 +2446,7 @@
       </p:sp>
       <p:sp>
         <p:nvSpPr>
-          <p:cNvPr id="7" name="Slide Number Placeholder 6">
-            <a:extLst>
-              <a:ext uri="{FF2B5EF4-FFF2-40B4-BE49-F238E27FC236}">
-                <a16:creationId xmlns:a16="http://schemas.microsoft.com/office/drawing/2014/main" id="{36823CDC-5AEC-C501-16D3-AB5280C1D311}"/>
-              </a:ext>
-            </a:extLst>
-          </p:cNvPr>
+          <p:cNvPr id="7" name="Slide Number Placeholder 6"/>
           <p:cNvSpPr>
             <a:spLocks noGrp="1"/>
           </p:cNvSpPr>
@@ -2440,7 +2470,7 @@
     </p:spTree>
     <p:extLst>
       <p:ext uri="{BB962C8B-B14F-4D97-AF65-F5344CB8AC3E}">
-        <p14:creationId xmlns:p14="http://schemas.microsoft.com/office/powerpoint/2010/main" val="3504906102"/>
+        <p14:creationId xmlns:p14="http://schemas.microsoft.com/office/powerpoint/2010/main" val="2818343328"/>
       </p:ext>
     </p:extLst>
   </p:cSld>
@@ -2469,13 +2499,7 @@
       </p:grpSpPr>
       <p:sp>
         <p:nvSpPr>
-          <p:cNvPr id="2" name="Title 1">
-            <a:extLst>
-              <a:ext uri="{FF2B5EF4-FFF2-40B4-BE49-F238E27FC236}">
-                <a16:creationId xmlns:a16="http://schemas.microsoft.com/office/drawing/2014/main" id="{EB011035-A593-96D6-A6E4-78BFD57BEC8C}"/>
-              </a:ext>
-            </a:extLst>
-          </p:cNvPr>
+          <p:cNvPr id="2" name="Title 1"/>
           <p:cNvSpPr>
             <a:spLocks noGrp="1"/>
           </p:cNvSpPr>
@@ -2485,15 +2509,21 @@
         </p:nvSpPr>
         <p:spPr>
           <a:xfrm>
-            <a:off x="839788" y="457200"/>
-            <a:ext cx="3932237" cy="1600200"/>
+            <a:off x="914400" y="5257800"/>
+            <a:ext cx="9982200" cy="914400"/>
           </a:xfrm>
         </p:spPr>
         <p:txBody>
-          <a:bodyPr anchor="b"/>
+          <a:bodyPr anchor="b">
+            <a:normAutofit/>
+          </a:bodyPr>
           <a:lstStyle>
             <a:lvl1pPr>
-              <a:defRPr sz="3200"/>
+              <a:defRPr sz="2800" b="0">
+                <a:solidFill>
+                  <a:schemeClr val="tx1"/>
+                </a:solidFill>
+              </a:defRPr>
             </a:lvl1pPr>
           </a:lstStyle>
           <a:p>
@@ -2501,20 +2531,15 @@
               <a:rPr lang="en-US"/>
               <a:t>Click to edit Master title style</a:t>
             </a:r>
-          </a:p>
-        </p:txBody>
-      </p:sp>
-      <p:sp>
-        <p:nvSpPr>
-          <p:cNvPr id="3" name="Picture Placeholder 2">
-            <a:extLst>
-              <a:ext uri="{FF2B5EF4-FFF2-40B4-BE49-F238E27FC236}">
-                <a16:creationId xmlns:a16="http://schemas.microsoft.com/office/drawing/2014/main" id="{1BF2D5B5-FC5B-2E4E-1E52-FF48F1D0D65D}"/>
-              </a:ext>
-            </a:extLst>
-          </p:cNvPr>
-          <p:cNvSpPr>
-            <a:spLocks noGrp="1"/>
+            <a:endParaRPr lang="en-US" dirty="0"/>
+          </a:p>
+        </p:txBody>
+      </p:sp>
+      <p:sp>
+        <p:nvSpPr>
+          <p:cNvPr id="3" name="Picture Placeholder 2"/>
+          <p:cNvSpPr>
+            <a:spLocks noGrp="1" noChangeAspect="1"/>
           </p:cNvSpPr>
           <p:nvPr>
             <p:ph type="pic" idx="1"/>
@@ -2522,12 +2547,12 @@
         </p:nvSpPr>
         <p:spPr>
           <a:xfrm>
-            <a:off x="5183188" y="987425"/>
-            <a:ext cx="6172200" cy="4873625"/>
+            <a:off x="0" y="0"/>
+            <a:ext cx="11292840" cy="5128923"/>
           </a:xfrm>
         </p:spPr>
         <p:txBody>
-          <a:bodyPr/>
+          <a:bodyPr anchor="t"/>
           <a:lstStyle>
             <a:lvl1pPr marL="0" indent="0">
               <a:buNone/>
@@ -2567,19 +2592,17 @@
             </a:lvl9pPr>
           </a:lstStyle>
           <a:p>
-            <a:endParaRPr lang="en-US"/>
-          </a:p>
-        </p:txBody>
-      </p:sp>
-      <p:sp>
-        <p:nvSpPr>
-          <p:cNvPr id="4" name="Text Placeholder 3">
-            <a:extLst>
-              <a:ext uri="{FF2B5EF4-FFF2-40B4-BE49-F238E27FC236}">
-                <a16:creationId xmlns:a16="http://schemas.microsoft.com/office/drawing/2014/main" id="{2CA4F4E1-76FC-1034-A8C8-8792618A0A01}"/>
-              </a:ext>
-            </a:extLst>
-          </p:cNvPr>
+            <a:r>
+              <a:rPr lang="en-US"/>
+              <a:t>Click icon to add picture</a:t>
+            </a:r>
+            <a:endParaRPr lang="en-US" dirty="0"/>
+          </a:p>
+        </p:txBody>
+      </p:sp>
+      <p:sp>
+        <p:nvSpPr>
+          <p:cNvPr id="4" name="Text Placeholder 3"/>
           <p:cNvSpPr>
             <a:spLocks noGrp="1"/>
           </p:cNvSpPr>
@@ -2589,48 +2612,62 @@
         </p:nvSpPr>
         <p:spPr>
           <a:xfrm>
-            <a:off x="839788" y="2057400"/>
-            <a:ext cx="3932237" cy="3811588"/>
+            <a:off x="914400" y="6108589"/>
+            <a:ext cx="9982200" cy="597011"/>
           </a:xfrm>
         </p:spPr>
         <p:txBody>
-          <a:bodyPr/>
+          <a:bodyPr>
+            <a:normAutofit/>
+          </a:bodyPr>
           <a:lstStyle>
             <a:lvl1pPr marL="0" indent="0">
-              <a:buNone/>
-              <a:defRPr sz="1600"/>
+              <a:lnSpc>
+                <a:spcPct val="100000"/>
+              </a:lnSpc>
+              <a:spcBef>
+                <a:spcPts val="800"/>
+              </a:spcBef>
+              <a:buNone/>
+              <a:defRPr sz="1300">
+                <a:solidFill>
+                  <a:schemeClr val="tx1">
+                    <a:lumMod val="75000"/>
+                  </a:schemeClr>
+                </a:solidFill>
+              </a:defRPr>
             </a:lvl1pPr>
             <a:lvl2pPr marL="457200" indent="0">
               <a:buNone/>
-              <a:defRPr sz="1400"/>
+              <a:defRPr sz="1200"/>
             </a:lvl2pPr>
             <a:lvl3pPr marL="914400" indent="0">
               <a:buNone/>
-              <a:defRPr sz="1200"/>
+              <a:defRPr sz="1000"/>
             </a:lvl3pPr>
             <a:lvl4pPr marL="1371600" indent="0">
               <a:buNone/>
-              <a:defRPr sz="1000"/>
+              <a:defRPr sz="900"/>
             </a:lvl4pPr>
             <a:lvl5pPr marL="1828800" indent="0">
               <a:buNone/>
-              <a:defRPr sz="1000"/>
+              <a:defRPr sz="900"/>
             </a:lvl5pPr>
             <a:lvl6pPr marL="2286000" indent="0">
               <a:buNone/>
-              <a:defRPr sz="1000"/>
+              <a:defRPr sz="900"/>
             </a:lvl6pPr>
             <a:lvl7pPr marL="2743200" indent="0">
               <a:buNone/>
-              <a:defRPr sz="1000"/>
+              <a:defRPr sz="900"/>
             </a:lvl7pPr>
             <a:lvl8pPr marL="3200400" indent="0">
               <a:buNone/>
-              <a:defRPr sz="1000"/>
+              <a:defRPr sz="900"/>
             </a:lvl8pPr>
             <a:lvl9pPr marL="3657600" indent="0">
               <a:buNone/>
-              <a:defRPr sz="1000"/>
+              <a:defRPr sz="900"/>
             </a:lvl9pPr>
           </a:lstStyle>
           <a:p>
@@ -2644,13 +2681,7 @@
       </p:sp>
       <p:sp>
         <p:nvSpPr>
-          <p:cNvPr id="5" name="Date Placeholder 4">
-            <a:extLst>
-              <a:ext uri="{FF2B5EF4-FFF2-40B4-BE49-F238E27FC236}">
-                <a16:creationId xmlns:a16="http://schemas.microsoft.com/office/drawing/2014/main" id="{A560B721-6987-453F-A483-FECD73881502}"/>
-              </a:ext>
-            </a:extLst>
-          </p:cNvPr>
+          <p:cNvPr id="5" name="Date Placeholder 4"/>
           <p:cNvSpPr>
             <a:spLocks noGrp="1"/>
           </p:cNvSpPr>
@@ -2665,7 +2696,7 @@
           <a:p>
             <a:fld id="{60122B3C-12CC-4A2B-B177-C0A7B0F07925}" type="datetimeFigureOut">
               <a:rPr lang="en-US" smtClean="0"/>
-              <a:t>8/11/2022</a:t>
+              <a:t>8/16/2022</a:t>
             </a:fld>
             <a:endParaRPr lang="en-US"/>
           </a:p>
@@ -2673,13 +2704,7 @@
       </p:sp>
       <p:sp>
         <p:nvSpPr>
-          <p:cNvPr id="6" name="Footer Placeholder 5">
-            <a:extLst>
-              <a:ext uri="{FF2B5EF4-FFF2-40B4-BE49-F238E27FC236}">
-                <a16:creationId xmlns:a16="http://schemas.microsoft.com/office/drawing/2014/main" id="{9AFB196D-0C91-70DE-B46F-21B2ED3F5E3E}"/>
-              </a:ext>
-            </a:extLst>
-          </p:cNvPr>
+          <p:cNvPr id="6" name="Footer Placeholder 5"/>
           <p:cNvSpPr>
             <a:spLocks noGrp="1"/>
           </p:cNvSpPr>
@@ -2692,19 +2717,13 @@
           <a:bodyPr/>
           <a:lstStyle/>
           <a:p>
-            <a:endParaRPr lang="en-US"/>
-          </a:p>
-        </p:txBody>
-      </p:sp>
-      <p:sp>
-        <p:nvSpPr>
-          <p:cNvPr id="7" name="Slide Number Placeholder 6">
-            <a:extLst>
-              <a:ext uri="{FF2B5EF4-FFF2-40B4-BE49-F238E27FC236}">
-                <a16:creationId xmlns:a16="http://schemas.microsoft.com/office/drawing/2014/main" id="{656169F2-80FD-248C-EFD8-16851C34AD78}"/>
-              </a:ext>
-            </a:extLst>
-          </p:cNvPr>
+            <a:endParaRPr lang="en-US" dirty="0"/>
+          </a:p>
+        </p:txBody>
+      </p:sp>
+      <p:sp>
+        <p:nvSpPr>
+          <p:cNvPr id="7" name="Slide Number Placeholder 6"/>
           <p:cNvSpPr>
             <a:spLocks noGrp="1"/>
           </p:cNvSpPr>
@@ -2728,7 +2747,7 @@
     </p:spTree>
     <p:extLst>
       <p:ext uri="{BB962C8B-B14F-4D97-AF65-F5344CB8AC3E}">
-        <p14:creationId xmlns:p14="http://schemas.microsoft.com/office/powerpoint/2010/main" val="2659160431"/>
+        <p14:creationId xmlns:p14="http://schemas.microsoft.com/office/powerpoint/2010/main" val="1618645518"/>
       </p:ext>
     </p:extLst>
   </p:cSld>
@@ -2762,31 +2781,63 @@
       </p:grpSpPr>
       <p:sp>
         <p:nvSpPr>
-          <p:cNvPr id="2" name="Title Placeholder 1">
-            <a:extLst>
-              <a:ext uri="{FF2B5EF4-FFF2-40B4-BE49-F238E27FC236}">
-                <a16:creationId xmlns:a16="http://schemas.microsoft.com/office/drawing/2014/main" id="{9D918C42-AF0E-8203-C8F9-8C33E6410331}"/>
-              </a:ext>
-            </a:extLst>
-          </p:cNvPr>
-          <p:cNvSpPr>
-            <a:spLocks noGrp="1"/>
-          </p:cNvSpPr>
-          <p:nvPr>
-            <p:ph type="title"/>
-          </p:nvPr>
+          <p:cNvPr id="7" name="Rectangle 6"/>
+          <p:cNvSpPr/>
+          <p:nvPr/>
         </p:nvSpPr>
         <p:spPr>
           <a:xfrm>
-            <a:off x="838200" y="365125"/>
-            <a:ext cx="10515600" cy="1325563"/>
+            <a:off x="11292840" y="0"/>
+            <a:ext cx="914400" cy="6858000"/>
+          </a:xfrm>
+          <a:prstGeom prst="rect">
+            <a:avLst/>
+          </a:prstGeom>
+          <a:solidFill>
+            <a:srgbClr val="303030"/>
+          </a:solidFill>
+          <a:ln>
+            <a:noFill/>
+          </a:ln>
+        </p:spPr>
+        <p:style>
+          <a:lnRef idx="2">
+            <a:schemeClr val="accent1">
+              <a:shade val="50000"/>
+            </a:schemeClr>
+          </a:lnRef>
+          <a:fillRef idx="1">
+            <a:schemeClr val="accent1"/>
+          </a:fillRef>
+          <a:effectRef idx="0">
+            <a:schemeClr val="accent1"/>
+          </a:effectRef>
+          <a:fontRef idx="minor">
+            <a:schemeClr val="lt1"/>
+          </a:fontRef>
+        </p:style>
+      </p:sp>
+      <p:sp>
+        <p:nvSpPr>
+          <p:cNvPr id="2" name="Title Placeholder 1"/>
+          <p:cNvSpPr>
+            <a:spLocks noGrp="1"/>
+          </p:cNvSpPr>
+          <p:nvPr>
+            <p:ph type="title"/>
+          </p:nvPr>
+        </p:nvSpPr>
+        <p:spPr>
+          <a:xfrm>
+            <a:off x="1261872" y="365760"/>
+            <a:ext cx="9692640" cy="1325562"/>
           </a:xfrm>
           <a:prstGeom prst="rect">
             <a:avLst/>
           </a:prstGeom>
         </p:spPr>
         <p:txBody>
-          <a:bodyPr vert="horz" lIns="91440" tIns="45720" rIns="91440" bIns="45720" rtlCol="0" anchor="ctr">
+          <a:bodyPr vert="horz" lIns="91440" tIns="45720" rIns="91440" bIns="45720" rtlCol="0" anchor="b">
             <a:normAutofit/>
           </a:bodyPr>
           <a:lstStyle/>
@@ -2795,18 +2846,13 @@
               <a:rPr lang="en-US"/>
               <a:t>Click to edit Master title style</a:t>
             </a:r>
-          </a:p>
-        </p:txBody>
-      </p:sp>
-      <p:sp>
-        <p:nvSpPr>
-          <p:cNvPr id="3" name="Text Placeholder 2">
-            <a:extLst>
-              <a:ext uri="{FF2B5EF4-FFF2-40B4-BE49-F238E27FC236}">
-                <a16:creationId xmlns:a16="http://schemas.microsoft.com/office/drawing/2014/main" id="{C0552B43-E4B2-816F-EEDB-FE0519831389}"/>
-              </a:ext>
-            </a:extLst>
-          </p:cNvPr>
+            <a:endParaRPr lang="en-US" dirty="0"/>
+          </a:p>
+        </p:txBody>
+      </p:sp>
+      <p:sp>
+        <p:nvSpPr>
+          <p:cNvPr id="3" name="Text Placeholder 2"/>
           <p:cNvSpPr>
             <a:spLocks noGrp="1"/>
           </p:cNvSpPr>
@@ -2816,8 +2862,8 @@
         </p:nvSpPr>
         <p:spPr>
           <a:xfrm>
-            <a:off x="838200" y="1825625"/>
-            <a:ext cx="10515600" cy="4351338"/>
+            <a:off x="1261872" y="1828800"/>
+            <a:ext cx="8595360" cy="4351337"/>
           </a:xfrm>
           <a:prstGeom prst="rect">
             <a:avLst/>
@@ -2862,18 +2908,13 @@
               <a:rPr lang="en-US"/>
               <a:t>Fifth level</a:t>
             </a:r>
-          </a:p>
-        </p:txBody>
-      </p:sp>
-      <p:sp>
-        <p:nvSpPr>
-          <p:cNvPr id="4" name="Date Placeholder 3">
-            <a:extLst>
-              <a:ext uri="{FF2B5EF4-FFF2-40B4-BE49-F238E27FC236}">
-                <a16:creationId xmlns:a16="http://schemas.microsoft.com/office/drawing/2014/main" id="{3EA923DE-0E03-6342-EC41-A01D971C745E}"/>
-              </a:ext>
-            </a:extLst>
-          </p:cNvPr>
+            <a:endParaRPr lang="en-US" dirty="0"/>
+          </a:p>
+        </p:txBody>
+      </p:sp>
+      <p:sp>
+        <p:nvSpPr>
+          <p:cNvPr id="4" name="Date Placeholder 3"/>
           <p:cNvSpPr>
             <a:spLocks noGrp="1"/>
           </p:cNvSpPr>
@@ -2882,9 +2923,9 @@
           </p:nvPr>
         </p:nvSpPr>
         <p:spPr>
-          <a:xfrm>
-            <a:off x="838200" y="6356350"/>
-            <a:ext cx="2743200" cy="365125"/>
+          <a:xfrm rot="16200000">
+            <a:off x="10797542" y="998537"/>
+            <a:ext cx="1904999" cy="365125"/>
           </a:xfrm>
           <a:prstGeom prst="rect">
             <a:avLst/>
@@ -2893,11 +2934,11 @@
         <p:txBody>
           <a:bodyPr vert="horz" lIns="91440" tIns="45720" rIns="91440" bIns="45720" rtlCol="0" anchor="ctr"/>
           <a:lstStyle>
-            <a:lvl1pPr algn="l">
-              <a:defRPr sz="1200">
+            <a:lvl1pPr algn="r">
+              <a:defRPr sz="1050" b="0">
                 <a:solidFill>
                   <a:schemeClr val="tx1">
-                    <a:tint val="75000"/>
+                    <a:lumMod val="50000"/>
                   </a:schemeClr>
                 </a:solidFill>
               </a:defRPr>
@@ -2906,7 +2947,7 @@
           <a:p>
             <a:fld id="{60122B3C-12CC-4A2B-B177-C0A7B0F07925}" type="datetimeFigureOut">
               <a:rPr lang="en-US" smtClean="0"/>
-              <a:t>8/11/2022</a:t>
+              <a:t>8/16/2022</a:t>
             </a:fld>
             <a:endParaRPr lang="en-US"/>
           </a:p>
@@ -2914,13 +2955,7 @@
       </p:sp>
       <p:sp>
         <p:nvSpPr>
-          <p:cNvPr id="5" name="Footer Placeholder 4">
-            <a:extLst>
-              <a:ext uri="{FF2B5EF4-FFF2-40B4-BE49-F238E27FC236}">
-                <a16:creationId xmlns:a16="http://schemas.microsoft.com/office/drawing/2014/main" id="{725FAE47-245C-BBC2-682F-9CF823978593}"/>
-              </a:ext>
-            </a:extLst>
-          </p:cNvPr>
+          <p:cNvPr id="5" name="Footer Placeholder 4"/>
           <p:cNvSpPr>
             <a:spLocks noGrp="1"/>
           </p:cNvSpPr>
@@ -2929,9 +2964,9 @@
           </p:nvPr>
         </p:nvSpPr>
         <p:spPr>
-          <a:xfrm>
-            <a:off x="4038600" y="6356350"/>
-            <a:ext cx="4114800" cy="365125"/>
+          <a:xfrm rot="16200000">
+            <a:off x="9959341" y="4046537"/>
+            <a:ext cx="3581400" cy="365125"/>
           </a:xfrm>
           <a:prstGeom prst="rect">
             <a:avLst/>
@@ -2940,12 +2975,10 @@
         <p:txBody>
           <a:bodyPr vert="horz" lIns="91440" tIns="45720" rIns="91440" bIns="45720" rtlCol="0" anchor="ctr"/>
           <a:lstStyle>
-            <a:lvl1pPr algn="ctr">
-              <a:defRPr sz="1200">
+            <a:lvl1pPr algn="l">
+              <a:defRPr sz="1050">
                 <a:solidFill>
-                  <a:schemeClr val="tx1">
-                    <a:tint val="75000"/>
-                  </a:schemeClr>
+                  <a:srgbClr val="969696"/>
                 </a:solidFill>
               </a:defRPr>
             </a:lvl1pPr>
@@ -2957,13 +2990,7 @@
       </p:sp>
       <p:sp>
         <p:nvSpPr>
-          <p:cNvPr id="6" name="Slide Number Placeholder 5">
-            <a:extLst>
-              <a:ext uri="{FF2B5EF4-FFF2-40B4-BE49-F238E27FC236}">
-                <a16:creationId xmlns:a16="http://schemas.microsoft.com/office/drawing/2014/main" id="{D73014EA-7544-DFB4-28B8-3664B5294BFA}"/>
-              </a:ext>
-            </a:extLst>
-          </p:cNvPr>
+          <p:cNvPr id="6" name="Slide Number Placeholder 5"/>
           <p:cNvSpPr>
             <a:spLocks noGrp="1"/>
           </p:cNvSpPr>
@@ -2973,22 +3000,22 @@
         </p:nvSpPr>
         <p:spPr>
           <a:xfrm>
-            <a:off x="8610600" y="6356350"/>
-            <a:ext cx="2743200" cy="365125"/>
+            <a:off x="11292840" y="6172200"/>
+            <a:ext cx="914400" cy="593725"/>
           </a:xfrm>
           <a:prstGeom prst="rect">
             <a:avLst/>
           </a:prstGeom>
         </p:spPr>
         <p:txBody>
-          <a:bodyPr vert="horz" lIns="91440" tIns="45720" rIns="91440" bIns="45720" rtlCol="0" anchor="ctr"/>
+          <a:bodyPr vert="horz" lIns="45720" tIns="45720" rIns="45720" bIns="45720" rtlCol="0" anchor="ctr">
+            <a:normAutofit/>
+          </a:bodyPr>
           <a:lstStyle>
-            <a:lvl1pPr algn="r">
-              <a:defRPr sz="1200">
+            <a:lvl1pPr algn="ctr">
+              <a:defRPr sz="3600">
                 <a:solidFill>
-                  <a:schemeClr val="tx1">
-                    <a:tint val="75000"/>
-                  </a:schemeClr>
+                  <a:srgbClr val="777777"/>
                 </a:solidFill>
               </a:defRPr>
             </a:lvl1pPr>
@@ -3005,23 +3032,23 @@
     </p:spTree>
     <p:extLst>
       <p:ext uri="{BB962C8B-B14F-4D97-AF65-F5344CB8AC3E}">
-        <p14:creationId xmlns:p14="http://schemas.microsoft.com/office/powerpoint/2010/main" val="3420814692"/>
+        <p14:creationId xmlns:p14="http://schemas.microsoft.com/office/powerpoint/2010/main" val="415618392"/>
       </p:ext>
     </p:extLst>
   </p:cSld>
-  <p:clrMap bg1="lt1" tx1="dk1" bg2="lt2" tx2="dk2" accent1="accent1" accent2="accent2" accent3="accent3" accent4="accent4" accent5="accent5" accent6="accent6" hlink="hlink" folHlink="folHlink"/>
+  <p:clrMap bg1="dk1" tx1="lt1" bg2="dk2" tx2="lt2" accent1="accent1" accent2="accent2" accent3="accent3" accent4="accent4" accent5="accent5" accent6="accent6" hlink="hlink" folHlink="folHlink"/>
   <p:sldLayoutIdLst>
-    <p:sldLayoutId id="2147483649" r:id="rId1"/>
-    <p:sldLayoutId id="2147483650" r:id="rId2"/>
-    <p:sldLayoutId id="2147483651" r:id="rId3"/>
-    <p:sldLayoutId id="2147483652" r:id="rId4"/>
-    <p:sldLayoutId id="2147483653" r:id="rId5"/>
-    <p:sldLayoutId id="2147483654" r:id="rId6"/>
-    <p:sldLayoutId id="2147483655" r:id="rId7"/>
-    <p:sldLayoutId id="2147483656" r:id="rId8"/>
-    <p:sldLayoutId id="2147483657" r:id="rId9"/>
-    <p:sldLayoutId id="2147483658" r:id="rId10"/>
-    <p:sldLayoutId id="2147483659" r:id="rId11"/>
+    <p:sldLayoutId id="2147483829" r:id="rId1"/>
+    <p:sldLayoutId id="2147483830" r:id="rId2"/>
+    <p:sldLayoutId id="2147483831" r:id="rId3"/>
+    <p:sldLayoutId id="2147483832" r:id="rId4"/>
+    <p:sldLayoutId id="2147483833" r:id="rId5"/>
+    <p:sldLayoutId id="2147483834" r:id="rId6"/>
+    <p:sldLayoutId id="2147483835" r:id="rId7"/>
+    <p:sldLayoutId id="2147483836" r:id="rId8"/>
+    <p:sldLayoutId id="2147483837" r:id="rId9"/>
+    <p:sldLayoutId id="2147483838" r:id="rId10"/>
+    <p:sldLayoutId id="2147483839" r:id="rId11"/>
   </p:sldLayoutIdLst>
   <p:txStyles>
     <p:titleStyle>
@@ -3033,7 +3060,7 @@
           <a:spcPct val="0"/>
         </a:spcBef>
         <a:buNone/>
-        <a:defRPr sz="4400" kern="1200">
+        <a:defRPr sz="4400" kern="1200" spc="-50" baseline="0">
           <a:solidFill>
             <a:schemeClr val="tx1"/>
           </a:solidFill>
@@ -3044,16 +3071,23 @@
       </a:lvl1pPr>
     </p:titleStyle>
     <p:bodyStyle>
-      <a:lvl1pPr marL="228600" indent="-228600" algn="l" defTabSz="914400" rtl="0" eaLnBrk="1" latinLnBrk="0" hangingPunct="1">
+      <a:lvl1pPr marL="182880" indent="-182880" algn="l" defTabSz="914400" rtl="0" eaLnBrk="1" latinLnBrk="0" hangingPunct="1">
         <a:lnSpc>
-          <a:spcPct val="90000"/>
+          <a:spcPct val="95000"/>
         </a:lnSpc>
         <a:spcBef>
-          <a:spcPts val="1000"/>
+          <a:spcPts val="1400"/>
         </a:spcBef>
-        <a:buFont typeface="Arial" panose="020B0604020202020204" pitchFamily="34" charset="0"/>
+        <a:spcAft>
+          <a:spcPts val="200"/>
+        </a:spcAft>
+        <a:buClr>
+          <a:schemeClr val="accent1"/>
+        </a:buClr>
+        <a:buSzPct val="80000"/>
+        <a:buFont typeface="Arial" pitchFamily="34" charset="0"/>
         <a:buChar char="•"/>
-        <a:defRPr sz="2800" kern="1200">
+        <a:defRPr sz="1800" kern="1200" spc="10" baseline="0">
           <a:solidFill>
             <a:schemeClr val="tx1"/>
           </a:solidFill>
@@ -3062,144 +3096,216 @@
           <a:cs typeface="+mn-cs"/>
         </a:defRPr>
       </a:lvl1pPr>
-      <a:lvl2pPr marL="685800" indent="-228600" algn="l" defTabSz="914400" rtl="0" eaLnBrk="1" latinLnBrk="0" hangingPunct="1">
+      <a:lvl2pPr marL="457200" indent="-182880" algn="l" defTabSz="914400" rtl="0" eaLnBrk="1" latinLnBrk="0" hangingPunct="1">
         <a:lnSpc>
           <a:spcPct val="90000"/>
         </a:lnSpc>
         <a:spcBef>
-          <a:spcPts val="500"/>
+          <a:spcPts val="300"/>
         </a:spcBef>
-        <a:buFont typeface="Arial" panose="020B0604020202020204" pitchFamily="34" charset="0"/>
-        <a:buChar char="•"/>
-        <a:defRPr sz="2400" kern="1200">
+        <a:spcAft>
+          <a:spcPts val="300"/>
+        </a:spcAft>
+        <a:buClr>
+          <a:schemeClr val="accent1"/>
+        </a:buClr>
+        <a:buFont typeface="Wingdings 2" pitchFamily="18" charset="2"/>
+        <a:buChar char=""/>
+        <a:defRPr sz="1600" kern="1200">
           <a:solidFill>
-            <a:schemeClr val="tx1"/>
+            <a:schemeClr val="tx1">
+              <a:lumMod val="85000"/>
+              <a:lumOff val="15000"/>
+            </a:schemeClr>
           </a:solidFill>
           <a:latin typeface="+mn-lt"/>
           <a:ea typeface="+mn-ea"/>
           <a:cs typeface="+mn-cs"/>
         </a:defRPr>
       </a:lvl2pPr>
-      <a:lvl3pPr marL="1143000" indent="-228600" algn="l" defTabSz="914400" rtl="0" eaLnBrk="1" latinLnBrk="0" hangingPunct="1">
+      <a:lvl3pPr marL="731520" indent="-182880" algn="l" defTabSz="914400" rtl="0" eaLnBrk="1" latinLnBrk="0" hangingPunct="1">
         <a:lnSpc>
           <a:spcPct val="90000"/>
         </a:lnSpc>
         <a:spcBef>
-          <a:spcPts val="500"/>
+          <a:spcPts val="300"/>
         </a:spcBef>
-        <a:buFont typeface="Arial" panose="020B0604020202020204" pitchFamily="34" charset="0"/>
-        <a:buChar char="•"/>
-        <a:defRPr sz="2000" kern="1200">
+        <a:spcAft>
+          <a:spcPts val="300"/>
+        </a:spcAft>
+        <a:buClr>
+          <a:schemeClr val="accent1"/>
+        </a:buClr>
+        <a:buFont typeface="Wingdings 2" pitchFamily="18" charset="2"/>
+        <a:buChar char=""/>
+        <a:defRPr sz="1400" kern="1200">
           <a:solidFill>
-            <a:schemeClr val="tx1"/>
+            <a:schemeClr val="tx1">
+              <a:lumMod val="85000"/>
+              <a:lumOff val="15000"/>
+            </a:schemeClr>
           </a:solidFill>
           <a:latin typeface="+mn-lt"/>
           <a:ea typeface="+mn-ea"/>
           <a:cs typeface="+mn-cs"/>
         </a:defRPr>
       </a:lvl3pPr>
-      <a:lvl4pPr marL="1600200" indent="-228600" algn="l" defTabSz="914400" rtl="0" eaLnBrk="1" latinLnBrk="0" hangingPunct="1">
+      <a:lvl4pPr marL="1005840" indent="-182880" algn="l" defTabSz="914400" rtl="0" eaLnBrk="1" latinLnBrk="0" hangingPunct="1">
         <a:lnSpc>
           <a:spcPct val="90000"/>
         </a:lnSpc>
         <a:spcBef>
-          <a:spcPts val="500"/>
+          <a:spcPts val="300"/>
         </a:spcBef>
-        <a:buFont typeface="Arial" panose="020B0604020202020204" pitchFamily="34" charset="0"/>
-        <a:buChar char="•"/>
-        <a:defRPr sz="1800" kern="1200">
+        <a:spcAft>
+          <a:spcPts val="300"/>
+        </a:spcAft>
+        <a:buClr>
+          <a:schemeClr val="accent1"/>
+        </a:buClr>
+        <a:buFont typeface="Wingdings 2" pitchFamily="18" charset="2"/>
+        <a:buChar char=""/>
+        <a:defRPr sz="1400" kern="1200">
           <a:solidFill>
-            <a:schemeClr val="tx1"/>
+            <a:schemeClr val="tx1">
+              <a:lumMod val="85000"/>
+              <a:lumOff val="15000"/>
+            </a:schemeClr>
           </a:solidFill>
           <a:latin typeface="+mn-lt"/>
           <a:ea typeface="+mn-ea"/>
           <a:cs typeface="+mn-cs"/>
         </a:defRPr>
       </a:lvl4pPr>
-      <a:lvl5pPr marL="2057400" indent="-228600" algn="l" defTabSz="914400" rtl="0" eaLnBrk="1" latinLnBrk="0" hangingPunct="1">
+      <a:lvl5pPr marL="1280160" indent="-182880" algn="l" defTabSz="914400" rtl="0" eaLnBrk="1" latinLnBrk="0" hangingPunct="1">
         <a:lnSpc>
           <a:spcPct val="90000"/>
         </a:lnSpc>
         <a:spcBef>
-          <a:spcPts val="500"/>
+          <a:spcPts val="300"/>
         </a:spcBef>
-        <a:buFont typeface="Arial" panose="020B0604020202020204" pitchFamily="34" charset="0"/>
-        <a:buChar char="•"/>
-        <a:defRPr sz="1800" kern="1200">
+        <a:spcAft>
+          <a:spcPts val="300"/>
+        </a:spcAft>
+        <a:buClr>
+          <a:schemeClr val="accent1"/>
+        </a:buClr>
+        <a:buFont typeface="Wingdings 2" pitchFamily="18" charset="2"/>
+        <a:buChar char=""/>
+        <a:defRPr sz="1400" kern="1200">
           <a:solidFill>
-            <a:schemeClr val="tx1"/>
+            <a:schemeClr val="tx1">
+              <a:lumMod val="85000"/>
+              <a:lumOff val="15000"/>
+            </a:schemeClr>
           </a:solidFill>
           <a:latin typeface="+mn-lt"/>
           <a:ea typeface="+mn-ea"/>
           <a:cs typeface="+mn-cs"/>
         </a:defRPr>
       </a:lvl5pPr>
-      <a:lvl6pPr marL="2514600" indent="-228600" algn="l" defTabSz="914400" rtl="0" eaLnBrk="1" latinLnBrk="0" hangingPunct="1">
+      <a:lvl6pPr marL="1600000" indent="-228600" algn="l" defTabSz="914400" rtl="0" eaLnBrk="1" latinLnBrk="0" hangingPunct="1">
         <a:lnSpc>
           <a:spcPct val="90000"/>
         </a:lnSpc>
         <a:spcBef>
-          <a:spcPts val="500"/>
+          <a:spcPts val="300"/>
         </a:spcBef>
-        <a:buFont typeface="Arial" panose="020B0604020202020204" pitchFamily="34" charset="0"/>
-        <a:buChar char="•"/>
-        <a:defRPr sz="1800" kern="1200">
+        <a:spcAft>
+          <a:spcPts val="300"/>
+        </a:spcAft>
+        <a:buClr>
+          <a:schemeClr val="accent1"/>
+        </a:buClr>
+        <a:buFont typeface="Wingdings 2" pitchFamily="18" charset="2"/>
+        <a:buChar char=""/>
+        <a:defRPr sz="1400" kern="1200">
           <a:solidFill>
-            <a:schemeClr val="tx1"/>
+            <a:schemeClr val="tx1">
+              <a:lumMod val="85000"/>
+              <a:lumOff val="15000"/>
+            </a:schemeClr>
           </a:solidFill>
           <a:latin typeface="+mn-lt"/>
           <a:ea typeface="+mn-ea"/>
           <a:cs typeface="+mn-cs"/>
         </a:defRPr>
       </a:lvl6pPr>
-      <a:lvl7pPr marL="2971800" indent="-228600" algn="l" defTabSz="914400" rtl="0" eaLnBrk="1" latinLnBrk="0" hangingPunct="1">
+      <a:lvl7pPr marL="1900000" indent="-228600" algn="l" defTabSz="914400" rtl="0" eaLnBrk="1" latinLnBrk="0" hangingPunct="1">
         <a:lnSpc>
           <a:spcPct val="90000"/>
         </a:lnSpc>
         <a:spcBef>
-          <a:spcPts val="500"/>
+          <a:spcPts val="300"/>
         </a:spcBef>
-        <a:buFont typeface="Arial" panose="020B0604020202020204" pitchFamily="34" charset="0"/>
-        <a:buChar char="•"/>
-        <a:defRPr sz="1800" kern="1200">
+        <a:spcAft>
+          <a:spcPts val="300"/>
+        </a:spcAft>
+        <a:buClr>
+          <a:schemeClr val="accent1"/>
+        </a:buClr>
+        <a:buFont typeface="Wingdings 2" pitchFamily="18" charset="2"/>
+        <a:buChar char=""/>
+        <a:defRPr sz="1400" kern="1200">
           <a:solidFill>
-            <a:schemeClr val="tx1"/>
+            <a:schemeClr val="tx1">
+              <a:lumMod val="85000"/>
+              <a:lumOff val="15000"/>
+            </a:schemeClr>
           </a:solidFill>
           <a:latin typeface="+mn-lt"/>
           <a:ea typeface="+mn-ea"/>
           <a:cs typeface="+mn-cs"/>
         </a:defRPr>
       </a:lvl7pPr>
-      <a:lvl8pPr marL="3429000" indent="-228600" algn="l" defTabSz="914400" rtl="0" eaLnBrk="1" latinLnBrk="0" hangingPunct="1">
+      <a:lvl8pPr marL="2200000" indent="-228600" algn="l" defTabSz="914400" rtl="0" eaLnBrk="1" latinLnBrk="0" hangingPunct="1">
         <a:lnSpc>
           <a:spcPct val="90000"/>
         </a:lnSpc>
         <a:spcBef>
-          <a:spcPts val="500"/>
+          <a:spcPts val="300"/>
         </a:spcBef>
-        <a:buFont typeface="Arial" panose="020B0604020202020204" pitchFamily="34" charset="0"/>
-        <a:buChar char="•"/>
-        <a:defRPr sz="1800" kern="1200">
+        <a:spcAft>
+          <a:spcPts val="300"/>
+        </a:spcAft>
+        <a:buClr>
+          <a:schemeClr val="accent1"/>
+        </a:buClr>
+        <a:buFont typeface="Wingdings 2" pitchFamily="18" charset="2"/>
+        <a:buChar char=""/>
+        <a:defRPr sz="1400" kern="1200">
           <a:solidFill>
-            <a:schemeClr val="tx1"/>
+            <a:schemeClr val="tx1">
+              <a:lumMod val="85000"/>
+              <a:lumOff val="15000"/>
+            </a:schemeClr>
           </a:solidFill>
           <a:latin typeface="+mn-lt"/>
           <a:ea typeface="+mn-ea"/>
           <a:cs typeface="+mn-cs"/>
         </a:defRPr>
       </a:lvl8pPr>
-      <a:lvl9pPr marL="3886200" indent="-228600" algn="l" defTabSz="914400" rtl="0" eaLnBrk="1" latinLnBrk="0" hangingPunct="1">
+      <a:lvl9pPr marL="2500000" indent="-228600" algn="l" defTabSz="914400" rtl="0" eaLnBrk="1" latinLnBrk="0" hangingPunct="1">
         <a:lnSpc>
           <a:spcPct val="90000"/>
         </a:lnSpc>
         <a:spcBef>
-          <a:spcPts val="500"/>
+          <a:spcPts val="300"/>
         </a:spcBef>
-        <a:buFont typeface="Arial" panose="020B0604020202020204" pitchFamily="34" charset="0"/>
-        <a:buChar char="•"/>
-        <a:defRPr sz="1800" kern="1200">
+        <a:spcAft>
+          <a:spcPts val="300"/>
+        </a:spcAft>
+        <a:buClr>
+          <a:schemeClr val="accent1"/>
+        </a:buClr>
+        <a:buFont typeface="Wingdings 2" pitchFamily="18" charset="2"/>
+        <a:buChar char=""/>
+        <a:defRPr sz="1400" kern="1200">
           <a:solidFill>
-            <a:schemeClr val="tx1"/>
+            <a:schemeClr val="tx1">
+              <a:lumMod val="85000"/>
+              <a:lumOff val="15000"/>
+            </a:schemeClr>
           </a:solidFill>
           <a:latin typeface="+mn-lt"/>
           <a:ea typeface="+mn-ea"/>
@@ -3325,20 +3431,20 @@
       </p:grpSpPr>
       <p:sp>
         <p:nvSpPr>
-          <p:cNvPr id="5" name="TextBox 4">
+          <p:cNvPr id="2" name="Rectangle 1">
             <a:extLst>
               <a:ext uri="{FF2B5EF4-FFF2-40B4-BE49-F238E27FC236}">
-                <a16:creationId xmlns:a16="http://schemas.microsoft.com/office/drawing/2014/main" id="{51B06927-70D3-DB5A-CA15-409A191636C0}"/>
+                <a16:creationId xmlns:a16="http://schemas.microsoft.com/office/drawing/2014/main" id="{E21CCEF0-4080-194A-5588-EE206091928A}"/>
               </a:ext>
             </a:extLst>
           </p:cNvPr>
-          <p:cNvSpPr txBox="1"/>
+          <p:cNvSpPr/>
           <p:nvPr/>
         </p:nvSpPr>
         <p:spPr>
           <a:xfrm>
-            <a:off x="3047260" y="1861559"/>
-            <a:ext cx="6094520" cy="3139321"/>
+            <a:off x="1534481" y="2442679"/>
+            <a:ext cx="7713971" cy="1569660"/>
           </a:xfrm>
           <a:prstGeom prst="rect">
             <a:avLst/>
@@ -3346,168 +3452,59 @@
           <a:noFill/>
         </p:spPr>
         <p:txBody>
-          <a:bodyPr wrap="square">
+          <a:bodyPr wrap="none" lIns="91440" tIns="45720" rIns="91440" bIns="45720">
             <a:spAutoFit/>
           </a:bodyPr>
           <a:lstStyle/>
           <a:p>
-            <a:pPr algn="l">
-              <a:buFont typeface="Arial" panose="020B0604020202020204" pitchFamily="34" charset="0"/>
-              <a:buChar char="•"/>
-            </a:pPr>
-            <a:r>
-              <a:rPr lang="en-US" b="0" i="0" dirty="0">
-                <a:solidFill>
-                  <a:srgbClr val="2B2B2B"/>
-                </a:solidFill>
-                <a:effectLst/>
-                <a:latin typeface="Roboto" panose="02000000000000000000" pitchFamily="2" charset="0"/>
+            <a:pPr algn="ctr"/>
+            <a:r>
+              <a:rPr lang="en-US" sz="9600" b="0" cap="none" spc="0" dirty="0">
+                <a:ln w="0"/>
+                <a:effectLst>
+                  <a:outerShdw blurRad="38100" dist="25400" dir="5400000" algn="ctr" rotWithShape="0">
+                    <a:srgbClr val="6E747A">
+                      <a:alpha val="43000"/>
+                    </a:srgbClr>
+                  </a:outerShdw>
+                </a:effectLst>
               </a:rPr>
-              <a:t>Selected topic</a:t>
-            </a:r>
-          </a:p>
-          <a:p>
-            <a:pPr algn="l">
-              <a:buFont typeface="Arial" panose="020B0604020202020204" pitchFamily="34" charset="0"/>
-              <a:buChar char="•"/>
-            </a:pPr>
-            <a:r>
-              <a:rPr lang="en-US" b="0" i="0" dirty="0">
-                <a:solidFill>
-                  <a:srgbClr val="2B2B2B"/>
-                </a:solidFill>
-                <a:effectLst/>
-                <a:latin typeface="Roboto" panose="02000000000000000000" pitchFamily="2" charset="0"/>
-              </a:rPr>
-              <a:t>Reason the topic was selected</a:t>
-            </a:r>
-          </a:p>
-          <a:p>
-            <a:pPr algn="l">
-              <a:buFont typeface="Arial" panose="020B0604020202020204" pitchFamily="34" charset="0"/>
-              <a:buChar char="•"/>
-            </a:pPr>
-            <a:r>
-              <a:rPr lang="en-US" b="0" i="0" dirty="0">
-                <a:solidFill>
-                  <a:srgbClr val="2B2B2B"/>
-                </a:solidFill>
-                <a:effectLst/>
-                <a:latin typeface="Roboto" panose="02000000000000000000" pitchFamily="2" charset="0"/>
-              </a:rPr>
-              <a:t>Description of the source of data</a:t>
-            </a:r>
-          </a:p>
-          <a:p>
-            <a:pPr algn="l">
-              <a:buFont typeface="Arial" panose="020B0604020202020204" pitchFamily="34" charset="0"/>
-              <a:buChar char="•"/>
-            </a:pPr>
-            <a:r>
-              <a:rPr lang="en-US" b="0" i="0" dirty="0">
-                <a:solidFill>
-                  <a:srgbClr val="2B2B2B"/>
-                </a:solidFill>
-                <a:effectLst/>
-                <a:latin typeface="Roboto" panose="02000000000000000000" pitchFamily="2" charset="0"/>
-              </a:rPr>
-              <a:t>Questions the team hopes to answer with the data</a:t>
-            </a:r>
-          </a:p>
-          <a:p>
-            <a:pPr algn="l">
-              <a:buFont typeface="Arial" panose="020B0604020202020204" pitchFamily="34" charset="0"/>
-              <a:buChar char="•"/>
-            </a:pPr>
-            <a:r>
-              <a:rPr lang="en-US" b="0" i="0" dirty="0">
-                <a:solidFill>
-                  <a:srgbClr val="2B2B2B"/>
-                </a:solidFill>
-                <a:effectLst/>
-                <a:latin typeface="Roboto" panose="02000000000000000000" pitchFamily="2" charset="0"/>
-              </a:rPr>
-              <a:t>Description of the data exploration phase of the project</a:t>
-            </a:r>
-          </a:p>
-          <a:p>
-            <a:pPr algn="l">
-              <a:buFont typeface="Arial" panose="020B0604020202020204" pitchFamily="34" charset="0"/>
-              <a:buChar char="•"/>
-            </a:pPr>
-            <a:r>
-              <a:rPr lang="en-US" b="0" i="0" dirty="0">
-                <a:solidFill>
-                  <a:srgbClr val="2B2B2B"/>
-                </a:solidFill>
-                <a:effectLst/>
-                <a:latin typeface="Roboto" panose="02000000000000000000" pitchFamily="2" charset="0"/>
-              </a:rPr>
-              <a:t>Description of the analysis phase of the project</a:t>
-            </a:r>
-          </a:p>
-          <a:p>
-            <a:pPr algn="l">
-              <a:buFont typeface="Arial" panose="020B0604020202020204" pitchFamily="34" charset="0"/>
-              <a:buChar char="•"/>
-            </a:pPr>
-            <a:r>
-              <a:rPr lang="en-US" b="0" i="0" dirty="0">
-                <a:solidFill>
-                  <a:srgbClr val="2B2B2B"/>
-                </a:solidFill>
-                <a:effectLst/>
-                <a:latin typeface="Roboto" panose="02000000000000000000" pitchFamily="2" charset="0"/>
-              </a:rPr>
-              <a:t>Technologies, languages, tools, and algorithms used throughout the project</a:t>
-            </a:r>
-          </a:p>
-          <a:p>
-            <a:pPr algn="l">
-              <a:buFont typeface="Arial" panose="020B0604020202020204" pitchFamily="34" charset="0"/>
-              <a:buChar char="•"/>
-            </a:pPr>
-            <a:r>
-              <a:rPr lang="en-US" b="0" i="0" dirty="0">
-                <a:solidFill>
-                  <a:srgbClr val="2B2B2B"/>
-                </a:solidFill>
-                <a:effectLst/>
-                <a:latin typeface="Roboto" panose="02000000000000000000" pitchFamily="2" charset="0"/>
-              </a:rPr>
-              <a:t>Result of analysis</a:t>
-            </a:r>
-          </a:p>
-          <a:p>
-            <a:pPr algn="l">
-              <a:buFont typeface="Arial" panose="020B0604020202020204" pitchFamily="34" charset="0"/>
-              <a:buChar char="•"/>
-            </a:pPr>
-            <a:r>
-              <a:rPr lang="en-US" b="0" i="0" dirty="0">
-                <a:solidFill>
-                  <a:srgbClr val="2B2B2B"/>
-                </a:solidFill>
-                <a:effectLst/>
-                <a:latin typeface="Roboto" panose="02000000000000000000" pitchFamily="2" charset="0"/>
-              </a:rPr>
-              <a:t>Recommendation for future analysis</a:t>
-            </a:r>
-          </a:p>
-          <a:p>
-            <a:pPr algn="l">
-              <a:buFont typeface="Arial" panose="020B0604020202020204" pitchFamily="34" charset="0"/>
-              <a:buChar char="•"/>
-            </a:pPr>
-            <a:r>
-              <a:rPr lang="en-US" b="0" i="0" dirty="0">
-                <a:solidFill>
-                  <a:srgbClr val="2B2B2B"/>
-                </a:solidFill>
-                <a:effectLst/>
-                <a:latin typeface="Roboto" panose="02000000000000000000" pitchFamily="2" charset="0"/>
-              </a:rPr>
-              <a:t>Anything the team would have done differently</a:t>
+              <a:t>Titanic Panic</a:t>
+            </a:r>
+          </a:p>
+        </p:txBody>
+      </p:sp>
+      <p:sp>
+        <p:nvSpPr>
+          <p:cNvPr id="3" name="TextBox 2">
+            <a:extLst>
+              <a:ext uri="{FF2B5EF4-FFF2-40B4-BE49-F238E27FC236}">
+                <a16:creationId xmlns:a16="http://schemas.microsoft.com/office/drawing/2014/main" id="{6F238A62-1D10-306A-68CF-208F526FF651}"/>
+              </a:ext>
+            </a:extLst>
+          </p:cNvPr>
+          <p:cNvSpPr txBox="1"/>
+          <p:nvPr/>
+        </p:nvSpPr>
+        <p:spPr>
+          <a:xfrm>
+            <a:off x="809469" y="4961745"/>
+            <a:ext cx="8184629" cy="369332"/>
+          </a:xfrm>
+          <a:prstGeom prst="rect">
+            <a:avLst/>
+          </a:prstGeom>
+          <a:noFill/>
+        </p:spPr>
+        <p:txBody>
+          <a:bodyPr wrap="square" rtlCol="0">
+            <a:spAutoFit/>
+          </a:bodyPr>
+          <a:lstStyle/>
+          <a:p>
+            <a:r>
+              <a:rPr lang="en-US" dirty="0"/>
+              <a:t>By Tyler Anderson, Kelvin Mutua, Victoria Medrano, and Molly Pike.</a:t>
             </a:r>
           </a:p>
         </p:txBody>
@@ -3515,7 +3512,7 @@
     </p:spTree>
     <p:extLst>
       <p:ext uri="{BB962C8B-B14F-4D97-AF65-F5344CB8AC3E}">
-        <p14:creationId xmlns:p14="http://schemas.microsoft.com/office/powerpoint/2010/main" val="3841850910"/>
+        <p14:creationId xmlns:p14="http://schemas.microsoft.com/office/powerpoint/2010/main" val="2375902244"/>
       </p:ext>
     </p:extLst>
   </p:cSld>
@@ -3544,10 +3541,10 @@
       </p:grpSpPr>
       <p:sp>
         <p:nvSpPr>
-          <p:cNvPr id="3" name="TextBox 2">
+          <p:cNvPr id="5" name="TextBox 4">
             <a:extLst>
               <a:ext uri="{FF2B5EF4-FFF2-40B4-BE49-F238E27FC236}">
-                <a16:creationId xmlns:a16="http://schemas.microsoft.com/office/drawing/2014/main" id="{4B74CE34-54F0-230B-C645-63F479E300A8}"/>
+                <a16:creationId xmlns:a16="http://schemas.microsoft.com/office/drawing/2014/main" id="{767B027E-41B2-4D5B-A6A7-1E4237050675}"/>
               </a:ext>
             </a:extLst>
           </p:cNvPr>
@@ -3556,8 +3553,8 @@
         </p:nvSpPr>
         <p:spPr>
           <a:xfrm>
-            <a:off x="3047260" y="2554056"/>
-            <a:ext cx="6094520" cy="1754326"/>
+            <a:off x="442210" y="2035393"/>
+            <a:ext cx="6100996" cy="830997"/>
           </a:xfrm>
           <a:prstGeom prst="rect">
             <a:avLst/>
@@ -3570,56 +3567,537 @@
           </a:bodyPr>
           <a:lstStyle/>
           <a:p>
-            <a:pPr algn="l"/>
-            <a:r>
-              <a:rPr lang="en-US" b="0" i="0" dirty="0">
+            <a:r>
+              <a:rPr kumimoji="0" lang="en-US" sz="4800" b="0" i="0" u="none" strike="noStrike" kern="1200" cap="none" spc="0" normalizeH="0" baseline="0" noProof="0" dirty="0">
+                <a:ln>
+                  <a:noFill/>
+                </a:ln>
                 <a:solidFill>
-                  <a:srgbClr val="2B2B2B"/>
+                  <a:prstClr val="white"/>
                 </a:solidFill>
                 <a:effectLst/>
-                <a:latin typeface="Roboto" panose="02000000000000000000" pitchFamily="2" charset="0"/>
+                <a:uLnTx/>
+                <a:uFillTx/>
+                <a:latin typeface="Walbaum Display"/>
+                <a:ea typeface="+mj-ea"/>
+                <a:cs typeface="+mj-cs"/>
               </a:rPr>
-              <a:t>The presentation should be finalized in Google Slides and include the following:</a:t>
-            </a:r>
-          </a:p>
-          <a:p>
-            <a:pPr algn="l">
+              <a:t>Agenda</a:t>
+            </a:r>
+            <a:endParaRPr lang="en-US" dirty="0"/>
+          </a:p>
+        </p:txBody>
+      </p:sp>
+      <p:sp>
+        <p:nvSpPr>
+          <p:cNvPr id="6" name="Content Placeholder 2">
+            <a:extLst>
+              <a:ext uri="{FF2B5EF4-FFF2-40B4-BE49-F238E27FC236}">
+                <a16:creationId xmlns:a16="http://schemas.microsoft.com/office/drawing/2014/main" id="{C76FFE2D-E4E3-AFF5-C4E3-10EEC736F56F}"/>
+              </a:ext>
+            </a:extLst>
+          </p:cNvPr>
+          <p:cNvSpPr txBox="1">
+            <a:spLocks/>
+          </p:cNvSpPr>
+          <p:nvPr/>
+        </p:nvSpPr>
+        <p:spPr>
+          <a:xfrm>
+            <a:off x="682052" y="3154473"/>
+            <a:ext cx="3565525" cy="3415519"/>
+          </a:xfrm>
+          <a:prstGeom prst="rect">
+            <a:avLst/>
+          </a:prstGeom>
+        </p:spPr>
+        <p:txBody>
+          <a:bodyPr vert="horz" wrap="square" lIns="0" tIns="0" rIns="0" bIns="0" rtlCol="0" anchor="t" anchorCtr="0">
+            <a:noAutofit/>
+          </a:bodyPr>
+          <a:lstStyle>
+            <a:lvl1pPr marL="228600" indent="-228600" algn="l" defTabSz="914400" rtl="0" eaLnBrk="1" latinLnBrk="0" hangingPunct="1">
+              <a:lnSpc>
+                <a:spcPct val="110000"/>
+              </a:lnSpc>
+              <a:spcBef>
+                <a:spcPts val="1000"/>
+              </a:spcBef>
+              <a:spcAft>
+                <a:spcPts val="800"/>
+              </a:spcAft>
+              <a:buFont typeface="Arial" panose="020B0604020202020204" pitchFamily="34" charset="0"/>
+              <a:buNone/>
+              <a:defRPr sz="2000" kern="1200">
+                <a:solidFill>
+                  <a:schemeClr val="tx1">
+                    <a:alpha val="60000"/>
+                  </a:schemeClr>
+                </a:solidFill>
+                <a:latin typeface="+mn-lt"/>
+                <a:ea typeface="+mn-ea"/>
+                <a:cs typeface="+mn-cs"/>
+              </a:defRPr>
+            </a:lvl1pPr>
+            <a:lvl2pPr marL="685800" indent="-228600" algn="l" defTabSz="914400" rtl="0" eaLnBrk="1" latinLnBrk="0" hangingPunct="1">
+              <a:lnSpc>
+                <a:spcPct val="110000"/>
+              </a:lnSpc>
+              <a:spcBef>
+                <a:spcPts val="500"/>
+              </a:spcBef>
+              <a:spcAft>
+                <a:spcPts val="800"/>
+              </a:spcAft>
               <a:buFont typeface="Arial" panose="020B0604020202020204" pitchFamily="34" charset="0"/>
               <a:buChar char="•"/>
+              <a:defRPr sz="1400" kern="1200">
+                <a:solidFill>
+                  <a:schemeClr val="tx1">
+                    <a:alpha val="60000"/>
+                  </a:schemeClr>
+                </a:solidFill>
+                <a:latin typeface="+mn-lt"/>
+                <a:ea typeface="+mn-ea"/>
+                <a:cs typeface="+mn-cs"/>
+              </a:defRPr>
+            </a:lvl2pPr>
+            <a:lvl3pPr marL="1143000" indent="-228600" algn="l" defTabSz="914400" rtl="0" eaLnBrk="1" latinLnBrk="0" hangingPunct="1">
+              <a:lnSpc>
+                <a:spcPct val="110000"/>
+              </a:lnSpc>
+              <a:spcBef>
+                <a:spcPts val="500"/>
+              </a:spcBef>
+              <a:spcAft>
+                <a:spcPts val="800"/>
+              </a:spcAft>
+              <a:buFont typeface="Arial" panose="020B0604020202020204" pitchFamily="34" charset="0"/>
+              <a:buChar char="•"/>
+              <a:defRPr sz="1400" kern="1200">
+                <a:solidFill>
+                  <a:schemeClr val="tx1">
+                    <a:alpha val="60000"/>
+                  </a:schemeClr>
+                </a:solidFill>
+                <a:latin typeface="+mn-lt"/>
+                <a:ea typeface="+mn-ea"/>
+                <a:cs typeface="+mn-cs"/>
+              </a:defRPr>
+            </a:lvl3pPr>
+            <a:lvl4pPr marL="1600200" indent="-228600" algn="l" defTabSz="914400" rtl="0" eaLnBrk="1" latinLnBrk="0" hangingPunct="1">
+              <a:lnSpc>
+                <a:spcPct val="110000"/>
+              </a:lnSpc>
+              <a:spcBef>
+                <a:spcPts val="500"/>
+              </a:spcBef>
+              <a:spcAft>
+                <a:spcPts val="800"/>
+              </a:spcAft>
+              <a:buFont typeface="Arial" panose="020B0604020202020204" pitchFamily="34" charset="0"/>
+              <a:buChar char="•"/>
+              <a:defRPr sz="1400" kern="1200">
+                <a:solidFill>
+                  <a:schemeClr val="tx1">
+                    <a:alpha val="60000"/>
+                  </a:schemeClr>
+                </a:solidFill>
+                <a:latin typeface="+mn-lt"/>
+                <a:ea typeface="+mn-ea"/>
+                <a:cs typeface="+mn-cs"/>
+              </a:defRPr>
+            </a:lvl4pPr>
+            <a:lvl5pPr marL="2057400" indent="-228600" algn="l" defTabSz="914400" rtl="0" eaLnBrk="1" latinLnBrk="0" hangingPunct="1">
+              <a:lnSpc>
+                <a:spcPct val="110000"/>
+              </a:lnSpc>
+              <a:spcBef>
+                <a:spcPts val="500"/>
+              </a:spcBef>
+              <a:spcAft>
+                <a:spcPts val="800"/>
+              </a:spcAft>
+              <a:buFont typeface="Arial" panose="020B0604020202020204" pitchFamily="34" charset="0"/>
+              <a:buChar char="•"/>
+              <a:defRPr sz="1400" kern="1200">
+                <a:solidFill>
+                  <a:schemeClr val="tx1">
+                    <a:alpha val="60000"/>
+                  </a:schemeClr>
+                </a:solidFill>
+                <a:latin typeface="+mn-lt"/>
+                <a:ea typeface="+mn-ea"/>
+                <a:cs typeface="+mn-cs"/>
+              </a:defRPr>
+            </a:lvl5pPr>
+            <a:lvl6pPr marL="2514600" indent="-228600" algn="l" defTabSz="914400" rtl="0" eaLnBrk="1" latinLnBrk="0" hangingPunct="1">
+              <a:lnSpc>
+                <a:spcPct val="90000"/>
+              </a:lnSpc>
+              <a:spcBef>
+                <a:spcPts val="500"/>
+              </a:spcBef>
+              <a:buFont typeface="Arial" panose="020B0604020202020204" pitchFamily="34" charset="0"/>
+              <a:buChar char="•"/>
+              <a:defRPr sz="1800" kern="1200">
+                <a:solidFill>
+                  <a:schemeClr val="tx1"/>
+                </a:solidFill>
+                <a:latin typeface="+mn-lt"/>
+                <a:ea typeface="+mn-ea"/>
+                <a:cs typeface="+mn-cs"/>
+              </a:defRPr>
+            </a:lvl6pPr>
+            <a:lvl7pPr marL="2971800" indent="-228600" algn="l" defTabSz="914400" rtl="0" eaLnBrk="1" latinLnBrk="0" hangingPunct="1">
+              <a:lnSpc>
+                <a:spcPct val="90000"/>
+              </a:lnSpc>
+              <a:spcBef>
+                <a:spcPts val="500"/>
+              </a:spcBef>
+              <a:buFont typeface="Arial" panose="020B0604020202020204" pitchFamily="34" charset="0"/>
+              <a:buChar char="•"/>
+              <a:defRPr sz="1800" kern="1200">
+                <a:solidFill>
+                  <a:schemeClr val="tx1"/>
+                </a:solidFill>
+                <a:latin typeface="+mn-lt"/>
+                <a:ea typeface="+mn-ea"/>
+                <a:cs typeface="+mn-cs"/>
+              </a:defRPr>
+            </a:lvl7pPr>
+            <a:lvl8pPr marL="3429000" indent="-228600" algn="l" defTabSz="914400" rtl="0" eaLnBrk="1" latinLnBrk="0" hangingPunct="1">
+              <a:lnSpc>
+                <a:spcPct val="90000"/>
+              </a:lnSpc>
+              <a:spcBef>
+                <a:spcPts val="500"/>
+              </a:spcBef>
+              <a:buFont typeface="Arial" panose="020B0604020202020204" pitchFamily="34" charset="0"/>
+              <a:buChar char="•"/>
+              <a:defRPr sz="1800" kern="1200">
+                <a:solidFill>
+                  <a:schemeClr val="tx1"/>
+                </a:solidFill>
+                <a:latin typeface="+mn-lt"/>
+                <a:ea typeface="+mn-ea"/>
+                <a:cs typeface="+mn-cs"/>
+              </a:defRPr>
+            </a:lvl8pPr>
+            <a:lvl9pPr marL="3886200" indent="-228600" algn="l" defTabSz="914400" rtl="0" eaLnBrk="1" latinLnBrk="0" hangingPunct="1">
+              <a:lnSpc>
+                <a:spcPct val="90000"/>
+              </a:lnSpc>
+              <a:spcBef>
+                <a:spcPts val="500"/>
+              </a:spcBef>
+              <a:buFont typeface="Arial" panose="020B0604020202020204" pitchFamily="34" charset="0"/>
+              <a:buChar char="•"/>
+              <a:defRPr sz="1800" kern="1200">
+                <a:solidFill>
+                  <a:schemeClr val="tx1"/>
+                </a:solidFill>
+                <a:latin typeface="+mn-lt"/>
+                <a:ea typeface="+mn-ea"/>
+                <a:cs typeface="+mn-cs"/>
+              </a:defRPr>
+            </a:lvl9pPr>
+          </a:lstStyle>
+          <a:p>
+            <a:pPr marL="228600" marR="0" lvl="0" indent="-228600" algn="l" defTabSz="914400" rtl="0" eaLnBrk="1" fontAlgn="auto" latinLnBrk="0" hangingPunct="1">
+              <a:lnSpc>
+                <a:spcPct val="110000"/>
+              </a:lnSpc>
+              <a:spcBef>
+                <a:spcPts val="1000"/>
+              </a:spcBef>
+              <a:spcAft>
+                <a:spcPts val="800"/>
+              </a:spcAft>
+              <a:buClrTx/>
+              <a:buSzTx/>
+              <a:buFont typeface="Arial" panose="020B0604020202020204" pitchFamily="34" charset="0"/>
+              <a:buNone/>
+              <a:tabLst/>
+              <a:defRPr/>
             </a:pPr>
             <a:r>
-              <a:rPr lang="en-US" b="0" i="0" dirty="0">
+              <a:rPr kumimoji="0" lang="en-US" sz="2000" b="0" i="0" u="none" strike="noStrike" kern="1200" cap="none" spc="0" normalizeH="0" baseline="0" noProof="0" dirty="0">
+                <a:ln>
+                  <a:noFill/>
+                </a:ln>
                 <a:solidFill>
-                  <a:srgbClr val="2B2B2B"/>
+                  <a:sysClr val="window" lastClr="FFFFFF">
+                    <a:alpha val="60000"/>
+                  </a:sysClr>
                 </a:solidFill>
                 <a:effectLst/>
-                <a:latin typeface="Roboto" panose="02000000000000000000" pitchFamily="2" charset="0"/>
+                <a:uLnTx/>
+                <a:uFillTx/>
+                <a:latin typeface="Gill Sans MT"/>
+                <a:ea typeface="+mn-ea"/>
+                <a:cs typeface="+mn-cs"/>
               </a:rPr>
-              <a:t>Slides are primarily images or graphics (rather than primarily text).</a:t>
-            </a:r>
-          </a:p>
-          <a:p>
-            <a:pPr algn="l">
+              <a:t>All about our data</a:t>
+            </a:r>
+          </a:p>
+          <a:p>
+            <a:pPr marL="228600" marR="0" lvl="0" indent="-228600" algn="l" defTabSz="914400" rtl="0" eaLnBrk="1" fontAlgn="auto" latinLnBrk="0" hangingPunct="1">
+              <a:lnSpc>
+                <a:spcPct val="110000"/>
+              </a:lnSpc>
+              <a:spcBef>
+                <a:spcPts val="1000"/>
+              </a:spcBef>
+              <a:spcAft>
+                <a:spcPts val="800"/>
+              </a:spcAft>
+              <a:buClrTx/>
+              <a:buSzTx/>
               <a:buFont typeface="Arial" panose="020B0604020202020204" pitchFamily="34" charset="0"/>
-              <a:buChar char="•"/>
+              <a:buNone/>
+              <a:tabLst/>
+              <a:defRPr/>
             </a:pPr>
             <a:r>
-              <a:rPr lang="en-US" b="0" i="0" dirty="0">
+              <a:rPr lang="en-US" dirty="0">
                 <a:solidFill>
-                  <a:srgbClr val="2B2B2B"/>
+                  <a:sysClr val="window" lastClr="FFFFFF">
+                    <a:alpha val="60000"/>
+                  </a:sysClr>
                 </a:solidFill>
-                <a:effectLst/>
-                <a:latin typeface="Roboto" panose="02000000000000000000" pitchFamily="2" charset="0"/>
+                <a:latin typeface="Gill Sans MT"/>
               </a:rPr>
-              <a:t>Images are clear, in high-definition, and directly illustrative of subject matter.</a:t>
-            </a:r>
-          </a:p>
-        </p:txBody>
-      </p:sp>
+              <a:t>Present data</a:t>
+            </a:r>
+          </a:p>
+          <a:p>
+            <a:pPr marL="228600" marR="0" lvl="0" indent="-228600" algn="l" defTabSz="914400" rtl="0" eaLnBrk="1" fontAlgn="auto" latinLnBrk="0" hangingPunct="1">
+              <a:lnSpc>
+                <a:spcPct val="110000"/>
+              </a:lnSpc>
+              <a:spcBef>
+                <a:spcPts val="1000"/>
+              </a:spcBef>
+              <a:spcAft>
+                <a:spcPts val="800"/>
+              </a:spcAft>
+              <a:buClrTx/>
+              <a:buSzTx/>
+              <a:buFont typeface="Arial" panose="020B0604020202020204" pitchFamily="34" charset="0"/>
+              <a:buNone/>
+              <a:tabLst/>
+              <a:defRPr/>
+            </a:pPr>
+            <a:r>
+              <a:rPr lang="en-US" dirty="0">
+                <a:solidFill>
+                  <a:sysClr val="window" lastClr="FFFFFF">
+                    <a:alpha val="60000"/>
+                  </a:sysClr>
+                </a:solidFill>
+                <a:latin typeface="Gill Sans MT"/>
+              </a:rPr>
+              <a:t>Dashboard / Interactive</a:t>
+            </a:r>
+            <a:endParaRPr kumimoji="0" lang="en-US" sz="2000" b="0" i="0" u="none" strike="noStrike" kern="1200" cap="none" spc="0" normalizeH="0" baseline="0" noProof="0" dirty="0">
+              <a:ln>
+                <a:noFill/>
+              </a:ln>
+              <a:solidFill>
+                <a:sysClr val="window" lastClr="FFFFFF">
+                  <a:alpha val="60000"/>
+                </a:sysClr>
+              </a:solidFill>
+              <a:effectLst/>
+              <a:uLnTx/>
+              <a:uFillTx/>
+              <a:latin typeface="Gill Sans MT"/>
+              <a:ea typeface="+mn-ea"/>
+              <a:cs typeface="+mn-cs"/>
+            </a:endParaRPr>
+          </a:p>
+          <a:p>
+            <a:pPr marL="228600" marR="0" lvl="0" indent="-228600" algn="l" defTabSz="914400" rtl="0" eaLnBrk="1" fontAlgn="auto" latinLnBrk="0" hangingPunct="1">
+              <a:lnSpc>
+                <a:spcPct val="110000"/>
+              </a:lnSpc>
+              <a:spcBef>
+                <a:spcPts val="1000"/>
+              </a:spcBef>
+              <a:spcAft>
+                <a:spcPts val="800"/>
+              </a:spcAft>
+              <a:buClrTx/>
+              <a:buSzTx/>
+              <a:buFont typeface="Arial" panose="020B0604020202020204" pitchFamily="34" charset="0"/>
+              <a:buNone/>
+              <a:tabLst/>
+              <a:defRPr/>
+            </a:pPr>
+            <a:r>
+              <a:rPr lang="en-US" dirty="0">
+                <a:solidFill>
+                  <a:sysClr val="window" lastClr="FFFFFF">
+                    <a:alpha val="60000"/>
+                  </a:sysClr>
+                </a:solidFill>
+                <a:latin typeface="Gill Sans MT"/>
+              </a:rPr>
+              <a:t>Explanation of Results</a:t>
+            </a:r>
+            <a:endParaRPr kumimoji="0" lang="en-US" sz="2000" b="0" i="0" u="none" strike="noStrike" kern="1200" cap="none" spc="0" normalizeH="0" baseline="0" noProof="0" dirty="0">
+              <a:ln>
+                <a:noFill/>
+              </a:ln>
+              <a:solidFill>
+                <a:sysClr val="window" lastClr="FFFFFF">
+                  <a:alpha val="60000"/>
+                </a:sysClr>
+              </a:solidFill>
+              <a:effectLst/>
+              <a:uLnTx/>
+              <a:uFillTx/>
+              <a:latin typeface="Gill Sans MT"/>
+              <a:ea typeface="+mn-ea"/>
+              <a:cs typeface="+mn-cs"/>
+            </a:endParaRPr>
+          </a:p>
+          <a:p>
+            <a:pPr marL="228600" marR="0" lvl="0" indent="-228600" algn="l" defTabSz="914400" rtl="0" eaLnBrk="1" fontAlgn="auto" latinLnBrk="0" hangingPunct="1">
+              <a:lnSpc>
+                <a:spcPct val="110000"/>
+              </a:lnSpc>
+              <a:spcBef>
+                <a:spcPts val="1000"/>
+              </a:spcBef>
+              <a:spcAft>
+                <a:spcPts val="800"/>
+              </a:spcAft>
+              <a:buClrTx/>
+              <a:buSzTx/>
+              <a:buFont typeface="Arial" panose="020B0604020202020204" pitchFamily="34" charset="0"/>
+              <a:buNone/>
+              <a:tabLst/>
+              <a:defRPr/>
+            </a:pPr>
+            <a:r>
+              <a:rPr lang="en-US" dirty="0">
+                <a:solidFill>
+                  <a:sysClr val="window" lastClr="FFFFFF">
+                    <a:alpha val="60000"/>
+                  </a:sysClr>
+                </a:solidFill>
+                <a:latin typeface="Gill Sans MT"/>
+              </a:rPr>
+              <a:t>Conclusion</a:t>
+            </a:r>
+            <a:endParaRPr kumimoji="0" lang="en-US" sz="2000" b="0" i="0" u="none" strike="noStrike" kern="1200" cap="none" spc="0" normalizeH="0" baseline="0" noProof="0" dirty="0">
+              <a:ln>
+                <a:noFill/>
+              </a:ln>
+              <a:solidFill>
+                <a:sysClr val="window" lastClr="FFFFFF">
+                  <a:alpha val="60000"/>
+                </a:sysClr>
+              </a:solidFill>
+              <a:effectLst/>
+              <a:uLnTx/>
+              <a:uFillTx/>
+              <a:latin typeface="Gill Sans MT"/>
+              <a:ea typeface="+mn-ea"/>
+              <a:cs typeface="+mn-cs"/>
+            </a:endParaRPr>
+          </a:p>
+          <a:p>
+            <a:pPr marL="228600" marR="0" lvl="0" indent="-228600" algn="l" defTabSz="914400" rtl="0" eaLnBrk="1" fontAlgn="auto" latinLnBrk="0" hangingPunct="1">
+              <a:lnSpc>
+                <a:spcPct val="110000"/>
+              </a:lnSpc>
+              <a:spcBef>
+                <a:spcPts val="1000"/>
+              </a:spcBef>
+              <a:spcAft>
+                <a:spcPts val="800"/>
+              </a:spcAft>
+              <a:buClrTx/>
+              <a:buSzTx/>
+              <a:buFont typeface="Arial" panose="020B0604020202020204" pitchFamily="34" charset="0"/>
+              <a:buNone/>
+              <a:tabLst/>
+              <a:defRPr/>
+            </a:pPr>
+            <a:endParaRPr kumimoji="0" lang="en-US" sz="2000" b="0" i="0" u="none" strike="noStrike" kern="1200" cap="none" spc="0" normalizeH="0" baseline="0" noProof="0" dirty="0">
+              <a:ln>
+                <a:noFill/>
+              </a:ln>
+              <a:solidFill>
+                <a:sysClr val="window" lastClr="FFFFFF">
+                  <a:alpha val="60000"/>
+                </a:sysClr>
+              </a:solidFill>
+              <a:effectLst/>
+              <a:uLnTx/>
+              <a:uFillTx/>
+              <a:latin typeface="Gill Sans MT"/>
+              <a:ea typeface="+mn-ea"/>
+              <a:cs typeface="+mn-cs"/>
+            </a:endParaRPr>
+          </a:p>
+        </p:txBody>
+      </p:sp>
+      <p:pic>
+        <p:nvPicPr>
+          <p:cNvPr id="1026" name="Picture 2" descr="Isolated silhouettes of transatlantic passenger steamships Highly detailed silhouettes of passenger steamships seen from different angles. The windows are separated from the main black silhouettes to easily delete them or change their colors. rms titanic stock illustrations">
+            <a:extLst>
+              <a:ext uri="{FF2B5EF4-FFF2-40B4-BE49-F238E27FC236}">
+                <a16:creationId xmlns:a16="http://schemas.microsoft.com/office/drawing/2014/main" id="{837D200B-1F5D-2369-598E-CAAAD7148F25}"/>
+              </a:ext>
+            </a:extLst>
+          </p:cNvPr>
+          <p:cNvPicPr>
+            <a:picLocks noChangeAspect="1" noChangeArrowheads="1"/>
+          </p:cNvPicPr>
+          <p:nvPr/>
+        </p:nvPicPr>
+        <p:blipFill>
+          <a:blip r:embed="rId2">
+            <a:extLst>
+              <a:ext uri="{28A0092B-C50C-407E-A947-70E740481C1C}">
+                <a14:useLocalDpi xmlns:a14="http://schemas.microsoft.com/office/drawing/2010/main" val="0"/>
+              </a:ext>
+            </a:extLst>
+          </a:blip>
+          <a:srcRect/>
+          <a:stretch>
+            <a:fillRect/>
+          </a:stretch>
+        </p:blipFill>
+        <p:spPr bwMode="auto">
+          <a:xfrm>
+            <a:off x="6969490" y="514350"/>
+            <a:ext cx="3619500" cy="5829300"/>
+          </a:xfrm>
+          <a:prstGeom prst="rect">
+            <a:avLst/>
+          </a:prstGeom>
+          <a:noFill/>
+          <a:extLst>
+            <a:ext uri="{909E8E84-426E-40DD-AFC4-6F175D3DCCD1}">
+              <a14:hiddenFill xmlns:a14="http://schemas.microsoft.com/office/drawing/2010/main">
+                <a:solidFill>
+                  <a:srgbClr val="FFFFFF"/>
+                </a:solidFill>
+              </a14:hiddenFill>
+            </a:ext>
+          </a:extLst>
+        </p:spPr>
+      </p:pic>
     </p:spTree>
     <p:extLst>
       <p:ext uri="{BB962C8B-B14F-4D97-AF65-F5344CB8AC3E}">
-        <p14:creationId xmlns:p14="http://schemas.microsoft.com/office/powerpoint/2010/main" val="3937237542"/>
+        <p14:creationId xmlns:p14="http://schemas.microsoft.com/office/powerpoint/2010/main" val="4129321751"/>
       </p:ext>
     </p:extLst>
   </p:cSld>
@@ -3648,6 +4126,1339 @@
       </p:grpSpPr>
       <p:sp>
         <p:nvSpPr>
+          <p:cNvPr id="5" name="TextBox 4">
+            <a:extLst>
+              <a:ext uri="{FF2B5EF4-FFF2-40B4-BE49-F238E27FC236}">
+                <a16:creationId xmlns:a16="http://schemas.microsoft.com/office/drawing/2014/main" id="{51B06927-70D3-DB5A-CA15-409A191636C0}"/>
+              </a:ext>
+            </a:extLst>
+          </p:cNvPr>
+          <p:cNvSpPr txBox="1"/>
+          <p:nvPr/>
+        </p:nvSpPr>
+        <p:spPr>
+          <a:xfrm>
+            <a:off x="3047260" y="1861559"/>
+            <a:ext cx="6094520" cy="3139321"/>
+          </a:xfrm>
+          <a:prstGeom prst="rect">
+            <a:avLst/>
+          </a:prstGeom>
+          <a:noFill/>
+        </p:spPr>
+        <p:txBody>
+          <a:bodyPr wrap="square">
+            <a:spAutoFit/>
+          </a:bodyPr>
+          <a:lstStyle/>
+          <a:p>
+            <a:pPr algn="l">
+              <a:buFont typeface="Arial" panose="020B0604020202020204" pitchFamily="34" charset="0"/>
+              <a:buChar char="•"/>
+            </a:pPr>
+            <a:r>
+              <a:rPr lang="en-US" b="0" i="0" dirty="0">
+                <a:effectLst/>
+                <a:latin typeface="Roboto" panose="02000000000000000000" pitchFamily="2" charset="0"/>
+              </a:rPr>
+              <a:t>Selected topic</a:t>
+            </a:r>
+          </a:p>
+          <a:p>
+            <a:pPr algn="l">
+              <a:buFont typeface="Arial" panose="020B0604020202020204" pitchFamily="34" charset="0"/>
+              <a:buChar char="•"/>
+            </a:pPr>
+            <a:r>
+              <a:rPr lang="en-US" b="0" i="0" dirty="0">
+                <a:effectLst/>
+                <a:latin typeface="Roboto" panose="02000000000000000000" pitchFamily="2" charset="0"/>
+              </a:rPr>
+              <a:t>Reason the topic was selected</a:t>
+            </a:r>
+          </a:p>
+          <a:p>
+            <a:pPr algn="l">
+              <a:buFont typeface="Arial" panose="020B0604020202020204" pitchFamily="34" charset="0"/>
+              <a:buChar char="•"/>
+            </a:pPr>
+            <a:r>
+              <a:rPr lang="en-US" b="0" i="0" dirty="0">
+                <a:effectLst/>
+                <a:latin typeface="Roboto" panose="02000000000000000000" pitchFamily="2" charset="0"/>
+              </a:rPr>
+              <a:t>Description of the source of data</a:t>
+            </a:r>
+          </a:p>
+          <a:p>
+            <a:pPr algn="l">
+              <a:buFont typeface="Arial" panose="020B0604020202020204" pitchFamily="34" charset="0"/>
+              <a:buChar char="•"/>
+            </a:pPr>
+            <a:r>
+              <a:rPr lang="en-US" b="0" i="0" dirty="0">
+                <a:effectLst/>
+                <a:latin typeface="Roboto" panose="02000000000000000000" pitchFamily="2" charset="0"/>
+              </a:rPr>
+              <a:t>Questions the team hopes to answer with the data</a:t>
+            </a:r>
+          </a:p>
+          <a:p>
+            <a:pPr algn="l">
+              <a:buFont typeface="Arial" panose="020B0604020202020204" pitchFamily="34" charset="0"/>
+              <a:buChar char="•"/>
+            </a:pPr>
+            <a:r>
+              <a:rPr lang="en-US" b="0" i="0" dirty="0">
+                <a:effectLst/>
+                <a:latin typeface="Roboto" panose="02000000000000000000" pitchFamily="2" charset="0"/>
+              </a:rPr>
+              <a:t>Description of the data exploration phase of the project</a:t>
+            </a:r>
+          </a:p>
+          <a:p>
+            <a:pPr algn="l">
+              <a:buFont typeface="Arial" panose="020B0604020202020204" pitchFamily="34" charset="0"/>
+              <a:buChar char="•"/>
+            </a:pPr>
+            <a:r>
+              <a:rPr lang="en-US" b="0" i="0" dirty="0">
+                <a:effectLst/>
+                <a:latin typeface="Roboto" panose="02000000000000000000" pitchFamily="2" charset="0"/>
+              </a:rPr>
+              <a:t>Description of the analysis phase of the project</a:t>
+            </a:r>
+          </a:p>
+          <a:p>
+            <a:pPr algn="l">
+              <a:buFont typeface="Arial" panose="020B0604020202020204" pitchFamily="34" charset="0"/>
+              <a:buChar char="•"/>
+            </a:pPr>
+            <a:r>
+              <a:rPr lang="en-US" b="0" i="0" dirty="0">
+                <a:effectLst/>
+                <a:latin typeface="Roboto" panose="02000000000000000000" pitchFamily="2" charset="0"/>
+              </a:rPr>
+              <a:t>Technologies, languages, tools, and algorithms used throughout the project</a:t>
+            </a:r>
+          </a:p>
+          <a:p>
+            <a:pPr algn="l">
+              <a:buFont typeface="Arial" panose="020B0604020202020204" pitchFamily="34" charset="0"/>
+              <a:buChar char="•"/>
+            </a:pPr>
+            <a:r>
+              <a:rPr lang="en-US" b="0" i="0" dirty="0">
+                <a:effectLst/>
+                <a:latin typeface="Roboto" panose="02000000000000000000" pitchFamily="2" charset="0"/>
+              </a:rPr>
+              <a:t>Result of analysis</a:t>
+            </a:r>
+          </a:p>
+          <a:p>
+            <a:pPr algn="l">
+              <a:buFont typeface="Arial" panose="020B0604020202020204" pitchFamily="34" charset="0"/>
+              <a:buChar char="•"/>
+            </a:pPr>
+            <a:r>
+              <a:rPr lang="en-US" b="0" i="0" dirty="0">
+                <a:effectLst/>
+                <a:latin typeface="Roboto" panose="02000000000000000000" pitchFamily="2" charset="0"/>
+              </a:rPr>
+              <a:t>Recommendation for future analysis</a:t>
+            </a:r>
+          </a:p>
+          <a:p>
+            <a:pPr algn="l">
+              <a:buFont typeface="Arial" panose="020B0604020202020204" pitchFamily="34" charset="0"/>
+              <a:buChar char="•"/>
+            </a:pPr>
+            <a:r>
+              <a:rPr lang="en-US" b="0" i="0" dirty="0">
+                <a:effectLst/>
+                <a:latin typeface="Roboto" panose="02000000000000000000" pitchFamily="2" charset="0"/>
+              </a:rPr>
+              <a:t>Anything the team would have done differently</a:t>
+            </a:r>
+          </a:p>
+        </p:txBody>
+      </p:sp>
+    </p:spTree>
+    <p:extLst>
+      <p:ext uri="{BB962C8B-B14F-4D97-AF65-F5344CB8AC3E}">
+        <p14:creationId xmlns:p14="http://schemas.microsoft.com/office/powerpoint/2010/main" val="3841850910"/>
+      </p:ext>
+    </p:extLst>
+  </p:cSld>
+  <p:clrMapOvr>
+    <a:masterClrMapping/>
+  </p:clrMapOvr>
+</p:sld>
+</file>
+
+<file path=ppt/slides/slide4.xml><?xml version="1.0" encoding="utf-8"?>
+<p:sld xmlns:a="http://schemas.openxmlformats.org/drawingml/2006/main" xmlns:r="http://schemas.openxmlformats.org/officeDocument/2006/relationships" xmlns:p="http://schemas.openxmlformats.org/presentationml/2006/main">
+  <p:cSld>
+    <p:bg>
+      <p:bgPr>
+        <a:solidFill>
+          <a:schemeClr val="bg1"/>
+        </a:solidFill>
+        <a:effectLst/>
+      </p:bgPr>
+    </p:bg>
+    <p:spTree>
+      <p:nvGrpSpPr>
+        <p:cNvPr id="1" name=""/>
+        <p:cNvGrpSpPr/>
+        <p:nvPr/>
+      </p:nvGrpSpPr>
+      <p:grpSpPr>
+        <a:xfrm>
+          <a:off x="0" y="0"/>
+          <a:ext cx="0" cy="0"/>
+          <a:chOff x="0" y="0"/>
+          <a:chExt cx="0" cy="0"/>
+        </a:xfrm>
+      </p:grpSpPr>
+      <p:pic>
+        <p:nvPicPr>
+          <p:cNvPr id="4" name="Picture 3">
+            <a:extLst>
+              <a:ext uri="{FF2B5EF4-FFF2-40B4-BE49-F238E27FC236}">
+                <a16:creationId xmlns:a16="http://schemas.microsoft.com/office/drawing/2014/main" id="{79B6A9A5-946B-06C5-D1F6-0EC6930CA415}"/>
+              </a:ext>
+            </a:extLst>
+          </p:cNvPr>
+          <p:cNvPicPr>
+            <a:picLocks noChangeAspect="1"/>
+          </p:cNvPicPr>
+          <p:nvPr/>
+        </p:nvPicPr>
+        <p:blipFill rotWithShape="1">
+          <a:blip r:embed="rId2">
+            <a:alphaModFix amt="35000"/>
+          </a:blip>
+          <a:srcRect t="17511" b="7489"/>
+          <a:stretch/>
+        </p:blipFill>
+        <p:spPr>
+          <a:xfrm>
+            <a:off x="3174" y="10"/>
+            <a:ext cx="12192000" cy="6857990"/>
+          </a:xfrm>
+          <a:prstGeom prst="rect">
+            <a:avLst/>
+          </a:prstGeom>
+        </p:spPr>
+      </p:pic>
+      <p:sp>
+        <p:nvSpPr>
+          <p:cNvPr id="2" name="Rectangle 1">
+            <a:extLst>
+              <a:ext uri="{FF2B5EF4-FFF2-40B4-BE49-F238E27FC236}">
+                <a16:creationId xmlns:a16="http://schemas.microsoft.com/office/drawing/2014/main" id="{9217D5CA-1858-0FBB-F6E9-1E54D5336E40}"/>
+              </a:ext>
+            </a:extLst>
+          </p:cNvPr>
+          <p:cNvSpPr/>
+          <p:nvPr/>
+        </p:nvSpPr>
+        <p:spPr>
+          <a:xfrm>
+            <a:off x="684212" y="4487332"/>
+            <a:ext cx="8534400" cy="1507067"/>
+          </a:xfrm>
+          <a:prstGeom prst="rect">
+            <a:avLst/>
+          </a:prstGeom>
+        </p:spPr>
+        <p:txBody>
+          <a:bodyPr vert="horz" lIns="91440" tIns="45720" rIns="91440" bIns="45720" rtlCol="0" anchor="ctr">
+            <a:normAutofit/>
+          </a:bodyPr>
+          <a:lstStyle/>
+          <a:p>
+            <a:pPr>
+              <a:spcBef>
+                <a:spcPct val="0"/>
+              </a:spcBef>
+              <a:spcAft>
+                <a:spcPts val="600"/>
+              </a:spcAft>
+            </a:pPr>
+            <a:r>
+              <a:rPr lang="en-US" sz="3600" b="1" cap="all">
+                <a:ln w="3175" cmpd="sng">
+                  <a:noFill/>
+                </a:ln>
+                <a:latin typeface="+mj-lt"/>
+                <a:ea typeface="+mj-ea"/>
+                <a:cs typeface="+mj-cs"/>
+              </a:rPr>
+              <a:t>All about our data.</a:t>
+            </a:r>
+          </a:p>
+        </p:txBody>
+      </p:sp>
+      <p:sp>
+        <p:nvSpPr>
+          <p:cNvPr id="3" name="TextBox 2">
+            <a:extLst>
+              <a:ext uri="{FF2B5EF4-FFF2-40B4-BE49-F238E27FC236}">
+                <a16:creationId xmlns:a16="http://schemas.microsoft.com/office/drawing/2014/main" id="{55682244-308F-8352-F1A8-1B0939D2EBB0}"/>
+              </a:ext>
+            </a:extLst>
+          </p:cNvPr>
+          <p:cNvSpPr txBox="1"/>
+          <p:nvPr/>
+        </p:nvSpPr>
+        <p:spPr>
+          <a:xfrm>
+            <a:off x="684212" y="685800"/>
+            <a:ext cx="8534400" cy="3615267"/>
+          </a:xfrm>
+          <a:prstGeom prst="rect">
+            <a:avLst/>
+          </a:prstGeom>
+        </p:spPr>
+        <p:txBody>
+          <a:bodyPr vert="horz" lIns="91440" tIns="45720" rIns="91440" bIns="45720" rtlCol="0" anchor="ctr">
+            <a:normAutofit/>
+          </a:bodyPr>
+          <a:lstStyle/>
+          <a:p>
+            <a:pPr marL="285750" indent="-285750">
+              <a:spcBef>
+                <a:spcPct val="20000"/>
+              </a:spcBef>
+              <a:spcAft>
+                <a:spcPts val="600"/>
+              </a:spcAft>
+              <a:buClr>
+                <a:schemeClr val="tx1"/>
+              </a:buClr>
+              <a:buSzPct val="80000"/>
+              <a:buFont typeface="Wingdings 3" panose="05040102010807070707" pitchFamily="18" charset="2"/>
+              <a:buChar char=""/>
+            </a:pPr>
+            <a:r>
+              <a:rPr lang="en-US" dirty="0"/>
+              <a:t>What?</a:t>
+            </a:r>
+          </a:p>
+          <a:p>
+            <a:pPr>
+              <a:spcBef>
+                <a:spcPct val="20000"/>
+              </a:spcBef>
+              <a:spcAft>
+                <a:spcPts val="600"/>
+              </a:spcAft>
+              <a:buClr>
+                <a:schemeClr val="tx1"/>
+              </a:buClr>
+              <a:buSzPct val="80000"/>
+              <a:buFont typeface="Wingdings 3" panose="05040102010807070707" pitchFamily="18" charset="2"/>
+              <a:buChar char=""/>
+            </a:pPr>
+            <a:endParaRPr lang="en-US" dirty="0"/>
+          </a:p>
+          <a:p>
+            <a:pPr marL="285750" indent="-285750">
+              <a:spcBef>
+                <a:spcPct val="20000"/>
+              </a:spcBef>
+              <a:spcAft>
+                <a:spcPts val="600"/>
+              </a:spcAft>
+              <a:buClr>
+                <a:schemeClr val="tx1"/>
+              </a:buClr>
+              <a:buSzPct val="80000"/>
+              <a:buFont typeface="Wingdings 3" panose="05040102010807070707" pitchFamily="18" charset="2"/>
+              <a:buChar char=""/>
+            </a:pPr>
+            <a:r>
+              <a:rPr lang="en-US" dirty="0"/>
+              <a:t>Why?</a:t>
+            </a:r>
+          </a:p>
+          <a:p>
+            <a:pPr marL="285750" indent="-285750">
+              <a:spcBef>
+                <a:spcPct val="20000"/>
+              </a:spcBef>
+              <a:spcAft>
+                <a:spcPts val="600"/>
+              </a:spcAft>
+              <a:buClr>
+                <a:schemeClr val="tx1"/>
+              </a:buClr>
+              <a:buSzPct val="80000"/>
+              <a:buFont typeface="Wingdings 3" panose="05040102010807070707" pitchFamily="18" charset="2"/>
+              <a:buChar char=""/>
+            </a:pPr>
+            <a:endParaRPr lang="en-US" dirty="0"/>
+          </a:p>
+          <a:p>
+            <a:pPr marL="285750" indent="-285750">
+              <a:spcBef>
+                <a:spcPct val="20000"/>
+              </a:spcBef>
+              <a:spcAft>
+                <a:spcPts val="600"/>
+              </a:spcAft>
+              <a:buClr>
+                <a:schemeClr val="tx1"/>
+              </a:buClr>
+              <a:buSzPct val="80000"/>
+              <a:buFont typeface="Wingdings 3" panose="05040102010807070707" pitchFamily="18" charset="2"/>
+              <a:buChar char=""/>
+            </a:pPr>
+            <a:r>
+              <a:rPr lang="en-US" dirty="0"/>
+              <a:t>Where from?</a:t>
+            </a:r>
+          </a:p>
+          <a:p>
+            <a:pPr>
+              <a:spcBef>
+                <a:spcPct val="20000"/>
+              </a:spcBef>
+              <a:spcAft>
+                <a:spcPts val="600"/>
+              </a:spcAft>
+              <a:buClr>
+                <a:schemeClr val="tx1"/>
+              </a:buClr>
+              <a:buSzPct val="80000"/>
+              <a:buFont typeface="Wingdings 3" panose="05040102010807070707" pitchFamily="18" charset="2"/>
+              <a:buChar char=""/>
+            </a:pPr>
+            <a:endParaRPr lang="en-US" dirty="0"/>
+          </a:p>
+        </p:txBody>
+      </p:sp>
+    </p:spTree>
+    <p:extLst>
+      <p:ext uri="{BB962C8B-B14F-4D97-AF65-F5344CB8AC3E}">
+        <p14:creationId xmlns:p14="http://schemas.microsoft.com/office/powerpoint/2010/main" val="2576964605"/>
+      </p:ext>
+    </p:extLst>
+  </p:cSld>
+  <p:clrMapOvr>
+    <a:masterClrMapping/>
+  </p:clrMapOvr>
+  <mc:AlternateContent xmlns:mc="http://schemas.openxmlformats.org/markup-compatibility/2006" xmlns:p159="http://schemas.microsoft.com/office/powerpoint/2015/09/main">
+    <mc:Choice Requires="p159">
+      <p:transition xmlns:p14="http://schemas.microsoft.com/office/powerpoint/2010/main" spd="slow" p14:dur="2000">
+        <p159:morph option="byObject"/>
+      </p:transition>
+    </mc:Choice>
+    <mc:Fallback xmlns="">
+      <p:transition spd="slow">
+        <p:fade/>
+      </p:transition>
+    </mc:Fallback>
+  </mc:AlternateContent>
+</p:sld>
+</file>
+
+<file path=ppt/slides/slide5.xml><?xml version="1.0" encoding="utf-8"?>
+<p:sld xmlns:a="http://schemas.openxmlformats.org/drawingml/2006/main" xmlns:r="http://schemas.openxmlformats.org/officeDocument/2006/relationships" xmlns:p="http://schemas.openxmlformats.org/presentationml/2006/main">
+  <p:cSld>
+    <p:bg>
+      <p:bgPr>
+        <a:solidFill>
+          <a:schemeClr val="bg1"/>
+        </a:solidFill>
+        <a:effectLst/>
+      </p:bgPr>
+    </p:bg>
+    <p:spTree>
+      <p:nvGrpSpPr>
+        <p:cNvPr id="1" name=""/>
+        <p:cNvGrpSpPr/>
+        <p:nvPr/>
+      </p:nvGrpSpPr>
+      <p:grpSpPr>
+        <a:xfrm>
+          <a:off x="0" y="0"/>
+          <a:ext cx="0" cy="0"/>
+          <a:chOff x="0" y="0"/>
+          <a:chExt cx="0" cy="0"/>
+        </a:xfrm>
+      </p:grpSpPr>
+      <p:pic>
+        <p:nvPicPr>
+          <p:cNvPr id="4" name="Picture 3">
+            <a:extLst>
+              <a:ext uri="{FF2B5EF4-FFF2-40B4-BE49-F238E27FC236}">
+                <a16:creationId xmlns:a16="http://schemas.microsoft.com/office/drawing/2014/main" id="{79B6A9A5-946B-06C5-D1F6-0EC6930CA415}"/>
+              </a:ext>
+            </a:extLst>
+          </p:cNvPr>
+          <p:cNvPicPr>
+            <a:picLocks noChangeAspect="1"/>
+          </p:cNvPicPr>
+          <p:nvPr/>
+        </p:nvPicPr>
+        <p:blipFill rotWithShape="1">
+          <a:blip r:embed="rId2">
+            <a:alphaModFix amt="35000"/>
+          </a:blip>
+          <a:srcRect t="17511" b="7489"/>
+          <a:stretch/>
+        </p:blipFill>
+        <p:spPr>
+          <a:xfrm>
+            <a:off x="3174" y="10"/>
+            <a:ext cx="12192000" cy="6857990"/>
+          </a:xfrm>
+          <a:prstGeom prst="rect">
+            <a:avLst/>
+          </a:prstGeom>
+        </p:spPr>
+      </p:pic>
+      <p:sp>
+        <p:nvSpPr>
+          <p:cNvPr id="2" name="Rectangle 1">
+            <a:extLst>
+              <a:ext uri="{FF2B5EF4-FFF2-40B4-BE49-F238E27FC236}">
+                <a16:creationId xmlns:a16="http://schemas.microsoft.com/office/drawing/2014/main" id="{9217D5CA-1858-0FBB-F6E9-1E54D5336E40}"/>
+              </a:ext>
+            </a:extLst>
+          </p:cNvPr>
+          <p:cNvSpPr/>
+          <p:nvPr/>
+        </p:nvSpPr>
+        <p:spPr>
+          <a:xfrm>
+            <a:off x="684212" y="4487332"/>
+            <a:ext cx="8534400" cy="1507067"/>
+          </a:xfrm>
+          <a:prstGeom prst="rect">
+            <a:avLst/>
+          </a:prstGeom>
+        </p:spPr>
+        <p:txBody>
+          <a:bodyPr vert="horz" lIns="91440" tIns="45720" rIns="91440" bIns="45720" rtlCol="0" anchor="ctr">
+            <a:normAutofit/>
+          </a:bodyPr>
+          <a:lstStyle/>
+          <a:p>
+            <a:pPr>
+              <a:spcBef>
+                <a:spcPct val="0"/>
+              </a:spcBef>
+              <a:spcAft>
+                <a:spcPts val="600"/>
+              </a:spcAft>
+            </a:pPr>
+            <a:r>
+              <a:rPr lang="en-US" sz="3600" b="1" cap="all">
+                <a:ln w="3175" cmpd="sng">
+                  <a:noFill/>
+                </a:ln>
+                <a:latin typeface="+mj-lt"/>
+                <a:ea typeface="+mj-ea"/>
+                <a:cs typeface="+mj-cs"/>
+              </a:rPr>
+              <a:t>All about our data.</a:t>
+            </a:r>
+          </a:p>
+        </p:txBody>
+      </p:sp>
+      <p:sp>
+        <p:nvSpPr>
+          <p:cNvPr id="3" name="TextBox 2">
+            <a:extLst>
+              <a:ext uri="{FF2B5EF4-FFF2-40B4-BE49-F238E27FC236}">
+                <a16:creationId xmlns:a16="http://schemas.microsoft.com/office/drawing/2014/main" id="{55682244-308F-8352-F1A8-1B0939D2EBB0}"/>
+              </a:ext>
+            </a:extLst>
+          </p:cNvPr>
+          <p:cNvSpPr txBox="1"/>
+          <p:nvPr/>
+        </p:nvSpPr>
+        <p:spPr>
+          <a:xfrm>
+            <a:off x="684212" y="685800"/>
+            <a:ext cx="8534400" cy="3615267"/>
+          </a:xfrm>
+          <a:prstGeom prst="rect">
+            <a:avLst/>
+          </a:prstGeom>
+        </p:spPr>
+        <p:txBody>
+          <a:bodyPr vert="horz" lIns="91440" tIns="45720" rIns="91440" bIns="45720" rtlCol="0" anchor="ctr">
+            <a:normAutofit/>
+          </a:bodyPr>
+          <a:lstStyle/>
+          <a:p>
+            <a:pPr marL="285750" indent="-285750">
+              <a:spcBef>
+                <a:spcPct val="20000"/>
+              </a:spcBef>
+              <a:spcAft>
+                <a:spcPts val="600"/>
+              </a:spcAft>
+              <a:buClr>
+                <a:schemeClr val="tx1"/>
+              </a:buClr>
+              <a:buSzPct val="80000"/>
+              <a:buFont typeface="Wingdings 3" panose="05040102010807070707" pitchFamily="18" charset="2"/>
+              <a:buChar char=""/>
+            </a:pPr>
+            <a:r>
+              <a:rPr lang="en-US" dirty="0"/>
+              <a:t>What? </a:t>
+            </a:r>
+          </a:p>
+          <a:p>
+            <a:pPr>
+              <a:spcBef>
+                <a:spcPct val="20000"/>
+              </a:spcBef>
+              <a:spcAft>
+                <a:spcPts val="600"/>
+              </a:spcAft>
+              <a:buClr>
+                <a:schemeClr val="tx1"/>
+              </a:buClr>
+              <a:buSzPct val="80000"/>
+            </a:pPr>
+            <a:r>
+              <a:rPr lang="en-US" dirty="0"/>
+              <a:t>      </a:t>
+            </a:r>
+          </a:p>
+          <a:p>
+            <a:pPr>
+              <a:spcBef>
+                <a:spcPct val="20000"/>
+              </a:spcBef>
+              <a:spcAft>
+                <a:spcPts val="600"/>
+              </a:spcAft>
+              <a:buClr>
+                <a:schemeClr val="tx1"/>
+              </a:buClr>
+              <a:buSzPct val="80000"/>
+            </a:pPr>
+            <a:r>
+              <a:rPr lang="en-US" dirty="0"/>
+              <a:t>           </a:t>
+            </a:r>
+          </a:p>
+          <a:p>
+            <a:pPr marL="285750" indent="-285750">
+              <a:spcBef>
+                <a:spcPct val="20000"/>
+              </a:spcBef>
+              <a:spcAft>
+                <a:spcPts val="600"/>
+              </a:spcAft>
+              <a:buClr>
+                <a:schemeClr val="tx1"/>
+              </a:buClr>
+              <a:buSzPct val="80000"/>
+              <a:buFont typeface="Wingdings 3" panose="05040102010807070707" pitchFamily="18" charset="2"/>
+              <a:buChar char=""/>
+            </a:pPr>
+            <a:endParaRPr lang="en-US" dirty="0"/>
+          </a:p>
+          <a:p>
+            <a:pPr>
+              <a:spcBef>
+                <a:spcPct val="20000"/>
+              </a:spcBef>
+              <a:spcAft>
+                <a:spcPts val="600"/>
+              </a:spcAft>
+              <a:buClr>
+                <a:schemeClr val="tx1"/>
+              </a:buClr>
+              <a:buSzPct val="80000"/>
+            </a:pPr>
+            <a:r>
+              <a:rPr lang="en-US" dirty="0"/>
+              <a:t>             </a:t>
+            </a:r>
+          </a:p>
+          <a:p>
+            <a:pPr>
+              <a:spcBef>
+                <a:spcPct val="20000"/>
+              </a:spcBef>
+              <a:spcAft>
+                <a:spcPts val="600"/>
+              </a:spcAft>
+              <a:buClr>
+                <a:schemeClr val="tx1"/>
+              </a:buClr>
+              <a:buSzPct val="80000"/>
+              <a:buFont typeface="Wingdings 3" panose="05040102010807070707" pitchFamily="18" charset="2"/>
+              <a:buChar char=""/>
+            </a:pPr>
+            <a:endParaRPr lang="en-US" dirty="0"/>
+          </a:p>
+        </p:txBody>
+      </p:sp>
+    </p:spTree>
+    <p:extLst>
+      <p:ext uri="{BB962C8B-B14F-4D97-AF65-F5344CB8AC3E}">
+        <p14:creationId xmlns:p14="http://schemas.microsoft.com/office/powerpoint/2010/main" val="4226339232"/>
+      </p:ext>
+    </p:extLst>
+  </p:cSld>
+  <p:clrMapOvr>
+    <a:masterClrMapping/>
+  </p:clrMapOvr>
+  <mc:AlternateContent xmlns:mc="http://schemas.openxmlformats.org/markup-compatibility/2006" xmlns:p159="http://schemas.microsoft.com/office/powerpoint/2015/09/main">
+    <mc:Choice Requires="p159">
+      <p:transition xmlns:p14="http://schemas.microsoft.com/office/powerpoint/2010/main" spd="slow" p14:dur="2000">
+        <p159:morph option="byObject"/>
+      </p:transition>
+    </mc:Choice>
+    <mc:Fallback xmlns="">
+      <p:transition spd="slow">
+        <p:fade/>
+      </p:transition>
+    </mc:Fallback>
+  </mc:AlternateContent>
+</p:sld>
+</file>
+
+<file path=ppt/slides/slide6.xml><?xml version="1.0" encoding="utf-8"?>
+<p:sld xmlns:a="http://schemas.openxmlformats.org/drawingml/2006/main" xmlns:r="http://schemas.openxmlformats.org/officeDocument/2006/relationships" xmlns:p="http://schemas.openxmlformats.org/presentationml/2006/main">
+  <p:cSld>
+    <p:bg>
+      <p:bgPr>
+        <a:solidFill>
+          <a:schemeClr val="bg1"/>
+        </a:solidFill>
+        <a:effectLst/>
+      </p:bgPr>
+    </p:bg>
+    <p:spTree>
+      <p:nvGrpSpPr>
+        <p:cNvPr id="1" name=""/>
+        <p:cNvGrpSpPr/>
+        <p:nvPr/>
+      </p:nvGrpSpPr>
+      <p:grpSpPr>
+        <a:xfrm>
+          <a:off x="0" y="0"/>
+          <a:ext cx="0" cy="0"/>
+          <a:chOff x="0" y="0"/>
+          <a:chExt cx="0" cy="0"/>
+        </a:xfrm>
+      </p:grpSpPr>
+      <p:pic>
+        <p:nvPicPr>
+          <p:cNvPr id="4" name="Picture 3">
+            <a:extLst>
+              <a:ext uri="{FF2B5EF4-FFF2-40B4-BE49-F238E27FC236}">
+                <a16:creationId xmlns:a16="http://schemas.microsoft.com/office/drawing/2014/main" id="{79B6A9A5-946B-06C5-D1F6-0EC6930CA415}"/>
+              </a:ext>
+            </a:extLst>
+          </p:cNvPr>
+          <p:cNvPicPr>
+            <a:picLocks noChangeAspect="1"/>
+          </p:cNvPicPr>
+          <p:nvPr/>
+        </p:nvPicPr>
+        <p:blipFill rotWithShape="1">
+          <a:blip r:embed="rId2">
+            <a:alphaModFix amt="35000"/>
+          </a:blip>
+          <a:srcRect t="17511" b="7489"/>
+          <a:stretch/>
+        </p:blipFill>
+        <p:spPr>
+          <a:xfrm>
+            <a:off x="3174" y="10"/>
+            <a:ext cx="12192000" cy="6857990"/>
+          </a:xfrm>
+          <a:prstGeom prst="rect">
+            <a:avLst/>
+          </a:prstGeom>
+        </p:spPr>
+      </p:pic>
+      <p:sp>
+        <p:nvSpPr>
+          <p:cNvPr id="2" name="Rectangle 1">
+            <a:extLst>
+              <a:ext uri="{FF2B5EF4-FFF2-40B4-BE49-F238E27FC236}">
+                <a16:creationId xmlns:a16="http://schemas.microsoft.com/office/drawing/2014/main" id="{9217D5CA-1858-0FBB-F6E9-1E54D5336E40}"/>
+              </a:ext>
+            </a:extLst>
+          </p:cNvPr>
+          <p:cNvSpPr/>
+          <p:nvPr/>
+        </p:nvSpPr>
+        <p:spPr>
+          <a:xfrm>
+            <a:off x="684212" y="4487332"/>
+            <a:ext cx="8534400" cy="1507067"/>
+          </a:xfrm>
+          <a:prstGeom prst="rect">
+            <a:avLst/>
+          </a:prstGeom>
+        </p:spPr>
+        <p:txBody>
+          <a:bodyPr vert="horz" lIns="91440" tIns="45720" rIns="91440" bIns="45720" rtlCol="0" anchor="ctr">
+            <a:normAutofit/>
+          </a:bodyPr>
+          <a:lstStyle/>
+          <a:p>
+            <a:pPr>
+              <a:spcBef>
+                <a:spcPct val="0"/>
+              </a:spcBef>
+              <a:spcAft>
+                <a:spcPts val="600"/>
+              </a:spcAft>
+            </a:pPr>
+            <a:r>
+              <a:rPr lang="en-US" sz="3600" b="1" cap="all">
+                <a:ln w="3175" cmpd="sng">
+                  <a:noFill/>
+                </a:ln>
+                <a:latin typeface="+mj-lt"/>
+                <a:ea typeface="+mj-ea"/>
+                <a:cs typeface="+mj-cs"/>
+              </a:rPr>
+              <a:t>All about our data.</a:t>
+            </a:r>
+          </a:p>
+        </p:txBody>
+      </p:sp>
+      <p:sp>
+        <p:nvSpPr>
+          <p:cNvPr id="3" name="TextBox 2">
+            <a:extLst>
+              <a:ext uri="{FF2B5EF4-FFF2-40B4-BE49-F238E27FC236}">
+                <a16:creationId xmlns:a16="http://schemas.microsoft.com/office/drawing/2014/main" id="{55682244-308F-8352-F1A8-1B0939D2EBB0}"/>
+              </a:ext>
+            </a:extLst>
+          </p:cNvPr>
+          <p:cNvSpPr txBox="1"/>
+          <p:nvPr/>
+        </p:nvSpPr>
+        <p:spPr>
+          <a:xfrm>
+            <a:off x="684212" y="685800"/>
+            <a:ext cx="8534400" cy="3615267"/>
+          </a:xfrm>
+          <a:prstGeom prst="rect">
+            <a:avLst/>
+          </a:prstGeom>
+        </p:spPr>
+        <p:txBody>
+          <a:bodyPr vert="horz" lIns="91440" tIns="45720" rIns="91440" bIns="45720" rtlCol="0" anchor="ctr">
+            <a:normAutofit/>
+          </a:bodyPr>
+          <a:lstStyle/>
+          <a:p>
+            <a:pPr>
+              <a:spcBef>
+                <a:spcPct val="20000"/>
+              </a:spcBef>
+              <a:spcAft>
+                <a:spcPts val="600"/>
+              </a:spcAft>
+              <a:buClr>
+                <a:schemeClr val="tx1"/>
+              </a:buClr>
+              <a:buSzPct val="80000"/>
+            </a:pPr>
+            <a:r>
+              <a:rPr lang="en-US" dirty="0"/>
+              <a:t>             </a:t>
+            </a:r>
+          </a:p>
+          <a:p>
+            <a:pPr>
+              <a:spcBef>
+                <a:spcPct val="20000"/>
+              </a:spcBef>
+              <a:spcAft>
+                <a:spcPts val="600"/>
+              </a:spcAft>
+              <a:buClr>
+                <a:schemeClr val="tx1"/>
+              </a:buClr>
+              <a:buSzPct val="80000"/>
+              <a:buFont typeface="Wingdings 3" panose="05040102010807070707" pitchFamily="18" charset="2"/>
+              <a:buChar char=""/>
+            </a:pPr>
+            <a:endParaRPr lang="en-US" dirty="0"/>
+          </a:p>
+          <a:p>
+            <a:pPr marL="285750" indent="-285750">
+              <a:spcBef>
+                <a:spcPct val="20000"/>
+              </a:spcBef>
+              <a:spcAft>
+                <a:spcPts val="600"/>
+              </a:spcAft>
+              <a:buClr>
+                <a:schemeClr val="tx1"/>
+              </a:buClr>
+              <a:buSzPct val="80000"/>
+              <a:buFont typeface="Wingdings 3" panose="05040102010807070707" pitchFamily="18" charset="2"/>
+              <a:buChar char=""/>
+            </a:pPr>
+            <a:r>
+              <a:rPr lang="en-US" dirty="0"/>
+              <a:t>Why?</a:t>
+            </a:r>
+          </a:p>
+          <a:p>
+            <a:pPr marL="285750" indent="-285750">
+              <a:spcBef>
+                <a:spcPct val="20000"/>
+              </a:spcBef>
+              <a:spcAft>
+                <a:spcPts val="600"/>
+              </a:spcAft>
+              <a:buClr>
+                <a:schemeClr val="tx1"/>
+              </a:buClr>
+              <a:buSzPct val="80000"/>
+              <a:buFont typeface="Wingdings 3" panose="05040102010807070707" pitchFamily="18" charset="2"/>
+              <a:buChar char=""/>
+            </a:pPr>
+            <a:endParaRPr lang="en-US" dirty="0"/>
+          </a:p>
+          <a:p>
+            <a:pPr>
+              <a:spcBef>
+                <a:spcPct val="20000"/>
+              </a:spcBef>
+              <a:spcAft>
+                <a:spcPts val="600"/>
+              </a:spcAft>
+              <a:buClr>
+                <a:schemeClr val="tx1"/>
+              </a:buClr>
+              <a:buSzPct val="80000"/>
+            </a:pPr>
+            <a:r>
+              <a:rPr lang="en-US" dirty="0"/>
+              <a:t>                    </a:t>
+            </a:r>
+          </a:p>
+        </p:txBody>
+      </p:sp>
+    </p:spTree>
+    <p:extLst>
+      <p:ext uri="{BB962C8B-B14F-4D97-AF65-F5344CB8AC3E}">
+        <p14:creationId xmlns:p14="http://schemas.microsoft.com/office/powerpoint/2010/main" val="1700639538"/>
+      </p:ext>
+    </p:extLst>
+  </p:cSld>
+  <p:clrMapOvr>
+    <a:masterClrMapping/>
+  </p:clrMapOvr>
+  <mc:AlternateContent xmlns:mc="http://schemas.openxmlformats.org/markup-compatibility/2006" xmlns:p159="http://schemas.microsoft.com/office/powerpoint/2015/09/main">
+    <mc:Choice Requires="p159">
+      <p:transition xmlns:p14="http://schemas.microsoft.com/office/powerpoint/2010/main" spd="slow" p14:dur="2000">
+        <p159:morph option="byObject"/>
+      </p:transition>
+    </mc:Choice>
+    <mc:Fallback xmlns="">
+      <p:transition spd="slow">
+        <p:fade/>
+      </p:transition>
+    </mc:Fallback>
+  </mc:AlternateContent>
+</p:sld>
+</file>
+
+<file path=ppt/slides/slide7.xml><?xml version="1.0" encoding="utf-8"?>
+<p:sld xmlns:a="http://schemas.openxmlformats.org/drawingml/2006/main" xmlns:r="http://schemas.openxmlformats.org/officeDocument/2006/relationships" xmlns:p="http://schemas.openxmlformats.org/presentationml/2006/main">
+  <p:cSld>
+    <p:bg>
+      <p:bgPr>
+        <a:solidFill>
+          <a:schemeClr val="bg1"/>
+        </a:solidFill>
+        <a:effectLst/>
+      </p:bgPr>
+    </p:bg>
+    <p:spTree>
+      <p:nvGrpSpPr>
+        <p:cNvPr id="1" name=""/>
+        <p:cNvGrpSpPr/>
+        <p:nvPr/>
+      </p:nvGrpSpPr>
+      <p:grpSpPr>
+        <a:xfrm>
+          <a:off x="0" y="0"/>
+          <a:ext cx="0" cy="0"/>
+          <a:chOff x="0" y="0"/>
+          <a:chExt cx="0" cy="0"/>
+        </a:xfrm>
+      </p:grpSpPr>
+      <p:pic>
+        <p:nvPicPr>
+          <p:cNvPr id="4" name="Picture 3">
+            <a:extLst>
+              <a:ext uri="{FF2B5EF4-FFF2-40B4-BE49-F238E27FC236}">
+                <a16:creationId xmlns:a16="http://schemas.microsoft.com/office/drawing/2014/main" id="{79B6A9A5-946B-06C5-D1F6-0EC6930CA415}"/>
+              </a:ext>
+            </a:extLst>
+          </p:cNvPr>
+          <p:cNvPicPr>
+            <a:picLocks noChangeAspect="1"/>
+          </p:cNvPicPr>
+          <p:nvPr/>
+        </p:nvPicPr>
+        <p:blipFill rotWithShape="1">
+          <a:blip r:embed="rId2">
+            <a:alphaModFix amt="35000"/>
+          </a:blip>
+          <a:srcRect t="17511" b="7489"/>
+          <a:stretch/>
+        </p:blipFill>
+        <p:spPr>
+          <a:xfrm>
+            <a:off x="3174" y="10"/>
+            <a:ext cx="12192000" cy="6857990"/>
+          </a:xfrm>
+          <a:prstGeom prst="rect">
+            <a:avLst/>
+          </a:prstGeom>
+        </p:spPr>
+      </p:pic>
+      <p:sp>
+        <p:nvSpPr>
+          <p:cNvPr id="2" name="Rectangle 1">
+            <a:extLst>
+              <a:ext uri="{FF2B5EF4-FFF2-40B4-BE49-F238E27FC236}">
+                <a16:creationId xmlns:a16="http://schemas.microsoft.com/office/drawing/2014/main" id="{9217D5CA-1858-0FBB-F6E9-1E54D5336E40}"/>
+              </a:ext>
+            </a:extLst>
+          </p:cNvPr>
+          <p:cNvSpPr/>
+          <p:nvPr/>
+        </p:nvSpPr>
+        <p:spPr>
+          <a:xfrm>
+            <a:off x="684212" y="4487332"/>
+            <a:ext cx="8534400" cy="1507067"/>
+          </a:xfrm>
+          <a:prstGeom prst="rect">
+            <a:avLst/>
+          </a:prstGeom>
+        </p:spPr>
+        <p:txBody>
+          <a:bodyPr vert="horz" lIns="91440" tIns="45720" rIns="91440" bIns="45720" rtlCol="0" anchor="ctr">
+            <a:normAutofit/>
+          </a:bodyPr>
+          <a:lstStyle/>
+          <a:p>
+            <a:pPr>
+              <a:spcBef>
+                <a:spcPct val="0"/>
+              </a:spcBef>
+              <a:spcAft>
+                <a:spcPts val="600"/>
+              </a:spcAft>
+            </a:pPr>
+            <a:r>
+              <a:rPr lang="en-US" sz="3600" b="1" cap="all">
+                <a:ln w="3175" cmpd="sng">
+                  <a:noFill/>
+                </a:ln>
+                <a:latin typeface="+mj-lt"/>
+                <a:ea typeface="+mj-ea"/>
+                <a:cs typeface="+mj-cs"/>
+              </a:rPr>
+              <a:t>All about our data.</a:t>
+            </a:r>
+          </a:p>
+        </p:txBody>
+      </p:sp>
+      <p:sp>
+        <p:nvSpPr>
+          <p:cNvPr id="3" name="TextBox 2">
+            <a:extLst>
+              <a:ext uri="{FF2B5EF4-FFF2-40B4-BE49-F238E27FC236}">
+                <a16:creationId xmlns:a16="http://schemas.microsoft.com/office/drawing/2014/main" id="{55682244-308F-8352-F1A8-1B0939D2EBB0}"/>
+              </a:ext>
+            </a:extLst>
+          </p:cNvPr>
+          <p:cNvSpPr txBox="1"/>
+          <p:nvPr/>
+        </p:nvSpPr>
+        <p:spPr>
+          <a:xfrm>
+            <a:off x="684212" y="685800"/>
+            <a:ext cx="8534400" cy="3615267"/>
+          </a:xfrm>
+          <a:prstGeom prst="rect">
+            <a:avLst/>
+          </a:prstGeom>
+        </p:spPr>
+        <p:txBody>
+          <a:bodyPr vert="horz" lIns="91440" tIns="45720" rIns="91440" bIns="45720" rtlCol="0" anchor="ctr">
+            <a:normAutofit/>
+          </a:bodyPr>
+          <a:lstStyle/>
+          <a:p>
+            <a:pPr>
+              <a:spcBef>
+                <a:spcPct val="20000"/>
+              </a:spcBef>
+              <a:spcAft>
+                <a:spcPts val="600"/>
+              </a:spcAft>
+              <a:buClr>
+                <a:schemeClr val="tx1"/>
+              </a:buClr>
+              <a:buSzPct val="80000"/>
+            </a:pPr>
+            <a:r>
+              <a:rPr lang="en-US" dirty="0"/>
+              <a:t>          </a:t>
+            </a:r>
+          </a:p>
+          <a:p>
+            <a:pPr>
+              <a:spcBef>
+                <a:spcPct val="20000"/>
+              </a:spcBef>
+              <a:spcAft>
+                <a:spcPts val="600"/>
+              </a:spcAft>
+              <a:buClr>
+                <a:schemeClr val="tx1"/>
+              </a:buClr>
+              <a:buSzPct val="80000"/>
+            </a:pPr>
+            <a:r>
+              <a:rPr lang="en-US" dirty="0"/>
+              <a:t>             </a:t>
+            </a:r>
+          </a:p>
+          <a:p>
+            <a:pPr>
+              <a:spcBef>
+                <a:spcPct val="20000"/>
+              </a:spcBef>
+              <a:spcAft>
+                <a:spcPts val="600"/>
+              </a:spcAft>
+              <a:buClr>
+                <a:schemeClr val="tx1"/>
+              </a:buClr>
+              <a:buSzPct val="80000"/>
+            </a:pPr>
+            <a:r>
+              <a:rPr lang="en-US" dirty="0"/>
+              <a:t>            </a:t>
+            </a:r>
+          </a:p>
+          <a:p>
+            <a:pPr marL="285750" indent="-285750">
+              <a:spcBef>
+                <a:spcPct val="20000"/>
+              </a:spcBef>
+              <a:spcAft>
+                <a:spcPts val="600"/>
+              </a:spcAft>
+              <a:buClr>
+                <a:schemeClr val="tx1"/>
+              </a:buClr>
+              <a:buSzPct val="80000"/>
+              <a:buFont typeface="Wingdings 3" panose="05040102010807070707" pitchFamily="18" charset="2"/>
+              <a:buChar char=""/>
+            </a:pPr>
+            <a:endParaRPr lang="en-US" dirty="0"/>
+          </a:p>
+          <a:p>
+            <a:pPr marL="285750" indent="-285750">
+              <a:spcBef>
+                <a:spcPct val="20000"/>
+              </a:spcBef>
+              <a:spcAft>
+                <a:spcPts val="600"/>
+              </a:spcAft>
+              <a:buClr>
+                <a:schemeClr val="tx1"/>
+              </a:buClr>
+              <a:buSzPct val="80000"/>
+              <a:buFont typeface="Wingdings 3" panose="05040102010807070707" pitchFamily="18" charset="2"/>
+              <a:buChar char=""/>
+            </a:pPr>
+            <a:r>
+              <a:rPr lang="en-US" dirty="0"/>
+              <a:t>Where from?</a:t>
+            </a:r>
+          </a:p>
+          <a:p>
+            <a:pPr>
+              <a:spcBef>
+                <a:spcPct val="20000"/>
+              </a:spcBef>
+              <a:spcAft>
+                <a:spcPts val="600"/>
+              </a:spcAft>
+              <a:buClr>
+                <a:schemeClr val="tx1"/>
+              </a:buClr>
+              <a:buSzPct val="80000"/>
+              <a:buFont typeface="Wingdings 3" panose="05040102010807070707" pitchFamily="18" charset="2"/>
+              <a:buChar char=""/>
+            </a:pPr>
+            <a:endParaRPr lang="en-US" dirty="0"/>
+          </a:p>
+        </p:txBody>
+      </p:sp>
+    </p:spTree>
+    <p:extLst>
+      <p:ext uri="{BB962C8B-B14F-4D97-AF65-F5344CB8AC3E}">
+        <p14:creationId xmlns:p14="http://schemas.microsoft.com/office/powerpoint/2010/main" val="3684150804"/>
+      </p:ext>
+    </p:extLst>
+  </p:cSld>
+  <p:clrMapOvr>
+    <a:masterClrMapping/>
+  </p:clrMapOvr>
+  <mc:AlternateContent xmlns:mc="http://schemas.openxmlformats.org/markup-compatibility/2006" xmlns:p159="http://schemas.microsoft.com/office/powerpoint/2015/09/main">
+    <mc:Choice Requires="p159">
+      <p:transition xmlns:p14="http://schemas.microsoft.com/office/powerpoint/2010/main" spd="slow" p14:dur="2000">
+        <p159:morph option="byObject"/>
+      </p:transition>
+    </mc:Choice>
+    <mc:Fallback xmlns="">
+      <p:transition spd="slow">
+        <p:fade/>
+      </p:transition>
+    </mc:Fallback>
+  </mc:AlternateContent>
+</p:sld>
+</file>
+
+<file path=ppt/slides/slide8.xml><?xml version="1.0" encoding="utf-8"?>
+<p:sld xmlns:a="http://schemas.openxmlformats.org/drawingml/2006/main" xmlns:r="http://schemas.openxmlformats.org/officeDocument/2006/relationships" xmlns:p="http://schemas.openxmlformats.org/presentationml/2006/main">
+  <p:cSld>
+    <p:spTree>
+      <p:nvGrpSpPr>
+        <p:cNvPr id="1" name=""/>
+        <p:cNvGrpSpPr/>
+        <p:nvPr/>
+      </p:nvGrpSpPr>
+      <p:grpSpPr>
+        <a:xfrm>
+          <a:off x="0" y="0"/>
+          <a:ext cx="0" cy="0"/>
+          <a:chOff x="0" y="0"/>
+          <a:chExt cx="0" cy="0"/>
+        </a:xfrm>
+      </p:grpSpPr>
+      <p:sp>
+        <p:nvSpPr>
+          <p:cNvPr id="3" name="TextBox 2">
+            <a:extLst>
+              <a:ext uri="{FF2B5EF4-FFF2-40B4-BE49-F238E27FC236}">
+                <a16:creationId xmlns:a16="http://schemas.microsoft.com/office/drawing/2014/main" id="{4B74CE34-54F0-230B-C645-63F479E300A8}"/>
+              </a:ext>
+            </a:extLst>
+          </p:cNvPr>
+          <p:cNvSpPr txBox="1"/>
+          <p:nvPr/>
+        </p:nvSpPr>
+        <p:spPr>
+          <a:xfrm>
+            <a:off x="3047260" y="2554056"/>
+            <a:ext cx="6094520" cy="1754326"/>
+          </a:xfrm>
+          <a:prstGeom prst="rect">
+            <a:avLst/>
+          </a:prstGeom>
+          <a:noFill/>
+        </p:spPr>
+        <p:txBody>
+          <a:bodyPr wrap="square">
+            <a:spAutoFit/>
+          </a:bodyPr>
+          <a:lstStyle/>
+          <a:p>
+            <a:pPr algn="l"/>
+            <a:r>
+              <a:rPr lang="en-US" b="0" i="0" dirty="0">
+                <a:effectLst/>
+                <a:latin typeface="Roboto" panose="02000000000000000000" pitchFamily="2" charset="0"/>
+              </a:rPr>
+              <a:t>The presentation should be finalized in Google Slides and include the following:</a:t>
+            </a:r>
+          </a:p>
+          <a:p>
+            <a:pPr algn="l">
+              <a:buFont typeface="Arial" panose="020B0604020202020204" pitchFamily="34" charset="0"/>
+              <a:buChar char="•"/>
+            </a:pPr>
+            <a:r>
+              <a:rPr lang="en-US" b="0" i="0" dirty="0">
+                <a:effectLst/>
+                <a:latin typeface="Roboto" panose="02000000000000000000" pitchFamily="2" charset="0"/>
+              </a:rPr>
+              <a:t>Slides are primarily images or graphics (rather than primarily text).</a:t>
+            </a:r>
+          </a:p>
+          <a:p>
+            <a:pPr algn="l">
+              <a:buFont typeface="Arial" panose="020B0604020202020204" pitchFamily="34" charset="0"/>
+              <a:buChar char="•"/>
+            </a:pPr>
+            <a:r>
+              <a:rPr lang="en-US" b="0" i="0" dirty="0">
+                <a:effectLst/>
+                <a:latin typeface="Roboto" panose="02000000000000000000" pitchFamily="2" charset="0"/>
+              </a:rPr>
+              <a:t>Images are clear, in high-definition, and directly illustrative of subject matter.</a:t>
+            </a:r>
+          </a:p>
+        </p:txBody>
+      </p:sp>
+    </p:spTree>
+    <p:extLst>
+      <p:ext uri="{BB962C8B-B14F-4D97-AF65-F5344CB8AC3E}">
+        <p14:creationId xmlns:p14="http://schemas.microsoft.com/office/powerpoint/2010/main" val="3937237542"/>
+      </p:ext>
+    </p:extLst>
+  </p:cSld>
+  <p:clrMapOvr>
+    <a:masterClrMapping/>
+  </p:clrMapOvr>
+</p:sld>
+</file>
+
+<file path=ppt/slides/slide9.xml><?xml version="1.0" encoding="utf-8"?>
+<p:sld xmlns:a="http://schemas.openxmlformats.org/drawingml/2006/main" xmlns:r="http://schemas.openxmlformats.org/officeDocument/2006/relationships" xmlns:p="http://schemas.openxmlformats.org/presentationml/2006/main">
+  <p:cSld>
+    <p:spTree>
+      <p:nvGrpSpPr>
+        <p:cNvPr id="1" name=""/>
+        <p:cNvGrpSpPr/>
+        <p:nvPr/>
+      </p:nvGrpSpPr>
+      <p:grpSpPr>
+        <a:xfrm>
+          <a:off x="0" y="0"/>
+          <a:ext cx="0" cy="0"/>
+          <a:chOff x="0" y="0"/>
+          <a:chExt cx="0" cy="0"/>
+        </a:xfrm>
+      </p:grpSpPr>
+      <p:sp>
+        <p:nvSpPr>
           <p:cNvPr id="3" name="TextBox 2">
             <a:extLst>
               <a:ext uri="{FF2B5EF4-FFF2-40B4-BE49-F238E27FC236}">
@@ -3722,9 +5533,9 @@
 </file>
 
 <file path=ppt/theme/theme1.xml><?xml version="1.0" encoding="utf-8"?>
-<a:theme xmlns:a="http://schemas.openxmlformats.org/drawingml/2006/main" name="Office Theme">
+<a:theme xmlns:a="http://schemas.openxmlformats.org/drawingml/2006/main" name="View">
   <a:themeElements>
-    <a:clrScheme name="Office">
+    <a:clrScheme name="View">
       <a:dk1>
         <a:sysClr val="windowText" lastClr="000000"/>
       </a:dk1>
@@ -3732,100 +5543,48 @@
         <a:sysClr val="window" lastClr="FFFFFF"/>
       </a:lt1>
       <a:dk2>
-        <a:srgbClr val="44546A"/>
+        <a:srgbClr val="564B3C"/>
       </a:dk2>
       <a:lt2>
-        <a:srgbClr val="E7E6E6"/>
+        <a:srgbClr val="ECEDD1"/>
       </a:lt2>
       <a:accent1>
-        <a:srgbClr val="4472C4"/>
+        <a:srgbClr val="93A299"/>
       </a:accent1>
       <a:accent2>
-        <a:srgbClr val="ED7D31"/>
+        <a:srgbClr val="CB4B30"/>
       </a:accent2>
       <a:accent3>
-        <a:srgbClr val="A5A5A5"/>
+        <a:srgbClr val="B5AE53"/>
       </a:accent3>
       <a:accent4>
-        <a:srgbClr val="FFC000"/>
+        <a:srgbClr val="6F6A7A"/>
       </a:accent4>
       <a:accent5>
-        <a:srgbClr val="5B9BD5"/>
+        <a:srgbClr val="E8B54D"/>
       </a:accent5>
       <a:accent6>
-        <a:srgbClr val="70AD47"/>
+        <a:srgbClr val="8A7952"/>
       </a:accent6>
       <a:hlink>
-        <a:srgbClr val="0563C1"/>
+        <a:srgbClr val="9F9F0B"/>
       </a:hlink>
       <a:folHlink>
-        <a:srgbClr val="954F72"/>
+        <a:srgbClr val="B2B2B2"/>
       </a:folHlink>
     </a:clrScheme>
-    <a:fontScheme name="Office">
+    <a:fontScheme name="View">
       <a:majorFont>
-        <a:latin typeface="Calibri Light" panose="020F0302020204030204"/>
+        <a:latin typeface="Century Schoolbook" panose="02040604050505020304"/>
         <a:ea typeface=""/>
         <a:cs typeface=""/>
-        <a:font script="Jpan" typeface="游ゴシック Light"/>
+        <a:font script="Jpan" typeface="ＭＳ ゴシック"/>
         <a:font script="Hang" typeface="맑은 고딕"/>
-        <a:font script="Hans" typeface="等线 Light"/>
+        <a:font script="Hans" typeface="宋体"/>
         <a:font script="Hant" typeface="新細明體"/>
-        <a:font script="Arab" typeface="Times New Roman"/>
-        <a:font script="Hebr" typeface="Times New Roman"/>
-        <a:font script="Thai" typeface="Angsana New"/>
-        <a:font script="Ethi" typeface="Nyala"/>
-        <a:font script="Beng" typeface="Vrinda"/>
-        <a:font script="Gujr" typeface="Shruti"/>
-        <a:font script="Khmr" typeface="MoolBoran"/>
-        <a:font script="Knda" typeface="Tunga"/>
-        <a:font script="Guru" typeface="Raavi"/>
-        <a:font script="Cans" typeface="Euphemia"/>
-        <a:font script="Cher" typeface="Plantagenet Cherokee"/>
-        <a:font script="Yiii" typeface="Microsoft Yi Baiti"/>
-        <a:font script="Tibt" typeface="Microsoft Himalaya"/>
-        <a:font script="Thaa" typeface="MV Boli"/>
-        <a:font script="Deva" typeface="Mangal"/>
-        <a:font script="Telu" typeface="Gautami"/>
-        <a:font script="Taml" typeface="Latha"/>
-        <a:font script="Syrc" typeface="Estrangelo Edessa"/>
-        <a:font script="Orya" typeface="Kalinga"/>
-        <a:font script="Mlym" typeface="Kartika"/>
-        <a:font script="Laoo" typeface="DokChampa"/>
-        <a:font script="Sinh" typeface="Iskoola Pota"/>
-        <a:font script="Mong" typeface="Mongolian Baiti"/>
-        <a:font script="Viet" typeface="Times New Roman"/>
-        <a:font script="Uigh" typeface="Microsoft Uighur"/>
-        <a:font script="Geor" typeface="Sylfaen"/>
-        <a:font script="Armn" typeface="Arial"/>
-        <a:font script="Bugi" typeface="Leelawadee UI"/>
-        <a:font script="Bopo" typeface="Microsoft JhengHei"/>
-        <a:font script="Java" typeface="Javanese Text"/>
-        <a:font script="Lisu" typeface="Segoe UI"/>
-        <a:font script="Mymr" typeface="Myanmar Text"/>
-        <a:font script="Nkoo" typeface="Ebrima"/>
-        <a:font script="Olck" typeface="Nirmala UI"/>
-        <a:font script="Osma" typeface="Ebrima"/>
-        <a:font script="Phag" typeface="Phagspa"/>
-        <a:font script="Syrn" typeface="Estrangelo Edessa"/>
-        <a:font script="Syrj" typeface="Estrangelo Edessa"/>
-        <a:font script="Syre" typeface="Estrangelo Edessa"/>
-        <a:font script="Sora" typeface="Nirmala UI"/>
-        <a:font script="Tale" typeface="Microsoft Tai Le"/>
-        <a:font script="Talu" typeface="Microsoft New Tai Lue"/>
-        <a:font script="Tfng" typeface="Ebrima"/>
-      </a:majorFont>
-      <a:minorFont>
-        <a:latin typeface="Calibri" panose="020F0502020204030204"/>
-        <a:ea typeface=""/>
-        <a:cs typeface=""/>
-        <a:font script="Jpan" typeface="游ゴシック"/>
-        <a:font script="Hang" typeface="맑은 고딕"/>
-        <a:font script="Hans" typeface="等线"/>
-        <a:font script="Hant" typeface="新細明體"/>
-        <a:font script="Arab" typeface="Arial"/>
-        <a:font script="Hebr" typeface="Arial"/>
-        <a:font script="Thai" typeface="Cordia New"/>
+        <a:font script="Arab" typeface="Tahoma"/>
+        <a:font script="Hebr" typeface="Gisha"/>
+        <a:font script="Thai" typeface="DilleniaUPC"/>
         <a:font script="Ethi" typeface="Nyala"/>
         <a:font script="Beng" typeface="Vrinda"/>
         <a:font script="Gujr" typeface="Shruti"/>
@@ -3846,107 +5605,86 @@
         <a:font script="Laoo" typeface="DokChampa"/>
         <a:font script="Sinh" typeface="Iskoola Pota"/>
         <a:font script="Mong" typeface="Mongolian Baiti"/>
-        <a:font script="Viet" typeface="Arial"/>
+        <a:font script="Viet" typeface="Tahoma"/>
         <a:font script="Uigh" typeface="Microsoft Uighur"/>
         <a:font script="Geor" typeface="Sylfaen"/>
-        <a:font script="Armn" typeface="Arial"/>
-        <a:font script="Bugi" typeface="Leelawadee UI"/>
-        <a:font script="Bopo" typeface="Microsoft JhengHei"/>
-        <a:font script="Java" typeface="Javanese Text"/>
-        <a:font script="Lisu" typeface="Segoe UI"/>
-        <a:font script="Mymr" typeface="Myanmar Text"/>
-        <a:font script="Nkoo" typeface="Ebrima"/>
-        <a:font script="Olck" typeface="Nirmala UI"/>
-        <a:font script="Osma" typeface="Ebrima"/>
-        <a:font script="Phag" typeface="Phagspa"/>
-        <a:font script="Syrn" typeface="Estrangelo Edessa"/>
-        <a:font script="Syrj" typeface="Estrangelo Edessa"/>
-        <a:font script="Syre" typeface="Estrangelo Edessa"/>
-        <a:font script="Sora" typeface="Nirmala UI"/>
-        <a:font script="Tale" typeface="Microsoft Tai Le"/>
-        <a:font script="Talu" typeface="Microsoft New Tai Lue"/>
-        <a:font script="Tfng" typeface="Ebrima"/>
+      </a:majorFont>
+      <a:minorFont>
+        <a:latin typeface="Century Schoolbook" panose="02040604050505020304"/>
+        <a:ea typeface=""/>
+        <a:cs typeface=""/>
+        <a:font script="Jpan" typeface="ＭＳ ゴシック"/>
+        <a:font script="Hang" typeface="맑은 고딕"/>
+        <a:font script="Hans" typeface="宋体"/>
+        <a:font script="Hant" typeface="新細明體"/>
+        <a:font script="Arab" typeface="Tahoma"/>
+        <a:font script="Hebr" typeface="Gisha"/>
+        <a:font script="Thai" typeface="DilleniaUPC"/>
+        <a:font script="Ethi" typeface="Nyala"/>
+        <a:font script="Beng" typeface="Vrinda"/>
+        <a:font script="Gujr" typeface="Shruti"/>
+        <a:font script="Khmr" typeface="DaunPenh"/>
+        <a:font script="Knda" typeface="Tunga"/>
+        <a:font script="Guru" typeface="Raavi"/>
+        <a:font script="Cans" typeface="Euphemia"/>
+        <a:font script="Cher" typeface="Plantagenet Cherokee"/>
+        <a:font script="Yiii" typeface="Microsoft Yi Baiti"/>
+        <a:font script="Tibt" typeface="Microsoft Himalaya"/>
+        <a:font script="Thaa" typeface="MV Boli"/>
+        <a:font script="Deva" typeface="Mangal"/>
+        <a:font script="Telu" typeface="Gautami"/>
+        <a:font script="Taml" typeface="Latha"/>
+        <a:font script="Syrc" typeface="Estrangelo Edessa"/>
+        <a:font script="Orya" typeface="Kalinga"/>
+        <a:font script="Mlym" typeface="Kartika"/>
+        <a:font script="Laoo" typeface="DokChampa"/>
+        <a:font script="Sinh" typeface="Iskoola Pota"/>
+        <a:font script="Mong" typeface="Mongolian Baiti"/>
+        <a:font script="Viet" typeface="Verdana"/>
+        <a:font script="Uigh" typeface="Microsoft Uighur"/>
+        <a:font script="Geor" typeface="Sylfaen"/>
       </a:minorFont>
     </a:fontScheme>
-    <a:fmtScheme name="Office">
+    <a:fmtScheme name="View">
       <a:fillStyleLst>
         <a:solidFill>
           <a:schemeClr val="phClr"/>
         </a:solidFill>
-        <a:gradFill rotWithShape="1">
-          <a:gsLst>
-            <a:gs pos="0">
-              <a:schemeClr val="phClr">
-                <a:lumMod val="110000"/>
-                <a:satMod val="105000"/>
-                <a:tint val="67000"/>
-              </a:schemeClr>
-            </a:gs>
-            <a:gs pos="50000">
-              <a:schemeClr val="phClr">
-                <a:lumMod val="105000"/>
-                <a:satMod val="103000"/>
-                <a:tint val="73000"/>
-              </a:schemeClr>
-            </a:gs>
-            <a:gs pos="100000">
-              <a:schemeClr val="phClr">
-                <a:lumMod val="105000"/>
-                <a:satMod val="109000"/>
-                <a:tint val="81000"/>
-              </a:schemeClr>
-            </a:gs>
-          </a:gsLst>
-          <a:lin ang="5400000" scaled="0"/>
-        </a:gradFill>
-        <a:gradFill rotWithShape="1">
-          <a:gsLst>
-            <a:gs pos="0">
-              <a:schemeClr val="phClr">
-                <a:satMod val="103000"/>
-                <a:lumMod val="102000"/>
-                <a:tint val="94000"/>
-              </a:schemeClr>
-            </a:gs>
-            <a:gs pos="50000">
-              <a:schemeClr val="phClr">
-                <a:satMod val="110000"/>
-                <a:lumMod val="100000"/>
-                <a:shade val="100000"/>
-              </a:schemeClr>
-            </a:gs>
-            <a:gs pos="100000">
-              <a:schemeClr val="phClr">
-                <a:lumMod val="99000"/>
-                <a:satMod val="120000"/>
-                <a:shade val="78000"/>
-              </a:schemeClr>
-            </a:gs>
-          </a:gsLst>
-          <a:lin ang="5400000" scaled="0"/>
-        </a:gradFill>
+        <a:solidFill>
+          <a:schemeClr val="phClr">
+            <a:tint val="60000"/>
+            <a:satMod val="120000"/>
+          </a:schemeClr>
+        </a:solidFill>
+        <a:solidFill>
+          <a:schemeClr val="phClr">
+            <a:shade val="75000"/>
+            <a:satMod val="130000"/>
+          </a:schemeClr>
+        </a:solidFill>
       </a:fillStyleLst>
       <a:lnStyleLst>
-        <a:ln w="6350" cap="flat" cmpd="sng" algn="ctr">
+        <a:ln w="9525" cap="flat" cmpd="sng" algn="ctr">
           <a:solidFill>
             <a:schemeClr val="phClr"/>
           </a:solidFill>
           <a:prstDash val="solid"/>
-          <a:miter lim="800000"/>
         </a:ln>
-        <a:ln w="12700" cap="flat" cmpd="sng" algn="ctr">
+        <a:ln w="13970" cap="flat" cmpd="sng" algn="ctr">
           <a:solidFill>
             <a:schemeClr val="phClr"/>
           </a:solidFill>
           <a:prstDash val="solid"/>
-          <a:miter lim="800000"/>
         </a:ln>
-        <a:ln w="19050" cap="flat" cmpd="sng" algn="ctr">
+        <a:ln w="17145" cap="flat" cmpd="sng" algn="ctr">
           <a:solidFill>
-            <a:schemeClr val="phClr"/>
+            <a:schemeClr val="phClr">
+              <a:shade val="95000"/>
+              <a:alpha val="95000"/>
+              <a:satMod val="150000"/>
+            </a:schemeClr>
           </a:solidFill>
           <a:prstDash val="solid"/>
-          <a:miter lim="800000"/>
         </a:ln>
       </a:lnStyleLst>
       <a:effectStyleLst>
@@ -3954,16 +5692,52 @@
           <a:effectLst/>
         </a:effectStyle>
         <a:effectStyle>
-          <a:effectLst/>
+          <a:effectLst>
+            <a:outerShdw blurRad="50800" dist="15240" dir="5400000" algn="tl" rotWithShape="0">
+              <a:srgbClr val="000000">
+                <a:alpha val="75000"/>
+              </a:srgbClr>
+            </a:outerShdw>
+          </a:effectLst>
+          <a:scene3d>
+            <a:camera prst="orthographicFront">
+              <a:rot lat="0" lon="0" rev="0"/>
+            </a:camera>
+            <a:lightRig rig="brightRoom" dir="tl"/>
+          </a:scene3d>
+          <a:sp3d contourW="9525" prstMaterial="flat">
+            <a:bevelT w="0" h="0" prst="coolSlant"/>
+            <a:contourClr>
+              <a:schemeClr val="phClr">
+                <a:shade val="35000"/>
+                <a:satMod val="130000"/>
+              </a:schemeClr>
+            </a:contourClr>
+          </a:sp3d>
         </a:effectStyle>
         <a:effectStyle>
           <a:effectLst>
-            <a:outerShdw blurRad="57150" dist="19050" dir="5400000" algn="ctr" rotWithShape="0">
+            <a:outerShdw blurRad="76200" dist="25400" dir="5400000" algn="tl" rotWithShape="0">
               <a:srgbClr val="000000">
-                <a:alpha val="63000"/>
+                <a:alpha val="55000"/>
               </a:srgbClr>
             </a:outerShdw>
           </a:effectLst>
+          <a:scene3d>
+            <a:camera prst="orthographicFront">
+              <a:rot lat="0" lon="0" rev="0"/>
+            </a:camera>
+            <a:lightRig rig="brightRoom" dir="tl"/>
+          </a:scene3d>
+          <a:sp3d contourW="19050" prstMaterial="flat">
+            <a:bevelT w="0" h="0" prst="coolSlant"/>
+            <a:contourClr>
+              <a:schemeClr val="phClr">
+                <a:shade val="35000"/>
+                <a:satMod val="140000"/>
+              </a:schemeClr>
+            </a:contourClr>
+          </a:sp3d>
         </a:effectStyle>
       </a:effectStyleLst>
       <a:bgFillStyleLst>
@@ -3980,28 +5754,23 @@
           <a:gsLst>
             <a:gs pos="0">
               <a:schemeClr val="phClr">
-                <a:tint val="93000"/>
-                <a:satMod val="150000"/>
+                <a:tint val="94000"/>
                 <a:shade val="98000"/>
+                <a:satMod val="130000"/>
                 <a:lumMod val="102000"/>
-              </a:schemeClr>
-            </a:gs>
-            <a:gs pos="50000">
-              <a:schemeClr val="phClr">
-                <a:tint val="98000"/>
-                <a:satMod val="130000"/>
-                <a:shade val="90000"/>
-                <a:lumMod val="103000"/>
               </a:schemeClr>
             </a:gs>
             <a:gs pos="100000">
               <a:schemeClr val="phClr">
-                <a:shade val="63000"/>
-                <a:satMod val="120000"/>
+                <a:tint val="98000"/>
+                <a:shade val="78000"/>
+                <a:satMod val="140000"/>
               </a:schemeClr>
             </a:gs>
           </a:gsLst>
-          <a:lin ang="5400000" scaled="0"/>
+          <a:path path="circle">
+            <a:fillToRect l="100000" t="100000" r="100000" b="100000"/>
+          </a:path>
         </a:gradFill>
       </a:bgFillStyleLst>
     </a:fmtScheme>
@@ -4010,7 +5779,7 @@
   <a:extraClrSchemeLst/>
   <a:extLst>
     <a:ext uri="{05A4C25C-085E-4340-85A3-A5531E510DB2}">
-      <thm15:themeFamily xmlns:thm15="http://schemas.microsoft.com/office/thememl/2012/main" name="Office Theme" id="{62F939B6-93AF-4DB8-9C6B-D6C7DFDC589F}" vid="{4A3C46E8-61CC-4603-A589-7422A47A8E4A}"/>
+      <thm15:themeFamily xmlns:thm15="http://schemas.microsoft.com/office/thememl/2012/main" name="View" id="{BA0EB5A6-F2D4-4F82-977B-64ADEE4A2A69}" vid="{3866257B-E5CE-4C43-9210-F2DE76BE10B5}"/>
     </a:ext>
   </a:extLst>
 </a:theme>
